--- a/doc/웹 페이지 흐름도.pptx
+++ b/doc/웹 페이지 흐름도.pptx
@@ -7,6 +7,29 @@
   <p:sldIdLst>
     <p:sldId id="256" r:id="rId2"/>
     <p:sldId id="257" r:id="rId3"/>
+    <p:sldId id="277" r:id="rId4"/>
+    <p:sldId id="279" r:id="rId5"/>
+    <p:sldId id="280" r:id="rId6"/>
+    <p:sldId id="278" r:id="rId7"/>
+    <p:sldId id="258" r:id="rId8"/>
+    <p:sldId id="263" r:id="rId9"/>
+    <p:sldId id="266" r:id="rId10"/>
+    <p:sldId id="267" r:id="rId11"/>
+    <p:sldId id="268" r:id="rId12"/>
+    <p:sldId id="269" r:id="rId13"/>
+    <p:sldId id="270" r:id="rId14"/>
+    <p:sldId id="271" r:id="rId15"/>
+    <p:sldId id="259" r:id="rId16"/>
+    <p:sldId id="264" r:id="rId17"/>
+    <p:sldId id="260" r:id="rId18"/>
+    <p:sldId id="265" r:id="rId19"/>
+    <p:sldId id="261" r:id="rId20"/>
+    <p:sldId id="272" r:id="rId21"/>
+    <p:sldId id="262" r:id="rId22"/>
+    <p:sldId id="273" r:id="rId23"/>
+    <p:sldId id="274" r:id="rId24"/>
+    <p:sldId id="275" r:id="rId25"/>
+    <p:sldId id="276" r:id="rId26"/>
   </p:sldIdLst>
   <p:sldSz cx="12192000" cy="6858000"/>
   <p:notesSz cx="6858000" cy="9144000"/>
@@ -105,6 +128,11 @@
       </a:defRPr>
     </a:lvl9pPr>
   </p:defaultTextStyle>
+  <p:extLst>
+    <p:ext uri="{EFAFB233-063F-42B5-8137-9DF3F51BA10A}">
+      <p15:sldGuideLst xmlns:p15="http://schemas.microsoft.com/office/powerpoint/2012/main"/>
+    </p:ext>
+  </p:extLst>
 </p:presentation>
 </file>
 
@@ -239,7 +267,7 @@
           <a:p>
             <a:fld id="{505E7966-E11D-4102-B2BF-A3538230BB24}" type="datetimeFigureOut">
               <a:rPr lang="ko-KR" altLang="en-US" smtClean="0"/>
-              <a:t>2018-10-11</a:t>
+              <a:t>2018-10-12</a:t>
             </a:fld>
             <a:endParaRPr lang="ko-KR" altLang="en-US"/>
           </a:p>
@@ -409,7 +437,7 @@
           <a:p>
             <a:fld id="{505E7966-E11D-4102-B2BF-A3538230BB24}" type="datetimeFigureOut">
               <a:rPr lang="ko-KR" altLang="en-US" smtClean="0"/>
-              <a:t>2018-10-11</a:t>
+              <a:t>2018-10-12</a:t>
             </a:fld>
             <a:endParaRPr lang="ko-KR" altLang="en-US"/>
           </a:p>
@@ -589,7 +617,7 @@
           <a:p>
             <a:fld id="{505E7966-E11D-4102-B2BF-A3538230BB24}" type="datetimeFigureOut">
               <a:rPr lang="ko-KR" altLang="en-US" smtClean="0"/>
-              <a:t>2018-10-11</a:t>
+              <a:t>2018-10-12</a:t>
             </a:fld>
             <a:endParaRPr lang="ko-KR" altLang="en-US"/>
           </a:p>
@@ -759,7 +787,7 @@
           <a:p>
             <a:fld id="{505E7966-E11D-4102-B2BF-A3538230BB24}" type="datetimeFigureOut">
               <a:rPr lang="ko-KR" altLang="en-US" smtClean="0"/>
-              <a:t>2018-10-11</a:t>
+              <a:t>2018-10-12</a:t>
             </a:fld>
             <a:endParaRPr lang="ko-KR" altLang="en-US"/>
           </a:p>
@@ -1005,7 +1033,7 @@
           <a:p>
             <a:fld id="{505E7966-E11D-4102-B2BF-A3538230BB24}" type="datetimeFigureOut">
               <a:rPr lang="ko-KR" altLang="en-US" smtClean="0"/>
-              <a:t>2018-10-11</a:t>
+              <a:t>2018-10-12</a:t>
             </a:fld>
             <a:endParaRPr lang="ko-KR" altLang="en-US"/>
           </a:p>
@@ -1237,7 +1265,7 @@
           <a:p>
             <a:fld id="{505E7966-E11D-4102-B2BF-A3538230BB24}" type="datetimeFigureOut">
               <a:rPr lang="ko-KR" altLang="en-US" smtClean="0"/>
-              <a:t>2018-10-11</a:t>
+              <a:t>2018-10-12</a:t>
             </a:fld>
             <a:endParaRPr lang="ko-KR" altLang="en-US"/>
           </a:p>
@@ -1604,7 +1632,7 @@
           <a:p>
             <a:fld id="{505E7966-E11D-4102-B2BF-A3538230BB24}" type="datetimeFigureOut">
               <a:rPr lang="ko-KR" altLang="en-US" smtClean="0"/>
-              <a:t>2018-10-11</a:t>
+              <a:t>2018-10-12</a:t>
             </a:fld>
             <a:endParaRPr lang="ko-KR" altLang="en-US"/>
           </a:p>
@@ -1722,7 +1750,7 @@
           <a:p>
             <a:fld id="{505E7966-E11D-4102-B2BF-A3538230BB24}" type="datetimeFigureOut">
               <a:rPr lang="ko-KR" altLang="en-US" smtClean="0"/>
-              <a:t>2018-10-11</a:t>
+              <a:t>2018-10-12</a:t>
             </a:fld>
             <a:endParaRPr lang="ko-KR" altLang="en-US"/>
           </a:p>
@@ -1817,7 +1845,7 @@
           <a:p>
             <a:fld id="{505E7966-E11D-4102-B2BF-A3538230BB24}" type="datetimeFigureOut">
               <a:rPr lang="ko-KR" altLang="en-US" smtClean="0"/>
-              <a:t>2018-10-11</a:t>
+              <a:t>2018-10-12</a:t>
             </a:fld>
             <a:endParaRPr lang="ko-KR" altLang="en-US"/>
           </a:p>
@@ -2094,7 +2122,7 @@
           <a:p>
             <a:fld id="{505E7966-E11D-4102-B2BF-A3538230BB24}" type="datetimeFigureOut">
               <a:rPr lang="ko-KR" altLang="en-US" smtClean="0"/>
-              <a:t>2018-10-11</a:t>
+              <a:t>2018-10-12</a:t>
             </a:fld>
             <a:endParaRPr lang="ko-KR" altLang="en-US"/>
           </a:p>
@@ -2347,7 +2375,7 @@
           <a:p>
             <a:fld id="{505E7966-E11D-4102-B2BF-A3538230BB24}" type="datetimeFigureOut">
               <a:rPr lang="ko-KR" altLang="en-US" smtClean="0"/>
-              <a:t>2018-10-11</a:t>
+              <a:t>2018-10-12</a:t>
             </a:fld>
             <a:endParaRPr lang="ko-KR" altLang="en-US"/>
           </a:p>
@@ -2560,7 +2588,7 @@
           <a:p>
             <a:fld id="{505E7966-E11D-4102-B2BF-A3538230BB24}" type="datetimeFigureOut">
               <a:rPr lang="ko-KR" altLang="en-US" smtClean="0"/>
-              <a:t>2018-10-11</a:t>
+              <a:t>2018-10-12</a:t>
             </a:fld>
             <a:endParaRPr lang="ko-KR" altLang="en-US"/>
           </a:p>
@@ -2995,25 +3023,6 @@
           </a:p>
         </p:txBody>
       </p:sp>
-      <p:sp>
-        <p:nvSpPr>
-          <p:cNvPr id="3" name="부제목 2"/>
-          <p:cNvSpPr>
-            <a:spLocks noGrp="1"/>
-          </p:cNvSpPr>
-          <p:nvPr>
-            <p:ph type="subTitle" idx="1"/>
-          </p:nvPr>
-        </p:nvSpPr>
-        <p:spPr/>
-        <p:txBody>
-          <a:bodyPr/>
-          <a:lstStyle/>
-          <a:p>
-            <a:endParaRPr lang="ko-KR" altLang="en-US"/>
-          </a:p>
-        </p:txBody>
-      </p:sp>
     </p:spTree>
     <p:extLst>
       <p:ext uri="{BB962C8B-B14F-4D97-AF65-F5344CB8AC3E}">
@@ -3024,6 +3033,1237 @@
   <p:clrMapOvr>
     <a:masterClrMapping/>
   </p:clrMapOvr>
+  <p:timing>
+    <p:tnLst>
+      <p:par>
+        <p:cTn id="1" dur="indefinite" restart="never" nodeType="tmRoot"/>
+      </p:par>
+    </p:tnLst>
+  </p:timing>
+</p:sld>
+</file>
+
+<file path=ppt/slides/slide10.xml><?xml version="1.0" encoding="utf-8"?>
+<p:sld xmlns:a="http://schemas.openxmlformats.org/drawingml/2006/main" xmlns:r="http://schemas.openxmlformats.org/officeDocument/2006/relationships" xmlns:p="http://schemas.openxmlformats.org/presentationml/2006/main">
+  <p:cSld>
+    <p:spTree>
+      <p:nvGrpSpPr>
+        <p:cNvPr id="1" name=""/>
+        <p:cNvGrpSpPr/>
+        <p:nvPr/>
+      </p:nvGrpSpPr>
+      <p:grpSpPr>
+        <a:xfrm>
+          <a:off x="0" y="0"/>
+          <a:ext cx="0" cy="0"/>
+          <a:chOff x="0" y="0"/>
+          <a:chExt cx="0" cy="0"/>
+        </a:xfrm>
+      </p:grpSpPr>
+      <p:sp>
+        <p:nvSpPr>
+          <p:cNvPr id="2" name="제목 1"/>
+          <p:cNvSpPr>
+            <a:spLocks noGrp="1"/>
+          </p:cNvSpPr>
+          <p:nvPr>
+            <p:ph type="title"/>
+          </p:nvPr>
+        </p:nvSpPr>
+        <p:spPr/>
+        <p:txBody>
+          <a:bodyPr/>
+          <a:lstStyle/>
+          <a:p>
+            <a:r>
+              <a:rPr lang="ko-KR" altLang="en-US" dirty="0" smtClean="0"/>
+              <a:t>숙소 등록하기 </a:t>
+            </a:r>
+            <a:r>
+              <a:rPr lang="en-US" altLang="ko-KR" dirty="0" smtClean="0"/>
+              <a:t>– </a:t>
+            </a:r>
+            <a:r>
+              <a:rPr lang="ko-KR" altLang="en-US" dirty="0" smtClean="0"/>
+              <a:t>기본 </a:t>
+            </a:r>
+            <a:r>
+              <a:rPr lang="en-US" altLang="ko-KR" dirty="0" smtClean="0"/>
+              <a:t>3</a:t>
+            </a:r>
+            <a:r>
+              <a:rPr lang="ko-KR" altLang="en-US" dirty="0" smtClean="0"/>
+              <a:t>단계</a:t>
+            </a:r>
+            <a:endParaRPr lang="ko-KR" altLang="en-US" dirty="0"/>
+          </a:p>
+        </p:txBody>
+      </p:sp>
+      <p:sp>
+        <p:nvSpPr>
+          <p:cNvPr id="3" name="내용 개체 틀 2"/>
+          <p:cNvSpPr>
+            <a:spLocks noGrp="1"/>
+          </p:cNvSpPr>
+          <p:nvPr>
+            <p:ph idx="1"/>
+          </p:nvPr>
+        </p:nvSpPr>
+        <p:spPr/>
+        <p:txBody>
+          <a:bodyPr>
+            <a:normAutofit/>
+          </a:bodyPr>
+          <a:lstStyle/>
+          <a:p>
+            <a:r>
+              <a:rPr lang="ko-KR" altLang="en-US" dirty="0" smtClean="0"/>
+              <a:t>숙소 위치</a:t>
+            </a:r>
+            <a:r>
+              <a:rPr lang="en-US" altLang="ko-KR" dirty="0" smtClean="0"/>
+              <a:t/>
+            </a:r>
+            <a:br>
+              <a:rPr lang="en-US" altLang="ko-KR" dirty="0" smtClean="0"/>
+            </a:br>
+            <a:r>
+              <a:rPr lang="en-US" altLang="ko-KR" dirty="0" smtClean="0"/>
+              <a:t>    - </a:t>
+            </a:r>
+            <a:r>
+              <a:rPr lang="ko-KR" altLang="en-US" dirty="0" smtClean="0"/>
+              <a:t>주소 입력</a:t>
+            </a:r>
+            <a:endParaRPr lang="en-US" altLang="ko-KR" dirty="0" smtClean="0"/>
+          </a:p>
+          <a:p>
+            <a:r>
+              <a:rPr lang="ko-KR" altLang="en-US" dirty="0" smtClean="0">
+                <a:hlinkClick r:id="rId2" action="ppaction://hlinksldjump"/>
+              </a:rPr>
+              <a:t>다음 버튼</a:t>
+            </a:r>
+            <a:endParaRPr lang="ko-KR" altLang="en-US" dirty="0" smtClean="0"/>
+          </a:p>
+          <a:p>
+            <a:endParaRPr lang="ko-KR" altLang="en-US" dirty="0"/>
+          </a:p>
+        </p:txBody>
+      </p:sp>
+    </p:spTree>
+    <p:extLst>
+      <p:ext uri="{BB962C8B-B14F-4D97-AF65-F5344CB8AC3E}">
+        <p14:creationId xmlns:p14="http://schemas.microsoft.com/office/powerpoint/2010/main" val="2577671722"/>
+      </p:ext>
+    </p:extLst>
+  </p:cSld>
+  <p:clrMapOvr>
+    <a:masterClrMapping/>
+  </p:clrMapOvr>
+  <p:timing>
+    <p:tnLst>
+      <p:par>
+        <p:cTn id="1" dur="indefinite" restart="never" nodeType="tmRoot"/>
+      </p:par>
+    </p:tnLst>
+  </p:timing>
+</p:sld>
+</file>
+
+<file path=ppt/slides/slide11.xml><?xml version="1.0" encoding="utf-8"?>
+<p:sld xmlns:a="http://schemas.openxmlformats.org/drawingml/2006/main" xmlns:r="http://schemas.openxmlformats.org/officeDocument/2006/relationships" xmlns:p="http://schemas.openxmlformats.org/presentationml/2006/main">
+  <p:cSld>
+    <p:spTree>
+      <p:nvGrpSpPr>
+        <p:cNvPr id="1" name=""/>
+        <p:cNvGrpSpPr/>
+        <p:nvPr/>
+      </p:nvGrpSpPr>
+      <p:grpSpPr>
+        <a:xfrm>
+          <a:off x="0" y="0"/>
+          <a:ext cx="0" cy="0"/>
+          <a:chOff x="0" y="0"/>
+          <a:chExt cx="0" cy="0"/>
+        </a:xfrm>
+      </p:grpSpPr>
+      <p:sp>
+        <p:nvSpPr>
+          <p:cNvPr id="2" name="제목 1"/>
+          <p:cNvSpPr>
+            <a:spLocks noGrp="1"/>
+          </p:cNvSpPr>
+          <p:nvPr>
+            <p:ph type="title"/>
+          </p:nvPr>
+        </p:nvSpPr>
+        <p:spPr/>
+        <p:txBody>
+          <a:bodyPr/>
+          <a:lstStyle/>
+          <a:p>
+            <a:r>
+              <a:rPr lang="ko-KR" altLang="en-US" dirty="0" smtClean="0"/>
+              <a:t>숙소 등록하기 </a:t>
+            </a:r>
+            <a:r>
+              <a:rPr lang="en-US" altLang="ko-KR" dirty="0" smtClean="0"/>
+              <a:t>– </a:t>
+            </a:r>
+            <a:r>
+              <a:rPr lang="ko-KR" altLang="en-US" dirty="0" smtClean="0"/>
+              <a:t>기본 </a:t>
+            </a:r>
+            <a:r>
+              <a:rPr lang="en-US" altLang="ko-KR" dirty="0" smtClean="0"/>
+              <a:t>4</a:t>
+            </a:r>
+            <a:r>
+              <a:rPr lang="ko-KR" altLang="en-US" dirty="0" smtClean="0"/>
+              <a:t>단계</a:t>
+            </a:r>
+            <a:endParaRPr lang="ko-KR" altLang="en-US" dirty="0"/>
+          </a:p>
+        </p:txBody>
+      </p:sp>
+      <p:sp>
+        <p:nvSpPr>
+          <p:cNvPr id="3" name="내용 개체 틀 2"/>
+          <p:cNvSpPr>
+            <a:spLocks noGrp="1"/>
+          </p:cNvSpPr>
+          <p:nvPr>
+            <p:ph idx="1"/>
+          </p:nvPr>
+        </p:nvSpPr>
+        <p:spPr/>
+        <p:txBody>
+          <a:bodyPr/>
+          <a:lstStyle/>
+          <a:p>
+            <a:r>
+              <a:rPr lang="ko-KR" altLang="en-US" dirty="0" smtClean="0"/>
+              <a:t>숙소 위치</a:t>
+            </a:r>
+            <a:r>
+              <a:rPr lang="en-US" altLang="ko-KR" dirty="0" smtClean="0"/>
+              <a:t/>
+            </a:r>
+            <a:br>
+              <a:rPr lang="en-US" altLang="ko-KR" dirty="0" smtClean="0"/>
+            </a:br>
+            <a:r>
+              <a:rPr lang="en-US" altLang="ko-KR" dirty="0" smtClean="0"/>
+              <a:t>    - </a:t>
+            </a:r>
+            <a:r>
+              <a:rPr lang="ko-KR" altLang="en-US" dirty="0" smtClean="0"/>
+              <a:t>지도에 위치 표시 후 확인</a:t>
+            </a:r>
+            <a:endParaRPr lang="en-US" altLang="ko-KR" dirty="0" smtClean="0"/>
+          </a:p>
+          <a:p>
+            <a:r>
+              <a:rPr lang="ko-KR" altLang="en-US" dirty="0" smtClean="0">
+                <a:hlinkClick r:id="rId2" action="ppaction://hlinksldjump"/>
+              </a:rPr>
+              <a:t>확인 버튼</a:t>
+            </a:r>
+            <a:endParaRPr lang="ko-KR" altLang="en-US" dirty="0" smtClean="0"/>
+          </a:p>
+          <a:p>
+            <a:endParaRPr lang="ko-KR" altLang="en-US" dirty="0"/>
+          </a:p>
+        </p:txBody>
+      </p:sp>
+    </p:spTree>
+    <p:extLst>
+      <p:ext uri="{BB962C8B-B14F-4D97-AF65-F5344CB8AC3E}">
+        <p14:creationId xmlns:p14="http://schemas.microsoft.com/office/powerpoint/2010/main" val="1788765882"/>
+      </p:ext>
+    </p:extLst>
+  </p:cSld>
+  <p:clrMapOvr>
+    <a:masterClrMapping/>
+  </p:clrMapOvr>
+  <p:timing>
+    <p:tnLst>
+      <p:par>
+        <p:cTn id="1" dur="indefinite" restart="never" nodeType="tmRoot"/>
+      </p:par>
+    </p:tnLst>
+  </p:timing>
+</p:sld>
+</file>
+
+<file path=ppt/slides/slide12.xml><?xml version="1.0" encoding="utf-8"?>
+<p:sld xmlns:a="http://schemas.openxmlformats.org/drawingml/2006/main" xmlns:r="http://schemas.openxmlformats.org/officeDocument/2006/relationships" xmlns:p="http://schemas.openxmlformats.org/presentationml/2006/main">
+  <p:cSld>
+    <p:spTree>
+      <p:nvGrpSpPr>
+        <p:cNvPr id="1" name=""/>
+        <p:cNvGrpSpPr/>
+        <p:nvPr/>
+      </p:nvGrpSpPr>
+      <p:grpSpPr>
+        <a:xfrm>
+          <a:off x="0" y="0"/>
+          <a:ext cx="0" cy="0"/>
+          <a:chOff x="0" y="0"/>
+          <a:chExt cx="0" cy="0"/>
+        </a:xfrm>
+      </p:grpSpPr>
+      <p:sp>
+        <p:nvSpPr>
+          <p:cNvPr id="2" name="제목 1"/>
+          <p:cNvSpPr>
+            <a:spLocks noGrp="1"/>
+          </p:cNvSpPr>
+          <p:nvPr>
+            <p:ph type="title"/>
+          </p:nvPr>
+        </p:nvSpPr>
+        <p:spPr/>
+        <p:txBody>
+          <a:bodyPr/>
+          <a:lstStyle/>
+          <a:p>
+            <a:r>
+              <a:rPr lang="ko-KR" altLang="en-US" dirty="0" smtClean="0"/>
+              <a:t>숙소 등록하기 </a:t>
+            </a:r>
+            <a:r>
+              <a:rPr lang="en-US" altLang="ko-KR" dirty="0" smtClean="0"/>
+              <a:t>– </a:t>
+            </a:r>
+            <a:r>
+              <a:rPr lang="ko-KR" altLang="en-US" dirty="0" smtClean="0"/>
+              <a:t>기본 </a:t>
+            </a:r>
+            <a:r>
+              <a:rPr lang="en-US" altLang="ko-KR" dirty="0" smtClean="0"/>
+              <a:t>5</a:t>
+            </a:r>
+            <a:r>
+              <a:rPr lang="ko-KR" altLang="en-US" dirty="0" smtClean="0"/>
+              <a:t>단계</a:t>
+            </a:r>
+            <a:endParaRPr lang="ko-KR" altLang="en-US" dirty="0"/>
+          </a:p>
+        </p:txBody>
+      </p:sp>
+      <p:sp>
+        <p:nvSpPr>
+          <p:cNvPr id="3" name="내용 개체 틀 2"/>
+          <p:cNvSpPr>
+            <a:spLocks noGrp="1"/>
+          </p:cNvSpPr>
+          <p:nvPr>
+            <p:ph idx="1"/>
+          </p:nvPr>
+        </p:nvSpPr>
+        <p:spPr/>
+        <p:txBody>
+          <a:bodyPr/>
+          <a:lstStyle/>
+          <a:p>
+            <a:r>
+              <a:rPr lang="ko-KR" altLang="en-US" dirty="0" smtClean="0"/>
+              <a:t>편의시설</a:t>
+            </a:r>
+            <a:r>
+              <a:rPr lang="en-US" altLang="ko-KR" dirty="0" smtClean="0"/>
+              <a:t/>
+            </a:r>
+            <a:br>
+              <a:rPr lang="en-US" altLang="ko-KR" dirty="0" smtClean="0"/>
+            </a:br>
+            <a:r>
+              <a:rPr lang="en-US" altLang="ko-KR" dirty="0" smtClean="0"/>
+              <a:t>    - </a:t>
+            </a:r>
+            <a:r>
+              <a:rPr lang="ko-KR" altLang="en-US" dirty="0" smtClean="0"/>
+              <a:t>필수 품목 </a:t>
+            </a:r>
+            <a:r>
+              <a:rPr lang="en-US" altLang="ko-KR" dirty="0" smtClean="0"/>
+              <a:t>(</a:t>
+            </a:r>
+            <a:r>
+              <a:rPr lang="ko-KR" altLang="en-US" dirty="0" smtClean="0"/>
+              <a:t>수건</a:t>
+            </a:r>
+            <a:r>
+              <a:rPr lang="en-US" altLang="ko-KR" dirty="0" smtClean="0"/>
+              <a:t>, </a:t>
+            </a:r>
+            <a:r>
+              <a:rPr lang="ko-KR" altLang="en-US" dirty="0" smtClean="0"/>
+              <a:t>침대 시트</a:t>
+            </a:r>
+            <a:r>
+              <a:rPr lang="en-US" altLang="ko-KR" dirty="0" smtClean="0"/>
+              <a:t>, </a:t>
+            </a:r>
+            <a:r>
+              <a:rPr lang="ko-KR" altLang="en-US" dirty="0" smtClean="0"/>
+              <a:t>비누</a:t>
+            </a:r>
+            <a:r>
+              <a:rPr lang="en-US" altLang="ko-KR" dirty="0" smtClean="0"/>
+              <a:t>, </a:t>
+            </a:r>
+            <a:r>
+              <a:rPr lang="ko-KR" altLang="en-US" dirty="0" smtClean="0"/>
+              <a:t>화장지</a:t>
+            </a:r>
+            <a:r>
+              <a:rPr lang="en-US" altLang="ko-KR" dirty="0" smtClean="0"/>
+              <a:t>, </a:t>
+            </a:r>
+            <a:r>
+              <a:rPr lang="ko-KR" altLang="en-US" dirty="0" smtClean="0"/>
+              <a:t>베개</a:t>
+            </a:r>
+            <a:r>
+              <a:rPr lang="en-US" altLang="ko-KR" dirty="0" smtClean="0"/>
+              <a:t>)</a:t>
+            </a:r>
+            <a:br>
+              <a:rPr lang="en-US" altLang="ko-KR" dirty="0" smtClean="0"/>
+            </a:br>
+            <a:r>
+              <a:rPr lang="en-US" altLang="ko-KR" dirty="0" smtClean="0"/>
+              <a:t>    - </a:t>
+            </a:r>
+            <a:r>
+              <a:rPr lang="ko-KR" altLang="en-US" dirty="0" smtClean="0"/>
+              <a:t>무선 인터넷</a:t>
+            </a:r>
+            <a:r>
+              <a:rPr lang="en-US" altLang="ko-KR" dirty="0" smtClean="0"/>
+              <a:t/>
+            </a:r>
+            <a:br>
+              <a:rPr lang="en-US" altLang="ko-KR" dirty="0" smtClean="0"/>
+            </a:br>
+            <a:r>
+              <a:rPr lang="en-US" altLang="ko-KR" dirty="0" smtClean="0"/>
+              <a:t>    - </a:t>
+            </a:r>
+            <a:r>
+              <a:rPr lang="ko-KR" altLang="en-US" dirty="0" smtClean="0"/>
+              <a:t>샴푸</a:t>
+            </a:r>
+            <a:r>
+              <a:rPr lang="en-US" altLang="ko-KR" dirty="0" smtClean="0"/>
+              <a:t/>
+            </a:r>
+            <a:br>
+              <a:rPr lang="en-US" altLang="ko-KR" dirty="0" smtClean="0"/>
+            </a:br>
+            <a:r>
+              <a:rPr lang="en-US" altLang="ko-KR" dirty="0" smtClean="0"/>
+              <a:t>        :</a:t>
+            </a:r>
+          </a:p>
+          <a:p>
+            <a:r>
+              <a:rPr lang="ko-KR" altLang="en-US" dirty="0" smtClean="0">
+                <a:hlinkClick r:id="rId2" action="ppaction://hlinksldjump"/>
+              </a:rPr>
+              <a:t>다음 버튼</a:t>
+            </a:r>
+            <a:endParaRPr lang="ko-KR" altLang="en-US" dirty="0" smtClean="0"/>
+          </a:p>
+          <a:p>
+            <a:endParaRPr lang="ko-KR" altLang="en-US" dirty="0"/>
+          </a:p>
+        </p:txBody>
+      </p:sp>
+    </p:spTree>
+    <p:extLst>
+      <p:ext uri="{BB962C8B-B14F-4D97-AF65-F5344CB8AC3E}">
+        <p14:creationId xmlns:p14="http://schemas.microsoft.com/office/powerpoint/2010/main" val="2807102315"/>
+      </p:ext>
+    </p:extLst>
+  </p:cSld>
+  <p:clrMapOvr>
+    <a:masterClrMapping/>
+  </p:clrMapOvr>
+  <p:timing>
+    <p:tnLst>
+      <p:par>
+        <p:cTn id="1" dur="indefinite" restart="never" nodeType="tmRoot"/>
+      </p:par>
+    </p:tnLst>
+  </p:timing>
+</p:sld>
+</file>
+
+<file path=ppt/slides/slide13.xml><?xml version="1.0" encoding="utf-8"?>
+<p:sld xmlns:a="http://schemas.openxmlformats.org/drawingml/2006/main" xmlns:r="http://schemas.openxmlformats.org/officeDocument/2006/relationships" xmlns:p="http://schemas.openxmlformats.org/presentationml/2006/main">
+  <p:cSld>
+    <p:spTree>
+      <p:nvGrpSpPr>
+        <p:cNvPr id="1" name=""/>
+        <p:cNvGrpSpPr/>
+        <p:nvPr/>
+      </p:nvGrpSpPr>
+      <p:grpSpPr>
+        <a:xfrm>
+          <a:off x="0" y="0"/>
+          <a:ext cx="0" cy="0"/>
+          <a:chOff x="0" y="0"/>
+          <a:chExt cx="0" cy="0"/>
+        </a:xfrm>
+      </p:grpSpPr>
+      <p:sp>
+        <p:nvSpPr>
+          <p:cNvPr id="2" name="제목 1"/>
+          <p:cNvSpPr>
+            <a:spLocks noGrp="1"/>
+          </p:cNvSpPr>
+          <p:nvPr>
+            <p:ph type="title"/>
+          </p:nvPr>
+        </p:nvSpPr>
+        <p:spPr/>
+        <p:txBody>
+          <a:bodyPr/>
+          <a:lstStyle/>
+          <a:p>
+            <a:r>
+              <a:rPr lang="ko-KR" altLang="en-US" dirty="0" smtClean="0"/>
+              <a:t>숙소 등록하기 </a:t>
+            </a:r>
+            <a:r>
+              <a:rPr lang="en-US" altLang="ko-KR" dirty="0" smtClean="0"/>
+              <a:t>– </a:t>
+            </a:r>
+            <a:r>
+              <a:rPr lang="ko-KR" altLang="en-US" smtClean="0"/>
+              <a:t>기본 </a:t>
+            </a:r>
+            <a:r>
+              <a:rPr lang="en-US" altLang="ko-KR" smtClean="0"/>
+              <a:t>6</a:t>
+            </a:r>
+            <a:r>
+              <a:rPr lang="ko-KR" altLang="en-US" dirty="0" smtClean="0"/>
+              <a:t>단계</a:t>
+            </a:r>
+            <a:endParaRPr lang="ko-KR" altLang="en-US" dirty="0"/>
+          </a:p>
+        </p:txBody>
+      </p:sp>
+      <p:sp>
+        <p:nvSpPr>
+          <p:cNvPr id="3" name="내용 개체 틀 2"/>
+          <p:cNvSpPr>
+            <a:spLocks noGrp="1"/>
+          </p:cNvSpPr>
+          <p:nvPr>
+            <p:ph idx="1"/>
+          </p:nvPr>
+        </p:nvSpPr>
+        <p:spPr/>
+        <p:txBody>
+          <a:bodyPr/>
+          <a:lstStyle/>
+          <a:p>
+            <a:r>
+              <a:rPr lang="ko-KR" altLang="en-US" dirty="0" smtClean="0"/>
+              <a:t>게스트 사용 공간</a:t>
+            </a:r>
+            <a:r>
+              <a:rPr lang="en-US" altLang="ko-KR" dirty="0" smtClean="0"/>
+              <a:t/>
+            </a:r>
+            <a:br>
+              <a:rPr lang="en-US" altLang="ko-KR" dirty="0" smtClean="0"/>
+            </a:br>
+            <a:r>
+              <a:rPr lang="en-US" altLang="ko-KR" dirty="0" smtClean="0"/>
+              <a:t>    - </a:t>
+            </a:r>
+            <a:r>
+              <a:rPr lang="ko-KR" altLang="en-US" dirty="0" smtClean="0"/>
+              <a:t>수영장</a:t>
+            </a:r>
+            <a:r>
+              <a:rPr lang="en-US" altLang="ko-KR" dirty="0" smtClean="0"/>
+              <a:t/>
+            </a:r>
+            <a:br>
+              <a:rPr lang="en-US" altLang="ko-KR" dirty="0" smtClean="0"/>
+            </a:br>
+            <a:r>
+              <a:rPr lang="en-US" altLang="ko-KR" dirty="0" smtClean="0"/>
+              <a:t>    - </a:t>
+            </a:r>
+            <a:r>
+              <a:rPr lang="ko-KR" altLang="en-US" dirty="0" smtClean="0"/>
+              <a:t>주방</a:t>
+            </a:r>
+            <a:r>
+              <a:rPr lang="en-US" altLang="ko-KR" dirty="0" smtClean="0"/>
+              <a:t/>
+            </a:r>
+            <a:br>
+              <a:rPr lang="en-US" altLang="ko-KR" dirty="0" smtClean="0"/>
+            </a:br>
+            <a:r>
+              <a:rPr lang="en-US" altLang="ko-KR" dirty="0" smtClean="0"/>
+              <a:t>    - </a:t>
+            </a:r>
+            <a:r>
+              <a:rPr lang="ko-KR" altLang="en-US" dirty="0" smtClean="0"/>
+              <a:t>빨래 </a:t>
+            </a:r>
+            <a:r>
+              <a:rPr lang="en-US" altLang="ko-KR" dirty="0" smtClean="0"/>
+              <a:t>- </a:t>
+            </a:r>
+            <a:r>
+              <a:rPr lang="ko-KR" altLang="en-US" dirty="0" smtClean="0"/>
+              <a:t>세탁기</a:t>
+            </a:r>
+            <a:r>
+              <a:rPr lang="en-US" altLang="ko-KR" dirty="0" smtClean="0"/>
+              <a:t/>
+            </a:r>
+            <a:br>
+              <a:rPr lang="en-US" altLang="ko-KR" dirty="0" smtClean="0"/>
+            </a:br>
+            <a:r>
+              <a:rPr lang="en-US" altLang="ko-KR" dirty="0" smtClean="0"/>
+              <a:t>        :</a:t>
+            </a:r>
+          </a:p>
+          <a:p>
+            <a:r>
+              <a:rPr lang="ko-KR" altLang="en-US" dirty="0" smtClean="0">
+                <a:hlinkClick r:id="rId2" action="ppaction://hlinksldjump"/>
+              </a:rPr>
+              <a:t>완료 버튼</a:t>
+            </a:r>
+            <a:endParaRPr lang="ko-KR" altLang="en-US" dirty="0" smtClean="0"/>
+          </a:p>
+          <a:p>
+            <a:endParaRPr lang="ko-KR" altLang="en-US" dirty="0" smtClean="0"/>
+          </a:p>
+        </p:txBody>
+      </p:sp>
+    </p:spTree>
+    <p:extLst>
+      <p:ext uri="{BB962C8B-B14F-4D97-AF65-F5344CB8AC3E}">
+        <p14:creationId xmlns:p14="http://schemas.microsoft.com/office/powerpoint/2010/main" val="1201830137"/>
+      </p:ext>
+    </p:extLst>
+  </p:cSld>
+  <p:clrMapOvr>
+    <a:masterClrMapping/>
+  </p:clrMapOvr>
+  <p:timing>
+    <p:tnLst>
+      <p:par>
+        <p:cTn id="1" dur="indefinite" restart="never" nodeType="tmRoot"/>
+      </p:par>
+    </p:tnLst>
+  </p:timing>
+</p:sld>
+</file>
+
+<file path=ppt/slides/slide14.xml><?xml version="1.0" encoding="utf-8"?>
+<p:sld xmlns:a="http://schemas.openxmlformats.org/drawingml/2006/main" xmlns:r="http://schemas.openxmlformats.org/officeDocument/2006/relationships" xmlns:p="http://schemas.openxmlformats.org/presentationml/2006/main">
+  <p:cSld>
+    <p:spTree>
+      <p:nvGrpSpPr>
+        <p:cNvPr id="1" name=""/>
+        <p:cNvGrpSpPr/>
+        <p:nvPr/>
+      </p:nvGrpSpPr>
+      <p:grpSpPr>
+        <a:xfrm>
+          <a:off x="0" y="0"/>
+          <a:ext cx="0" cy="0"/>
+          <a:chOff x="0" y="0"/>
+          <a:chExt cx="0" cy="0"/>
+        </a:xfrm>
+      </p:grpSpPr>
+      <p:sp>
+        <p:nvSpPr>
+          <p:cNvPr id="2" name="제목 1"/>
+          <p:cNvSpPr>
+            <a:spLocks noGrp="1"/>
+          </p:cNvSpPr>
+          <p:nvPr>
+            <p:ph type="title"/>
+          </p:nvPr>
+        </p:nvSpPr>
+        <p:spPr/>
+        <p:txBody>
+          <a:bodyPr/>
+          <a:lstStyle/>
+          <a:p>
+            <a:r>
+              <a:rPr lang="ko-KR" altLang="en-US" dirty="0" smtClean="0"/>
+              <a:t>숙소 등록하기 </a:t>
+            </a:r>
+            <a:r>
+              <a:rPr lang="en-US" altLang="ko-KR" dirty="0" smtClean="0"/>
+              <a:t>– </a:t>
+            </a:r>
+            <a:r>
+              <a:rPr lang="ko-KR" altLang="en-US" dirty="0" smtClean="0"/>
+              <a:t>상세 </a:t>
+            </a:r>
+            <a:r>
+              <a:rPr lang="en-US" altLang="ko-KR" dirty="0" smtClean="0"/>
+              <a:t>1</a:t>
+            </a:r>
+            <a:r>
+              <a:rPr lang="ko-KR" altLang="en-US" dirty="0" smtClean="0"/>
+              <a:t>단계</a:t>
+            </a:r>
+            <a:endParaRPr lang="ko-KR" altLang="en-US" dirty="0"/>
+          </a:p>
+        </p:txBody>
+      </p:sp>
+      <p:sp>
+        <p:nvSpPr>
+          <p:cNvPr id="3" name="내용 개체 틀 2"/>
+          <p:cNvSpPr>
+            <a:spLocks noGrp="1"/>
+          </p:cNvSpPr>
+          <p:nvPr>
+            <p:ph idx="1"/>
+          </p:nvPr>
+        </p:nvSpPr>
+        <p:spPr/>
+        <p:txBody>
+          <a:bodyPr/>
+          <a:lstStyle/>
+          <a:p>
+            <a:endParaRPr lang="ko-KR" altLang="en-US"/>
+          </a:p>
+        </p:txBody>
+      </p:sp>
+    </p:spTree>
+    <p:extLst>
+      <p:ext uri="{BB962C8B-B14F-4D97-AF65-F5344CB8AC3E}">
+        <p14:creationId xmlns:p14="http://schemas.microsoft.com/office/powerpoint/2010/main" val="1529786203"/>
+      </p:ext>
+    </p:extLst>
+  </p:cSld>
+  <p:clrMapOvr>
+    <a:masterClrMapping/>
+  </p:clrMapOvr>
+  <p:timing>
+    <p:tnLst>
+      <p:par>
+        <p:cTn id="1" dur="indefinite" restart="never" nodeType="tmRoot"/>
+      </p:par>
+    </p:tnLst>
+  </p:timing>
+</p:sld>
+</file>
+
+<file path=ppt/slides/slide15.xml><?xml version="1.0" encoding="utf-8"?>
+<p:sld xmlns:a="http://schemas.openxmlformats.org/drawingml/2006/main" xmlns:r="http://schemas.openxmlformats.org/officeDocument/2006/relationships" xmlns:p="http://schemas.openxmlformats.org/presentationml/2006/main">
+  <p:cSld>
+    <p:spTree>
+      <p:nvGrpSpPr>
+        <p:cNvPr id="1" name=""/>
+        <p:cNvGrpSpPr/>
+        <p:nvPr/>
+      </p:nvGrpSpPr>
+      <p:grpSpPr>
+        <a:xfrm>
+          <a:off x="0" y="0"/>
+          <a:ext cx="0" cy="0"/>
+          <a:chOff x="0" y="0"/>
+          <a:chExt cx="0" cy="0"/>
+        </a:xfrm>
+      </p:grpSpPr>
+      <p:sp>
+        <p:nvSpPr>
+          <p:cNvPr id="2" name="제목 1"/>
+          <p:cNvSpPr>
+            <a:spLocks noGrp="1"/>
+          </p:cNvSpPr>
+          <p:nvPr>
+            <p:ph type="title"/>
+          </p:nvPr>
+        </p:nvSpPr>
+        <p:spPr/>
+        <p:txBody>
+          <a:bodyPr/>
+          <a:lstStyle/>
+          <a:p>
+            <a:r>
+              <a:rPr lang="ko-KR" altLang="en-US" dirty="0" smtClean="0"/>
+              <a:t>대리 호스트 신청</a:t>
+            </a:r>
+            <a:endParaRPr lang="ko-KR" altLang="en-US" dirty="0"/>
+          </a:p>
+        </p:txBody>
+      </p:sp>
+      <p:sp>
+        <p:nvSpPr>
+          <p:cNvPr id="3" name="내용 개체 틀 2"/>
+          <p:cNvSpPr>
+            <a:spLocks noGrp="1"/>
+          </p:cNvSpPr>
+          <p:nvPr>
+            <p:ph idx="1"/>
+          </p:nvPr>
+        </p:nvSpPr>
+        <p:spPr/>
+        <p:txBody>
+          <a:bodyPr/>
+          <a:lstStyle/>
+          <a:p>
+            <a:r>
+              <a:rPr lang="en-US" altLang="ko-KR" dirty="0" smtClean="0"/>
+              <a:t>STAY-JEJU </a:t>
+            </a:r>
+            <a:r>
+              <a:rPr lang="ko-KR" altLang="en-US" dirty="0" smtClean="0"/>
+              <a:t>대리 호스트가 되는 법</a:t>
+            </a:r>
+            <a:endParaRPr lang="en-US" altLang="ko-KR" dirty="0" smtClean="0"/>
+          </a:p>
+          <a:p>
+            <a:r>
+              <a:rPr lang="ko-KR" altLang="en-US" dirty="0" smtClean="0">
+                <a:hlinkClick r:id="rId2" action="ppaction://hlinksldjump"/>
+              </a:rPr>
+              <a:t>대리 호스트 등록하기</a:t>
+            </a:r>
+            <a:endParaRPr lang="ko-KR" altLang="en-US" dirty="0" smtClean="0"/>
+          </a:p>
+          <a:p>
+            <a:endParaRPr lang="ko-KR" altLang="en-US" dirty="0"/>
+          </a:p>
+        </p:txBody>
+      </p:sp>
+    </p:spTree>
+    <p:extLst>
+      <p:ext uri="{BB962C8B-B14F-4D97-AF65-F5344CB8AC3E}">
+        <p14:creationId xmlns:p14="http://schemas.microsoft.com/office/powerpoint/2010/main" val="2144012108"/>
+      </p:ext>
+    </p:extLst>
+  </p:cSld>
+  <p:clrMapOvr>
+    <a:masterClrMapping/>
+  </p:clrMapOvr>
+  <p:timing>
+    <p:tnLst>
+      <p:par>
+        <p:cTn id="1" dur="indefinite" restart="never" nodeType="tmRoot"/>
+      </p:par>
+    </p:tnLst>
+  </p:timing>
+</p:sld>
+</file>
+
+<file path=ppt/slides/slide16.xml><?xml version="1.0" encoding="utf-8"?>
+<p:sld xmlns:a="http://schemas.openxmlformats.org/drawingml/2006/main" xmlns:r="http://schemas.openxmlformats.org/officeDocument/2006/relationships" xmlns:p="http://schemas.openxmlformats.org/presentationml/2006/main">
+  <p:cSld>
+    <p:spTree>
+      <p:nvGrpSpPr>
+        <p:cNvPr id="1" name=""/>
+        <p:cNvGrpSpPr/>
+        <p:nvPr/>
+      </p:nvGrpSpPr>
+      <p:grpSpPr>
+        <a:xfrm>
+          <a:off x="0" y="0"/>
+          <a:ext cx="0" cy="0"/>
+          <a:chOff x="0" y="0"/>
+          <a:chExt cx="0" cy="0"/>
+        </a:xfrm>
+      </p:grpSpPr>
+      <p:sp>
+        <p:nvSpPr>
+          <p:cNvPr id="2" name="제목 1"/>
+          <p:cNvSpPr>
+            <a:spLocks noGrp="1"/>
+          </p:cNvSpPr>
+          <p:nvPr>
+            <p:ph type="title"/>
+          </p:nvPr>
+        </p:nvSpPr>
+        <p:spPr/>
+        <p:txBody>
+          <a:bodyPr/>
+          <a:lstStyle/>
+          <a:p>
+            <a:r>
+              <a:rPr lang="ko-KR" altLang="en-US" dirty="0" smtClean="0"/>
+              <a:t>대리 호스트 등록하기</a:t>
+            </a:r>
+            <a:endParaRPr lang="ko-KR" altLang="en-US" dirty="0"/>
+          </a:p>
+        </p:txBody>
+      </p:sp>
+      <p:sp>
+        <p:nvSpPr>
+          <p:cNvPr id="3" name="내용 개체 틀 2"/>
+          <p:cNvSpPr>
+            <a:spLocks noGrp="1"/>
+          </p:cNvSpPr>
+          <p:nvPr>
+            <p:ph idx="1"/>
+          </p:nvPr>
+        </p:nvSpPr>
+        <p:spPr/>
+        <p:txBody>
+          <a:bodyPr/>
+          <a:lstStyle/>
+          <a:p>
+            <a:endParaRPr lang="ko-KR" altLang="en-US"/>
+          </a:p>
+        </p:txBody>
+      </p:sp>
+    </p:spTree>
+    <p:extLst>
+      <p:ext uri="{BB962C8B-B14F-4D97-AF65-F5344CB8AC3E}">
+        <p14:creationId xmlns:p14="http://schemas.microsoft.com/office/powerpoint/2010/main" val="911705109"/>
+      </p:ext>
+    </p:extLst>
+  </p:cSld>
+  <p:clrMapOvr>
+    <a:masterClrMapping/>
+  </p:clrMapOvr>
+  <p:timing>
+    <p:tnLst>
+      <p:par>
+        <p:cTn id="1" dur="indefinite" restart="never" nodeType="tmRoot"/>
+      </p:par>
+    </p:tnLst>
+  </p:timing>
+</p:sld>
+</file>
+
+<file path=ppt/slides/slide17.xml><?xml version="1.0" encoding="utf-8"?>
+<p:sld xmlns:a="http://schemas.openxmlformats.org/drawingml/2006/main" xmlns:r="http://schemas.openxmlformats.org/officeDocument/2006/relationships" xmlns:p="http://schemas.openxmlformats.org/presentationml/2006/main">
+  <p:cSld>
+    <p:spTree>
+      <p:nvGrpSpPr>
+        <p:cNvPr id="1" name=""/>
+        <p:cNvGrpSpPr/>
+        <p:nvPr/>
+      </p:nvGrpSpPr>
+      <p:grpSpPr>
+        <a:xfrm>
+          <a:off x="0" y="0"/>
+          <a:ext cx="0" cy="0"/>
+          <a:chOff x="0" y="0"/>
+          <a:chExt cx="0" cy="0"/>
+        </a:xfrm>
+      </p:grpSpPr>
+      <p:sp>
+        <p:nvSpPr>
+          <p:cNvPr id="2" name="제목 1"/>
+          <p:cNvSpPr>
+            <a:spLocks noGrp="1"/>
+          </p:cNvSpPr>
+          <p:nvPr>
+            <p:ph type="title"/>
+          </p:nvPr>
+        </p:nvSpPr>
+        <p:spPr/>
+        <p:txBody>
+          <a:bodyPr/>
+          <a:lstStyle/>
+          <a:p>
+            <a:r>
+              <a:rPr lang="ko-KR" altLang="en-US" dirty="0" smtClean="0"/>
+              <a:t>청소</a:t>
+            </a:r>
+            <a:r>
+              <a:rPr lang="en-US" altLang="ko-KR" dirty="0" smtClean="0"/>
+              <a:t> </a:t>
+            </a:r>
+            <a:r>
+              <a:rPr lang="ko-KR" altLang="en-US" dirty="0" smtClean="0"/>
+              <a:t>매니저 신청</a:t>
+            </a:r>
+            <a:endParaRPr lang="ko-KR" altLang="en-US" dirty="0"/>
+          </a:p>
+        </p:txBody>
+      </p:sp>
+      <p:sp>
+        <p:nvSpPr>
+          <p:cNvPr id="3" name="내용 개체 틀 2"/>
+          <p:cNvSpPr>
+            <a:spLocks noGrp="1"/>
+          </p:cNvSpPr>
+          <p:nvPr>
+            <p:ph idx="1"/>
+          </p:nvPr>
+        </p:nvSpPr>
+        <p:spPr/>
+        <p:txBody>
+          <a:bodyPr/>
+          <a:lstStyle/>
+          <a:p>
+            <a:r>
+              <a:rPr lang="en-US" altLang="ko-KR" dirty="0" smtClean="0"/>
+              <a:t>STAY-JEJU </a:t>
+            </a:r>
+            <a:r>
+              <a:rPr lang="ko-KR" altLang="en-US" dirty="0" smtClean="0"/>
+              <a:t>청소 매니저가 되는 법</a:t>
+            </a:r>
+            <a:endParaRPr lang="en-US" altLang="ko-KR" dirty="0" smtClean="0"/>
+          </a:p>
+          <a:p>
+            <a:r>
+              <a:rPr lang="ko-KR" altLang="en-US" dirty="0" smtClean="0">
+                <a:hlinkClick r:id="rId2" action="ppaction://hlinksldjump"/>
+              </a:rPr>
+              <a:t>청소 매니저 등록하기</a:t>
+            </a:r>
+            <a:endParaRPr lang="ko-KR" altLang="en-US" dirty="0" smtClean="0"/>
+          </a:p>
+          <a:p>
+            <a:endParaRPr lang="ko-KR" altLang="en-US" dirty="0"/>
+          </a:p>
+        </p:txBody>
+      </p:sp>
+    </p:spTree>
+    <p:extLst>
+      <p:ext uri="{BB962C8B-B14F-4D97-AF65-F5344CB8AC3E}">
+        <p14:creationId xmlns:p14="http://schemas.microsoft.com/office/powerpoint/2010/main" val="2851717740"/>
+      </p:ext>
+    </p:extLst>
+  </p:cSld>
+  <p:clrMapOvr>
+    <a:masterClrMapping/>
+  </p:clrMapOvr>
+  <p:timing>
+    <p:tnLst>
+      <p:par>
+        <p:cTn id="1" dur="indefinite" restart="never" nodeType="tmRoot"/>
+      </p:par>
+    </p:tnLst>
+  </p:timing>
+</p:sld>
+</file>
+
+<file path=ppt/slides/slide18.xml><?xml version="1.0" encoding="utf-8"?>
+<p:sld xmlns:a="http://schemas.openxmlformats.org/drawingml/2006/main" xmlns:r="http://schemas.openxmlformats.org/officeDocument/2006/relationships" xmlns:p="http://schemas.openxmlformats.org/presentationml/2006/main">
+  <p:cSld>
+    <p:spTree>
+      <p:nvGrpSpPr>
+        <p:cNvPr id="1" name=""/>
+        <p:cNvGrpSpPr/>
+        <p:nvPr/>
+      </p:nvGrpSpPr>
+      <p:grpSpPr>
+        <a:xfrm>
+          <a:off x="0" y="0"/>
+          <a:ext cx="0" cy="0"/>
+          <a:chOff x="0" y="0"/>
+          <a:chExt cx="0" cy="0"/>
+        </a:xfrm>
+      </p:grpSpPr>
+      <p:sp>
+        <p:nvSpPr>
+          <p:cNvPr id="2" name="제목 1"/>
+          <p:cNvSpPr>
+            <a:spLocks noGrp="1"/>
+          </p:cNvSpPr>
+          <p:nvPr>
+            <p:ph type="title"/>
+          </p:nvPr>
+        </p:nvSpPr>
+        <p:spPr/>
+        <p:txBody>
+          <a:bodyPr/>
+          <a:lstStyle/>
+          <a:p>
+            <a:r>
+              <a:rPr lang="ko-KR" altLang="en-US" dirty="0" smtClean="0"/>
+              <a:t>청소 매니저 등록하기</a:t>
+            </a:r>
+            <a:endParaRPr lang="ko-KR" altLang="en-US" dirty="0"/>
+          </a:p>
+        </p:txBody>
+      </p:sp>
+      <p:sp>
+        <p:nvSpPr>
+          <p:cNvPr id="3" name="내용 개체 틀 2"/>
+          <p:cNvSpPr>
+            <a:spLocks noGrp="1"/>
+          </p:cNvSpPr>
+          <p:nvPr>
+            <p:ph idx="1"/>
+          </p:nvPr>
+        </p:nvSpPr>
+        <p:spPr/>
+        <p:txBody>
+          <a:bodyPr/>
+          <a:lstStyle/>
+          <a:p>
+            <a:endParaRPr lang="ko-KR" altLang="en-US"/>
+          </a:p>
+        </p:txBody>
+      </p:sp>
+    </p:spTree>
+    <p:extLst>
+      <p:ext uri="{BB962C8B-B14F-4D97-AF65-F5344CB8AC3E}">
+        <p14:creationId xmlns:p14="http://schemas.microsoft.com/office/powerpoint/2010/main" val="2806157269"/>
+      </p:ext>
+    </p:extLst>
+  </p:cSld>
+  <p:clrMapOvr>
+    <a:masterClrMapping/>
+  </p:clrMapOvr>
+  <p:timing>
+    <p:tnLst>
+      <p:par>
+        <p:cTn id="1" dur="indefinite" restart="never" nodeType="tmRoot"/>
+      </p:par>
+    </p:tnLst>
+  </p:timing>
+</p:sld>
+</file>
+
+<file path=ppt/slides/slide19.xml><?xml version="1.0" encoding="utf-8"?>
+<p:sld xmlns:a="http://schemas.openxmlformats.org/drawingml/2006/main" xmlns:r="http://schemas.openxmlformats.org/officeDocument/2006/relationships" xmlns:p="http://schemas.openxmlformats.org/presentationml/2006/main">
+  <p:cSld>
+    <p:spTree>
+      <p:nvGrpSpPr>
+        <p:cNvPr id="1" name=""/>
+        <p:cNvGrpSpPr/>
+        <p:nvPr/>
+      </p:nvGrpSpPr>
+      <p:grpSpPr>
+        <a:xfrm>
+          <a:off x="0" y="0"/>
+          <a:ext cx="0" cy="0"/>
+          <a:chOff x="0" y="0"/>
+          <a:chExt cx="0" cy="0"/>
+        </a:xfrm>
+      </p:grpSpPr>
+      <p:sp>
+        <p:nvSpPr>
+          <p:cNvPr id="2" name="제목 1"/>
+          <p:cNvSpPr>
+            <a:spLocks noGrp="1"/>
+          </p:cNvSpPr>
+          <p:nvPr>
+            <p:ph type="title"/>
+          </p:nvPr>
+        </p:nvSpPr>
+        <p:spPr/>
+        <p:txBody>
+          <a:bodyPr/>
+          <a:lstStyle/>
+          <a:p>
+            <a:r>
+              <a:rPr lang="ko-KR" altLang="en-US" dirty="0" smtClean="0"/>
+              <a:t>로그인</a:t>
+            </a:r>
+            <a:endParaRPr lang="ko-KR" altLang="en-US" dirty="0"/>
+          </a:p>
+        </p:txBody>
+      </p:sp>
+      <p:sp>
+        <p:nvSpPr>
+          <p:cNvPr id="3" name="내용 개체 틀 2"/>
+          <p:cNvSpPr>
+            <a:spLocks noGrp="1"/>
+          </p:cNvSpPr>
+          <p:nvPr>
+            <p:ph idx="1"/>
+          </p:nvPr>
+        </p:nvSpPr>
+        <p:spPr/>
+        <p:txBody>
+          <a:bodyPr/>
+          <a:lstStyle/>
+          <a:p>
+            <a:r>
+              <a:rPr lang="ko-KR" altLang="en-US" dirty="0" smtClean="0"/>
+              <a:t>입력 </a:t>
+            </a:r>
+            <a:r>
+              <a:rPr lang="en-US" altLang="ko-KR" dirty="0" smtClean="0"/>
+              <a:t>: </a:t>
+            </a:r>
+            <a:r>
+              <a:rPr lang="ko-KR" altLang="en-US" dirty="0" smtClean="0"/>
+              <a:t>이메일 주소</a:t>
+            </a:r>
+            <a:r>
+              <a:rPr lang="en-US" altLang="ko-KR" dirty="0" smtClean="0"/>
+              <a:t/>
+            </a:r>
+            <a:br>
+              <a:rPr lang="en-US" altLang="ko-KR" dirty="0" smtClean="0"/>
+            </a:br>
+            <a:r>
+              <a:rPr lang="en-US" altLang="ko-KR" dirty="0" smtClean="0"/>
+              <a:t>         </a:t>
+            </a:r>
+            <a:r>
+              <a:rPr lang="ko-KR" altLang="en-US" dirty="0" smtClean="0"/>
+              <a:t>비밀번호</a:t>
+            </a:r>
+            <a:endParaRPr lang="en-US" altLang="ko-KR" dirty="0" smtClean="0"/>
+          </a:p>
+          <a:p>
+            <a:r>
+              <a:rPr lang="ko-KR" altLang="en-US" dirty="0" smtClean="0"/>
+              <a:t>비밀번호 찾기 링크</a:t>
+            </a:r>
+            <a:endParaRPr lang="en-US" altLang="ko-KR" dirty="0" smtClean="0"/>
+          </a:p>
+          <a:p>
+            <a:r>
+              <a:rPr lang="ko-KR" altLang="en-US" dirty="0" smtClean="0">
+                <a:hlinkClick r:id="rId2" action="ppaction://hlinksldjump"/>
+              </a:rPr>
+              <a:t>회원가입 링크</a:t>
+            </a:r>
+            <a:endParaRPr lang="en-US" altLang="ko-KR" dirty="0" smtClean="0"/>
+          </a:p>
+          <a:p>
+            <a:r>
+              <a:rPr lang="ko-KR" altLang="en-US" dirty="0" smtClean="0">
+                <a:hlinkClick r:id="rId3" action="ppaction://hlinksldjump"/>
+              </a:rPr>
+              <a:t>로그인 버튼</a:t>
+            </a:r>
+            <a:endParaRPr lang="ko-KR" altLang="en-US" dirty="0"/>
+          </a:p>
+        </p:txBody>
+      </p:sp>
+    </p:spTree>
+    <p:extLst>
+      <p:ext uri="{BB962C8B-B14F-4D97-AF65-F5344CB8AC3E}">
+        <p14:creationId xmlns:p14="http://schemas.microsoft.com/office/powerpoint/2010/main" val="2547841813"/>
+      </p:ext>
+    </p:extLst>
+  </p:cSld>
+  <p:clrMapOvr>
+    <a:masterClrMapping/>
+  </p:clrMapOvr>
+  <p:timing>
+    <p:tnLst>
+      <p:par>
+        <p:cTn id="1" dur="indefinite" restart="never" nodeType="tmRoot"/>
+      </p:par>
+    </p:tnLst>
+  </p:timing>
 </p:sld>
 </file>
 
@@ -3059,7 +4299,11 @@
           <a:bodyPr/>
           <a:lstStyle/>
           <a:p>
-            <a:endParaRPr lang="ko-KR" altLang="en-US"/>
+            <a:r>
+              <a:rPr lang="ko-KR" altLang="en-US" dirty="0" smtClean="0"/>
+              <a:t>홈 페이지</a:t>
+            </a:r>
+            <a:endParaRPr lang="ko-KR" altLang="en-US" dirty="0"/>
           </a:p>
         </p:txBody>
       </p:sp>
@@ -3078,7 +4322,246 @@
           <a:bodyPr/>
           <a:lstStyle/>
           <a:p>
-            <a:endParaRPr lang="ko-KR" altLang="en-US"/>
+            <a:r>
+              <a:rPr lang="ko-KR" altLang="en-US" dirty="0" smtClean="0"/>
+              <a:t>숙소 </a:t>
+            </a:r>
+            <a:r>
+              <a:rPr lang="ko-KR" altLang="en-US" dirty="0" smtClean="0"/>
+              <a:t>리스트 </a:t>
+            </a:r>
+            <a:r>
+              <a:rPr lang="en-US" altLang="ko-KR" dirty="0" smtClean="0"/>
+              <a:t>(</a:t>
+            </a:r>
+            <a:r>
+              <a:rPr lang="ko-KR" altLang="en-US" dirty="0" smtClean="0"/>
+              <a:t>대표 사진</a:t>
+            </a:r>
+            <a:r>
+              <a:rPr lang="en-US" altLang="ko-KR" dirty="0" smtClean="0"/>
+              <a:t>, </a:t>
+            </a:r>
+            <a:r>
+              <a:rPr lang="ko-KR" altLang="en-US" dirty="0" smtClean="0"/>
+              <a:t>숙소 명</a:t>
+            </a:r>
+            <a:r>
+              <a:rPr lang="en-US" altLang="ko-KR" dirty="0" smtClean="0"/>
+              <a:t>, </a:t>
+            </a:r>
+            <a:r>
+              <a:rPr lang="ko-KR" altLang="en-US" dirty="0" smtClean="0"/>
+              <a:t>가격</a:t>
+            </a:r>
+            <a:r>
+              <a:rPr lang="en-US" altLang="ko-KR" dirty="0" smtClean="0"/>
+              <a:t>, </a:t>
+            </a:r>
+            <a:r>
+              <a:rPr lang="ko-KR" altLang="en-US" dirty="0" smtClean="0"/>
+              <a:t>평가 정보</a:t>
+            </a:r>
+            <a:r>
+              <a:rPr lang="en-US" altLang="ko-KR" dirty="0" smtClean="0"/>
+              <a:t>)</a:t>
+            </a:r>
+            <a:br>
+              <a:rPr lang="en-US" altLang="ko-KR" dirty="0" smtClean="0"/>
+            </a:br>
+            <a:r>
+              <a:rPr lang="en-US" altLang="ko-KR" dirty="0" smtClean="0"/>
+              <a:t>    </a:t>
+            </a:r>
+            <a:r>
+              <a:rPr lang="ko-KR" altLang="en-US" dirty="0" smtClean="0">
+                <a:hlinkClick r:id="rId2" action="ppaction://hlinksldjump"/>
+              </a:rPr>
+              <a:t>숙소 선택 시</a:t>
+            </a:r>
+            <a:endParaRPr lang="en-US" altLang="ko-KR" dirty="0" smtClean="0"/>
+          </a:p>
+          <a:p>
+            <a:r>
+              <a:rPr lang="ko-KR" altLang="en-US" dirty="0" smtClean="0">
+                <a:hlinkClick r:id="rId3" action="ppaction://hlinksldjump"/>
+              </a:rPr>
+              <a:t>호스트 신청</a:t>
+            </a:r>
+            <a:endParaRPr lang="en-US" altLang="ko-KR" dirty="0" smtClean="0"/>
+          </a:p>
+          <a:p>
+            <a:r>
+              <a:rPr lang="ko-KR" altLang="en-US" dirty="0" smtClean="0">
+                <a:hlinkClick r:id="rId4" action="ppaction://hlinksldjump"/>
+              </a:rPr>
+              <a:t>대리 호스트 </a:t>
+            </a:r>
+            <a:r>
+              <a:rPr lang="ko-KR" altLang="en-US" dirty="0" smtClean="0">
+                <a:hlinkClick r:id="rId4" action="ppaction://hlinksldjump"/>
+              </a:rPr>
+              <a:t>신청</a:t>
+            </a:r>
+            <a:r>
+              <a:rPr lang="ko-KR" altLang="en-US" dirty="0" smtClean="0"/>
+              <a:t> </a:t>
+            </a:r>
+            <a:r>
+              <a:rPr lang="en-US" altLang="ko-KR" dirty="0" smtClean="0"/>
+              <a:t>(</a:t>
+            </a:r>
+            <a:r>
+              <a:rPr lang="ko-KR" altLang="en-US" dirty="0" smtClean="0"/>
+              <a:t>관리자 모드일 경우</a:t>
+            </a:r>
+            <a:r>
+              <a:rPr lang="en-US" altLang="ko-KR" dirty="0" smtClean="0"/>
+              <a:t>)</a:t>
+            </a:r>
+            <a:endParaRPr lang="en-US" altLang="ko-KR" dirty="0" smtClean="0"/>
+          </a:p>
+          <a:p>
+            <a:r>
+              <a:rPr lang="ko-KR" altLang="en-US" dirty="0" smtClean="0">
+                <a:hlinkClick r:id="rId5" action="ppaction://hlinksldjump"/>
+              </a:rPr>
+              <a:t>청소 매니저 </a:t>
+            </a:r>
+            <a:r>
+              <a:rPr lang="ko-KR" altLang="en-US" dirty="0" smtClean="0">
+                <a:hlinkClick r:id="rId5" action="ppaction://hlinksldjump"/>
+              </a:rPr>
+              <a:t>신청</a:t>
+            </a:r>
+            <a:r>
+              <a:rPr lang="ko-KR" altLang="en-US" dirty="0"/>
+              <a:t> </a:t>
+            </a:r>
+            <a:r>
+              <a:rPr lang="en-US" altLang="ko-KR" dirty="0"/>
+              <a:t>(</a:t>
+            </a:r>
+            <a:r>
+              <a:rPr lang="ko-KR" altLang="en-US" dirty="0"/>
+              <a:t>관리자 모드일 경우</a:t>
+            </a:r>
+            <a:r>
+              <a:rPr lang="en-US" altLang="ko-KR" dirty="0"/>
+              <a:t>)</a:t>
+            </a:r>
+            <a:endParaRPr lang="en-US" altLang="ko-KR" dirty="0" smtClean="0"/>
+          </a:p>
+          <a:p>
+            <a:r>
+              <a:rPr lang="ko-KR" altLang="en-US" dirty="0" smtClean="0"/>
+              <a:t>로그인 전 </a:t>
+            </a:r>
+            <a:r>
+              <a:rPr lang="en-US" altLang="ko-KR" dirty="0" smtClean="0"/>
+              <a:t>:</a:t>
+            </a:r>
+            <a:br>
+              <a:rPr lang="en-US" altLang="ko-KR" dirty="0" smtClean="0"/>
+            </a:br>
+            <a:r>
+              <a:rPr lang="en-US" altLang="ko-KR" dirty="0" smtClean="0"/>
+              <a:t>   </a:t>
+            </a:r>
+            <a:r>
+              <a:rPr lang="ko-KR" altLang="en-US" dirty="0" smtClean="0">
+                <a:hlinkClick r:id="rId6" action="ppaction://hlinksldjump"/>
+              </a:rPr>
+              <a:t>도움말</a:t>
+            </a:r>
+            <a:r>
+              <a:rPr lang="en-US" altLang="ko-KR" dirty="0" smtClean="0"/>
+              <a:t>, </a:t>
+            </a:r>
+            <a:r>
+              <a:rPr lang="ko-KR" altLang="en-US" dirty="0" smtClean="0">
+                <a:hlinkClick r:id="rId7" action="ppaction://hlinksldjump"/>
+              </a:rPr>
+              <a:t>로그인</a:t>
+            </a:r>
+            <a:r>
+              <a:rPr lang="en-US" altLang="ko-KR" dirty="0" smtClean="0"/>
+              <a:t>, </a:t>
+            </a:r>
+            <a:r>
+              <a:rPr lang="ko-KR" altLang="en-US" dirty="0" smtClean="0">
+                <a:hlinkClick r:id="rId8" action="ppaction://hlinksldjump"/>
+              </a:rPr>
+              <a:t>회원가입</a:t>
+            </a:r>
+            <a:endParaRPr lang="en-US" altLang="ko-KR" dirty="0" smtClean="0"/>
+          </a:p>
+          <a:p>
+            <a:r>
+              <a:rPr lang="ko-KR" altLang="en-US" dirty="0" smtClean="0"/>
+              <a:t>로그인 후 </a:t>
+            </a:r>
+            <a:r>
+              <a:rPr lang="en-US" altLang="ko-KR" dirty="0" smtClean="0"/>
+              <a:t>:</a:t>
+            </a:r>
+            <a:br>
+              <a:rPr lang="en-US" altLang="ko-KR" dirty="0" smtClean="0"/>
+            </a:br>
+            <a:r>
+              <a:rPr lang="en-US" altLang="ko-KR" dirty="0" smtClean="0"/>
+              <a:t>   </a:t>
+            </a:r>
+            <a:r>
+              <a:rPr lang="ko-KR" altLang="en-US" dirty="0" smtClean="0">
+                <a:hlinkClick r:id="rId9" action="ppaction://hlinksldjump"/>
+              </a:rPr>
+              <a:t>숙소 추가</a:t>
+            </a:r>
+            <a:r>
+              <a:rPr lang="en-US" altLang="ko-KR" dirty="0" smtClean="0"/>
+              <a:t>, </a:t>
+            </a:r>
+            <a:r>
+              <a:rPr lang="ko-KR" altLang="en-US" dirty="0" smtClean="0"/>
+              <a:t>호스트</a:t>
+            </a:r>
+            <a:r>
+              <a:rPr lang="en-US" altLang="ko-KR" dirty="0" smtClean="0"/>
+              <a:t>, </a:t>
+            </a:r>
+            <a:r>
+              <a:rPr lang="ko-KR" altLang="en-US" dirty="0" smtClean="0">
+                <a:hlinkClick r:id="rId6" action="ppaction://hlinksldjump"/>
+              </a:rPr>
+              <a:t>도움말</a:t>
+            </a:r>
+            <a:r>
+              <a:rPr lang="en-US" altLang="ko-KR" dirty="0" smtClean="0"/>
+              <a:t>, </a:t>
+            </a:r>
+            <a:r>
+              <a:rPr lang="ko-KR" altLang="en-US" dirty="0" smtClean="0">
+                <a:hlinkClick r:id="rId10" action="ppaction://hlinksldjump"/>
+              </a:rPr>
+              <a:t>사용자 정보</a:t>
+            </a:r>
+            <a:r>
+              <a:rPr lang="en-US" altLang="ko-KR" dirty="0" smtClean="0"/>
+              <a:t>  </a:t>
+            </a:r>
+          </a:p>
+          <a:p>
+            <a:endParaRPr lang="en-US" altLang="ko-KR" dirty="0" smtClean="0"/>
+          </a:p>
+          <a:p>
+            <a:endParaRPr lang="en-US" altLang="ko-KR" dirty="0" smtClean="0"/>
+          </a:p>
+          <a:p>
+            <a:endParaRPr lang="en-US" altLang="ko-KR" dirty="0" smtClean="0"/>
+          </a:p>
+          <a:p>
+            <a:endParaRPr lang="ko-KR" altLang="en-US" dirty="0"/>
           </a:p>
         </p:txBody>
       </p:sp>
@@ -3092,6 +4575,1864 @@
   <p:clrMapOvr>
     <a:masterClrMapping/>
   </p:clrMapOvr>
+  <p:timing>
+    <p:tnLst>
+      <p:par>
+        <p:cTn id="1" dur="indefinite" restart="never" nodeType="tmRoot"/>
+      </p:par>
+    </p:tnLst>
+  </p:timing>
+</p:sld>
+</file>
+
+<file path=ppt/slides/slide20.xml><?xml version="1.0" encoding="utf-8"?>
+<p:sld xmlns:a="http://schemas.openxmlformats.org/drawingml/2006/main" xmlns:r="http://schemas.openxmlformats.org/officeDocument/2006/relationships" xmlns:p="http://schemas.openxmlformats.org/presentationml/2006/main">
+  <p:cSld>
+    <p:spTree>
+      <p:nvGrpSpPr>
+        <p:cNvPr id="1" name=""/>
+        <p:cNvGrpSpPr/>
+        <p:nvPr/>
+      </p:nvGrpSpPr>
+      <p:grpSpPr>
+        <a:xfrm>
+          <a:off x="0" y="0"/>
+          <a:ext cx="0" cy="0"/>
+          <a:chOff x="0" y="0"/>
+          <a:chExt cx="0" cy="0"/>
+        </a:xfrm>
+      </p:grpSpPr>
+      <p:sp>
+        <p:nvSpPr>
+          <p:cNvPr id="2" name="제목 1"/>
+          <p:cNvSpPr>
+            <a:spLocks noGrp="1"/>
+          </p:cNvSpPr>
+          <p:nvPr>
+            <p:ph type="title"/>
+          </p:nvPr>
+        </p:nvSpPr>
+        <p:spPr/>
+        <p:txBody>
+          <a:bodyPr/>
+          <a:lstStyle/>
+          <a:p>
+            <a:r>
+              <a:rPr lang="ko-KR" altLang="en-US" dirty="0" smtClean="0"/>
+              <a:t>로그인 체크</a:t>
+            </a:r>
+            <a:endParaRPr lang="ko-KR" altLang="en-US" dirty="0"/>
+          </a:p>
+        </p:txBody>
+      </p:sp>
+      <p:sp>
+        <p:nvSpPr>
+          <p:cNvPr id="3" name="내용 개체 틀 2"/>
+          <p:cNvSpPr>
+            <a:spLocks noGrp="1"/>
+          </p:cNvSpPr>
+          <p:nvPr>
+            <p:ph idx="1"/>
+          </p:nvPr>
+        </p:nvSpPr>
+        <p:spPr/>
+        <p:txBody>
+          <a:bodyPr/>
+          <a:lstStyle/>
+          <a:p>
+            <a:r>
+              <a:rPr lang="ko-KR" altLang="en-US" dirty="0" smtClean="0"/>
+              <a:t>성공</a:t>
+            </a:r>
+            <a:r>
+              <a:rPr lang="en-US" altLang="ko-KR" dirty="0" smtClean="0"/>
+              <a:t> : </a:t>
+            </a:r>
+            <a:r>
+              <a:rPr lang="ko-KR" altLang="en-US" dirty="0" smtClean="0">
+                <a:hlinkClick r:id="rId2" action="ppaction://hlinksldjump"/>
+              </a:rPr>
+              <a:t>홈 페이지</a:t>
+            </a:r>
+            <a:r>
+              <a:rPr lang="ko-KR" altLang="en-US" dirty="0" smtClean="0"/>
+              <a:t>로 이동</a:t>
+            </a:r>
+            <a:endParaRPr lang="en-US" altLang="ko-KR" dirty="0"/>
+          </a:p>
+          <a:p>
+            <a:r>
+              <a:rPr lang="ko-KR" altLang="en-US" dirty="0" smtClean="0"/>
+              <a:t>실패 </a:t>
+            </a:r>
+            <a:r>
+              <a:rPr lang="en-US" altLang="ko-KR" dirty="0" smtClean="0"/>
+              <a:t>: </a:t>
+            </a:r>
+            <a:r>
+              <a:rPr lang="ko-KR" altLang="en-US" dirty="0" smtClean="0"/>
+              <a:t>에러 메시지</a:t>
+            </a:r>
+            <a:endParaRPr lang="ko-KR" altLang="en-US" dirty="0"/>
+          </a:p>
+        </p:txBody>
+      </p:sp>
+    </p:spTree>
+    <p:extLst>
+      <p:ext uri="{BB962C8B-B14F-4D97-AF65-F5344CB8AC3E}">
+        <p14:creationId xmlns:p14="http://schemas.microsoft.com/office/powerpoint/2010/main" val="838517553"/>
+      </p:ext>
+    </p:extLst>
+  </p:cSld>
+  <p:clrMapOvr>
+    <a:masterClrMapping/>
+  </p:clrMapOvr>
+  <p:timing>
+    <p:tnLst>
+      <p:par>
+        <p:cTn id="1" dur="indefinite" restart="never" nodeType="tmRoot"/>
+      </p:par>
+    </p:tnLst>
+  </p:timing>
+</p:sld>
+</file>
+
+<file path=ppt/slides/slide21.xml><?xml version="1.0" encoding="utf-8"?>
+<p:sld xmlns:a="http://schemas.openxmlformats.org/drawingml/2006/main" xmlns:r="http://schemas.openxmlformats.org/officeDocument/2006/relationships" xmlns:p="http://schemas.openxmlformats.org/presentationml/2006/main">
+  <p:cSld>
+    <p:spTree>
+      <p:nvGrpSpPr>
+        <p:cNvPr id="1" name=""/>
+        <p:cNvGrpSpPr/>
+        <p:nvPr/>
+      </p:nvGrpSpPr>
+      <p:grpSpPr>
+        <a:xfrm>
+          <a:off x="0" y="0"/>
+          <a:ext cx="0" cy="0"/>
+          <a:chOff x="0" y="0"/>
+          <a:chExt cx="0" cy="0"/>
+        </a:xfrm>
+      </p:grpSpPr>
+      <p:sp>
+        <p:nvSpPr>
+          <p:cNvPr id="2" name="제목 1"/>
+          <p:cNvSpPr>
+            <a:spLocks noGrp="1"/>
+          </p:cNvSpPr>
+          <p:nvPr>
+            <p:ph type="title"/>
+          </p:nvPr>
+        </p:nvSpPr>
+        <p:spPr/>
+        <p:txBody>
+          <a:bodyPr/>
+          <a:lstStyle/>
+          <a:p>
+            <a:r>
+              <a:rPr lang="ko-KR" altLang="en-US" dirty="0" smtClean="0"/>
+              <a:t>회원가입</a:t>
+            </a:r>
+            <a:endParaRPr lang="ko-KR" altLang="en-US" dirty="0"/>
+          </a:p>
+        </p:txBody>
+      </p:sp>
+      <p:sp>
+        <p:nvSpPr>
+          <p:cNvPr id="3" name="내용 개체 틀 2"/>
+          <p:cNvSpPr>
+            <a:spLocks noGrp="1"/>
+          </p:cNvSpPr>
+          <p:nvPr>
+            <p:ph idx="1"/>
+          </p:nvPr>
+        </p:nvSpPr>
+        <p:spPr/>
+        <p:txBody>
+          <a:bodyPr/>
+          <a:lstStyle/>
+          <a:p>
+            <a:r>
+              <a:rPr lang="ko-KR" altLang="en-US" dirty="0" smtClean="0"/>
+              <a:t>입력 </a:t>
+            </a:r>
+            <a:r>
+              <a:rPr lang="en-US" altLang="ko-KR" dirty="0" smtClean="0"/>
+              <a:t>: </a:t>
+            </a:r>
+            <a:r>
+              <a:rPr lang="ko-KR" altLang="en-US" dirty="0" smtClean="0"/>
+              <a:t>이메일 주소</a:t>
+            </a:r>
+            <a:r>
+              <a:rPr lang="en-US" altLang="ko-KR" dirty="0" smtClean="0"/>
+              <a:t/>
+            </a:r>
+            <a:br>
+              <a:rPr lang="en-US" altLang="ko-KR" dirty="0" smtClean="0"/>
+            </a:br>
+            <a:r>
+              <a:rPr lang="en-US" altLang="ko-KR" dirty="0" smtClean="0"/>
+              <a:t>         </a:t>
+            </a:r>
+            <a:r>
+              <a:rPr lang="ko-KR" altLang="en-US" dirty="0" smtClean="0"/>
+              <a:t>이름</a:t>
+            </a:r>
+            <a:r>
+              <a:rPr lang="en-US" altLang="ko-KR" dirty="0" smtClean="0"/>
+              <a:t/>
+            </a:r>
+            <a:br>
+              <a:rPr lang="en-US" altLang="ko-KR" dirty="0" smtClean="0"/>
+            </a:br>
+            <a:r>
+              <a:rPr lang="en-US" altLang="ko-KR" dirty="0" smtClean="0"/>
+              <a:t>         </a:t>
+            </a:r>
+            <a:r>
+              <a:rPr lang="ko-KR" altLang="en-US" dirty="0" smtClean="0"/>
+              <a:t>비밀번호</a:t>
+            </a:r>
+            <a:r>
+              <a:rPr lang="en-US" altLang="ko-KR" dirty="0" smtClean="0"/>
+              <a:t/>
+            </a:r>
+            <a:br>
+              <a:rPr lang="en-US" altLang="ko-KR" dirty="0" smtClean="0"/>
+            </a:br>
+            <a:r>
+              <a:rPr lang="en-US" altLang="ko-KR" dirty="0" smtClean="0"/>
+              <a:t>         </a:t>
+            </a:r>
+            <a:r>
+              <a:rPr lang="ko-KR" altLang="en-US" dirty="0" smtClean="0"/>
+              <a:t>비밀번호 확인</a:t>
+            </a:r>
+            <a:r>
+              <a:rPr lang="en-US" altLang="ko-KR" dirty="0" smtClean="0"/>
+              <a:t/>
+            </a:r>
+            <a:br>
+              <a:rPr lang="en-US" altLang="ko-KR" dirty="0" smtClean="0"/>
+            </a:br>
+            <a:r>
+              <a:rPr lang="en-US" altLang="ko-KR" dirty="0" smtClean="0"/>
+              <a:t>         </a:t>
+            </a:r>
+            <a:r>
+              <a:rPr lang="ko-KR" altLang="en-US" dirty="0" smtClean="0"/>
+              <a:t>생년월일</a:t>
+            </a:r>
+            <a:endParaRPr lang="en-US" altLang="ko-KR" dirty="0" smtClean="0"/>
+          </a:p>
+          <a:p>
+            <a:r>
+              <a:rPr lang="ko-KR" altLang="en-US" dirty="0" smtClean="0"/>
+              <a:t>마케팅 메시지 수신거부 체크</a:t>
+            </a:r>
+            <a:endParaRPr lang="en-US" altLang="ko-KR" dirty="0" smtClean="0"/>
+          </a:p>
+          <a:p>
+            <a:r>
+              <a:rPr lang="ko-KR" altLang="en-US" dirty="0" smtClean="0">
+                <a:hlinkClick r:id="rId2" action="ppaction://hlinksldjump"/>
+              </a:rPr>
+              <a:t>가입하기 버튼</a:t>
+            </a:r>
+            <a:endParaRPr lang="en-US" altLang="ko-KR" dirty="0" smtClean="0"/>
+          </a:p>
+          <a:p>
+            <a:r>
+              <a:rPr lang="ko-KR" altLang="en-US" dirty="0" smtClean="0">
+                <a:hlinkClick r:id="rId3" action="ppaction://hlinksldjump"/>
+              </a:rPr>
+              <a:t>로그인 링크</a:t>
+            </a:r>
+            <a:endParaRPr lang="ko-KR" altLang="en-US" dirty="0"/>
+          </a:p>
+        </p:txBody>
+      </p:sp>
+    </p:spTree>
+    <p:extLst>
+      <p:ext uri="{BB962C8B-B14F-4D97-AF65-F5344CB8AC3E}">
+        <p14:creationId xmlns:p14="http://schemas.microsoft.com/office/powerpoint/2010/main" val="3630940392"/>
+      </p:ext>
+    </p:extLst>
+  </p:cSld>
+  <p:clrMapOvr>
+    <a:masterClrMapping/>
+  </p:clrMapOvr>
+  <p:timing>
+    <p:tnLst>
+      <p:par>
+        <p:cTn id="1" dur="indefinite" restart="never" nodeType="tmRoot"/>
+      </p:par>
+    </p:tnLst>
+  </p:timing>
+</p:sld>
+</file>
+
+<file path=ppt/slides/slide22.xml><?xml version="1.0" encoding="utf-8"?>
+<p:sld xmlns:a="http://schemas.openxmlformats.org/drawingml/2006/main" xmlns:r="http://schemas.openxmlformats.org/officeDocument/2006/relationships" xmlns:p="http://schemas.openxmlformats.org/presentationml/2006/main">
+  <p:cSld>
+    <p:spTree>
+      <p:nvGrpSpPr>
+        <p:cNvPr id="1" name=""/>
+        <p:cNvGrpSpPr/>
+        <p:nvPr/>
+      </p:nvGrpSpPr>
+      <p:grpSpPr>
+        <a:xfrm>
+          <a:off x="0" y="0"/>
+          <a:ext cx="0" cy="0"/>
+          <a:chOff x="0" y="0"/>
+          <a:chExt cx="0" cy="0"/>
+        </a:xfrm>
+      </p:grpSpPr>
+      <p:sp>
+        <p:nvSpPr>
+          <p:cNvPr id="2" name="제목 1"/>
+          <p:cNvSpPr>
+            <a:spLocks noGrp="1"/>
+          </p:cNvSpPr>
+          <p:nvPr>
+            <p:ph type="title"/>
+          </p:nvPr>
+        </p:nvSpPr>
+        <p:spPr/>
+        <p:txBody>
+          <a:bodyPr/>
+          <a:lstStyle/>
+          <a:p>
+            <a:r>
+              <a:rPr lang="ko-KR" altLang="en-US" dirty="0" smtClean="0"/>
+              <a:t>회원가입 체크</a:t>
+            </a:r>
+            <a:endParaRPr lang="ko-KR" altLang="en-US" dirty="0"/>
+          </a:p>
+        </p:txBody>
+      </p:sp>
+      <p:sp>
+        <p:nvSpPr>
+          <p:cNvPr id="3" name="내용 개체 틀 2"/>
+          <p:cNvSpPr>
+            <a:spLocks noGrp="1"/>
+          </p:cNvSpPr>
+          <p:nvPr>
+            <p:ph idx="1"/>
+          </p:nvPr>
+        </p:nvSpPr>
+        <p:spPr/>
+        <p:txBody>
+          <a:bodyPr/>
+          <a:lstStyle/>
+          <a:p>
+            <a:r>
+              <a:rPr lang="ko-KR" altLang="en-US" dirty="0"/>
+              <a:t>성공</a:t>
+            </a:r>
+            <a:r>
+              <a:rPr lang="en-US" altLang="ko-KR" dirty="0"/>
+              <a:t> : </a:t>
+            </a:r>
+            <a:r>
+              <a:rPr lang="ko-KR" altLang="en-US" dirty="0" smtClean="0"/>
+              <a:t>성공 메시지</a:t>
+            </a:r>
+            <a:r>
+              <a:rPr lang="en-US" altLang="ko-KR" dirty="0" smtClean="0"/>
+              <a:t/>
+            </a:r>
+            <a:br>
+              <a:rPr lang="en-US" altLang="ko-KR" dirty="0" smtClean="0"/>
+            </a:br>
+            <a:r>
+              <a:rPr lang="en-US" altLang="ko-KR" dirty="0" smtClean="0"/>
+              <a:t>         </a:t>
+            </a:r>
+            <a:r>
+              <a:rPr lang="ko-KR" altLang="en-US" dirty="0" smtClean="0">
+                <a:hlinkClick r:id="rId2" action="ppaction://hlinksldjump"/>
+              </a:rPr>
+              <a:t>로그인 페이지</a:t>
+            </a:r>
+            <a:r>
+              <a:rPr lang="ko-KR" altLang="en-US" dirty="0" smtClean="0"/>
+              <a:t> 링크</a:t>
+            </a:r>
+            <a:endParaRPr lang="en-US" altLang="ko-KR" dirty="0"/>
+          </a:p>
+          <a:p>
+            <a:r>
+              <a:rPr lang="ko-KR" altLang="en-US" dirty="0"/>
+              <a:t>실패 </a:t>
+            </a:r>
+            <a:r>
+              <a:rPr lang="en-US" altLang="ko-KR" dirty="0"/>
+              <a:t>: </a:t>
+            </a:r>
+            <a:r>
+              <a:rPr lang="ko-KR" altLang="en-US" dirty="0"/>
+              <a:t>에러 메시지</a:t>
+            </a:r>
+          </a:p>
+          <a:p>
+            <a:endParaRPr lang="ko-KR" altLang="en-US" dirty="0"/>
+          </a:p>
+        </p:txBody>
+      </p:sp>
+    </p:spTree>
+    <p:extLst>
+      <p:ext uri="{BB962C8B-B14F-4D97-AF65-F5344CB8AC3E}">
+        <p14:creationId xmlns:p14="http://schemas.microsoft.com/office/powerpoint/2010/main" val="3949110546"/>
+      </p:ext>
+    </p:extLst>
+  </p:cSld>
+  <p:clrMapOvr>
+    <a:masterClrMapping/>
+  </p:clrMapOvr>
+  <p:timing>
+    <p:tnLst>
+      <p:par>
+        <p:cTn id="1" dur="indefinite" restart="never" nodeType="tmRoot"/>
+      </p:par>
+    </p:tnLst>
+  </p:timing>
+</p:sld>
+</file>
+
+<file path=ppt/slides/slide23.xml><?xml version="1.0" encoding="utf-8"?>
+<p:sld xmlns:a="http://schemas.openxmlformats.org/drawingml/2006/main" xmlns:r="http://schemas.openxmlformats.org/officeDocument/2006/relationships" xmlns:p="http://schemas.openxmlformats.org/presentationml/2006/main">
+  <p:cSld>
+    <p:spTree>
+      <p:nvGrpSpPr>
+        <p:cNvPr id="1" name=""/>
+        <p:cNvGrpSpPr/>
+        <p:nvPr/>
+      </p:nvGrpSpPr>
+      <p:grpSpPr>
+        <a:xfrm>
+          <a:off x="0" y="0"/>
+          <a:ext cx="0" cy="0"/>
+          <a:chOff x="0" y="0"/>
+          <a:chExt cx="0" cy="0"/>
+        </a:xfrm>
+      </p:grpSpPr>
+      <p:sp>
+        <p:nvSpPr>
+          <p:cNvPr id="2" name="제목 1"/>
+          <p:cNvSpPr>
+            <a:spLocks noGrp="1"/>
+          </p:cNvSpPr>
+          <p:nvPr>
+            <p:ph type="title"/>
+          </p:nvPr>
+        </p:nvSpPr>
+        <p:spPr/>
+        <p:txBody>
+          <a:bodyPr/>
+          <a:lstStyle/>
+          <a:p>
+            <a:r>
+              <a:rPr lang="ko-KR" altLang="en-US" dirty="0" smtClean="0"/>
+              <a:t>사용자 정보</a:t>
+            </a:r>
+            <a:endParaRPr lang="ko-KR" altLang="en-US" dirty="0"/>
+          </a:p>
+        </p:txBody>
+      </p:sp>
+      <p:sp>
+        <p:nvSpPr>
+          <p:cNvPr id="3" name="내용 개체 틀 2"/>
+          <p:cNvSpPr>
+            <a:spLocks noGrp="1"/>
+          </p:cNvSpPr>
+          <p:nvPr>
+            <p:ph idx="1"/>
+          </p:nvPr>
+        </p:nvSpPr>
+        <p:spPr/>
+        <p:txBody>
+          <a:bodyPr/>
+          <a:lstStyle/>
+          <a:p>
+            <a:r>
+              <a:rPr lang="ko-KR" altLang="en-US" dirty="0" smtClean="0"/>
+              <a:t>프로필 수정</a:t>
+            </a:r>
+            <a:endParaRPr lang="en-US" altLang="ko-KR" dirty="0" smtClean="0"/>
+          </a:p>
+          <a:p>
+            <a:r>
+              <a:rPr lang="ko-KR" altLang="en-US" dirty="0" smtClean="0"/>
+              <a:t>계정 관리</a:t>
+            </a:r>
+            <a:endParaRPr lang="en-US" altLang="ko-KR" dirty="0" smtClean="0"/>
+          </a:p>
+          <a:p>
+            <a:r>
+              <a:rPr lang="ko-KR" altLang="en-US" dirty="0" smtClean="0"/>
+              <a:t>로그 아웃</a:t>
+            </a:r>
+            <a:endParaRPr lang="ko-KR" altLang="en-US" dirty="0"/>
+          </a:p>
+        </p:txBody>
+      </p:sp>
+    </p:spTree>
+    <p:extLst>
+      <p:ext uri="{BB962C8B-B14F-4D97-AF65-F5344CB8AC3E}">
+        <p14:creationId xmlns:p14="http://schemas.microsoft.com/office/powerpoint/2010/main" val="2563838057"/>
+      </p:ext>
+    </p:extLst>
+  </p:cSld>
+  <p:clrMapOvr>
+    <a:masterClrMapping/>
+  </p:clrMapOvr>
+  <p:timing>
+    <p:tnLst>
+      <p:par>
+        <p:cTn id="1" dur="indefinite" restart="never" nodeType="tmRoot"/>
+      </p:par>
+    </p:tnLst>
+  </p:timing>
+</p:sld>
+</file>
+
+<file path=ppt/slides/slide24.xml><?xml version="1.0" encoding="utf-8"?>
+<p:sld xmlns:a="http://schemas.openxmlformats.org/drawingml/2006/main" xmlns:r="http://schemas.openxmlformats.org/officeDocument/2006/relationships" xmlns:p="http://schemas.openxmlformats.org/presentationml/2006/main">
+  <p:cSld>
+    <p:spTree>
+      <p:nvGrpSpPr>
+        <p:cNvPr id="1" name=""/>
+        <p:cNvGrpSpPr/>
+        <p:nvPr/>
+      </p:nvGrpSpPr>
+      <p:grpSpPr>
+        <a:xfrm>
+          <a:off x="0" y="0"/>
+          <a:ext cx="0" cy="0"/>
+          <a:chOff x="0" y="0"/>
+          <a:chExt cx="0" cy="0"/>
+        </a:xfrm>
+      </p:grpSpPr>
+      <p:sp>
+        <p:nvSpPr>
+          <p:cNvPr id="2" name="제목 1"/>
+          <p:cNvSpPr>
+            <a:spLocks noGrp="1"/>
+          </p:cNvSpPr>
+          <p:nvPr>
+            <p:ph type="title"/>
+          </p:nvPr>
+        </p:nvSpPr>
+        <p:spPr/>
+        <p:txBody>
+          <a:bodyPr/>
+          <a:lstStyle/>
+          <a:p>
+            <a:r>
+              <a:rPr lang="ko-KR" altLang="en-US" dirty="0" smtClean="0"/>
+              <a:t>숙소 추가</a:t>
+            </a:r>
+            <a:endParaRPr lang="ko-KR" altLang="en-US" dirty="0"/>
+          </a:p>
+        </p:txBody>
+      </p:sp>
+      <p:sp>
+        <p:nvSpPr>
+          <p:cNvPr id="3" name="내용 개체 틀 2"/>
+          <p:cNvSpPr>
+            <a:spLocks noGrp="1"/>
+          </p:cNvSpPr>
+          <p:nvPr>
+            <p:ph idx="1"/>
+          </p:nvPr>
+        </p:nvSpPr>
+        <p:spPr/>
+        <p:txBody>
+          <a:bodyPr/>
+          <a:lstStyle/>
+          <a:p>
+            <a:r>
+              <a:rPr lang="ko-KR" altLang="en-US" dirty="0" smtClean="0">
+                <a:hlinkClick r:id="rId2" action="ppaction://hlinksldjump"/>
+              </a:rPr>
+              <a:t>새로운 숙소 등록하기</a:t>
+            </a:r>
+            <a:endParaRPr lang="en-US" altLang="ko-KR" dirty="0" smtClean="0"/>
+          </a:p>
+          <a:p>
+            <a:r>
+              <a:rPr lang="ko-KR" altLang="en-US" dirty="0" smtClean="0"/>
+              <a:t>기존 숙소 복사하기</a:t>
+            </a:r>
+            <a:r>
+              <a:rPr lang="en-US" altLang="ko-KR" dirty="0" smtClean="0"/>
+              <a:t/>
+            </a:r>
+            <a:br>
+              <a:rPr lang="en-US" altLang="ko-KR" dirty="0" smtClean="0"/>
+            </a:br>
+            <a:r>
+              <a:rPr lang="en-US" altLang="ko-KR" dirty="0" smtClean="0"/>
+              <a:t>    (</a:t>
+            </a:r>
+            <a:r>
+              <a:rPr lang="ko-KR" altLang="en-US" dirty="0" smtClean="0"/>
+              <a:t>기존 숙소 리스트</a:t>
+            </a:r>
+            <a:r>
+              <a:rPr lang="en-US" altLang="ko-KR" dirty="0" smtClean="0"/>
+              <a:t>) -&gt; </a:t>
+            </a:r>
+            <a:r>
+              <a:rPr lang="ko-KR" altLang="en-US" dirty="0" smtClean="0"/>
+              <a:t>선택 시 정보 복사</a:t>
+            </a:r>
+            <a:endParaRPr lang="en-US" altLang="ko-KR" dirty="0" smtClean="0"/>
+          </a:p>
+          <a:p>
+            <a:endParaRPr lang="ko-KR" altLang="en-US" dirty="0"/>
+          </a:p>
+        </p:txBody>
+      </p:sp>
+    </p:spTree>
+    <p:extLst>
+      <p:ext uri="{BB962C8B-B14F-4D97-AF65-F5344CB8AC3E}">
+        <p14:creationId xmlns:p14="http://schemas.microsoft.com/office/powerpoint/2010/main" val="1292315140"/>
+      </p:ext>
+    </p:extLst>
+  </p:cSld>
+  <p:clrMapOvr>
+    <a:masterClrMapping/>
+  </p:clrMapOvr>
+  <p:timing>
+    <p:tnLst>
+      <p:par>
+        <p:cTn id="1" dur="indefinite" restart="never" nodeType="tmRoot"/>
+      </p:par>
+    </p:tnLst>
+  </p:timing>
+</p:sld>
+</file>
+
+<file path=ppt/slides/slide25.xml><?xml version="1.0" encoding="utf-8"?>
+<p:sld xmlns:a="http://schemas.openxmlformats.org/drawingml/2006/main" xmlns:r="http://schemas.openxmlformats.org/officeDocument/2006/relationships" xmlns:p="http://schemas.openxmlformats.org/presentationml/2006/main">
+  <p:cSld>
+    <p:spTree>
+      <p:nvGrpSpPr>
+        <p:cNvPr id="1" name=""/>
+        <p:cNvGrpSpPr/>
+        <p:nvPr/>
+      </p:nvGrpSpPr>
+      <p:grpSpPr>
+        <a:xfrm>
+          <a:off x="0" y="0"/>
+          <a:ext cx="0" cy="0"/>
+          <a:chOff x="0" y="0"/>
+          <a:chExt cx="0" cy="0"/>
+        </a:xfrm>
+      </p:grpSpPr>
+      <p:sp>
+        <p:nvSpPr>
+          <p:cNvPr id="2" name="제목 1"/>
+          <p:cNvSpPr>
+            <a:spLocks noGrp="1"/>
+          </p:cNvSpPr>
+          <p:nvPr>
+            <p:ph type="title"/>
+          </p:nvPr>
+        </p:nvSpPr>
+        <p:spPr/>
+        <p:txBody>
+          <a:bodyPr/>
+          <a:lstStyle/>
+          <a:p>
+            <a:r>
+              <a:rPr lang="ko-KR" altLang="en-US" dirty="0" smtClean="0"/>
+              <a:t>도움말</a:t>
+            </a:r>
+            <a:endParaRPr lang="ko-KR" altLang="en-US" dirty="0"/>
+          </a:p>
+        </p:txBody>
+      </p:sp>
+      <p:sp>
+        <p:nvSpPr>
+          <p:cNvPr id="3" name="내용 개체 틀 2"/>
+          <p:cNvSpPr>
+            <a:spLocks noGrp="1"/>
+          </p:cNvSpPr>
+          <p:nvPr>
+            <p:ph idx="1"/>
+          </p:nvPr>
+        </p:nvSpPr>
+        <p:spPr/>
+        <p:txBody>
+          <a:bodyPr/>
+          <a:lstStyle/>
+          <a:p>
+            <a:r>
+              <a:rPr lang="ko-KR" altLang="en-US" dirty="0" smtClean="0"/>
+              <a:t>추천 도움말 </a:t>
+            </a:r>
+            <a:r>
+              <a:rPr lang="en-US" altLang="ko-KR" dirty="0"/>
+              <a:t>(Q&amp;A</a:t>
+            </a:r>
+            <a:r>
+              <a:rPr lang="en-US" altLang="ko-KR" dirty="0" smtClean="0"/>
+              <a:t>) </a:t>
+            </a:r>
+            <a:r>
+              <a:rPr lang="ko-KR" altLang="en-US" dirty="0" smtClean="0"/>
+              <a:t>목록</a:t>
+            </a:r>
+            <a:endParaRPr lang="en-US" altLang="ko-KR" dirty="0" smtClean="0"/>
+          </a:p>
+          <a:p>
+            <a:r>
+              <a:rPr lang="ko-KR" altLang="en-US" dirty="0" smtClean="0"/>
+              <a:t>질문과 답변</a:t>
+            </a:r>
+            <a:endParaRPr lang="en-US" altLang="ko-KR" dirty="0" smtClean="0"/>
+          </a:p>
+          <a:p>
+            <a:r>
+              <a:rPr lang="ko-KR" altLang="en-US" dirty="0" smtClean="0"/>
+              <a:t>도움말 검색</a:t>
+            </a:r>
+            <a:endParaRPr lang="ko-KR" altLang="en-US" dirty="0"/>
+          </a:p>
+        </p:txBody>
+      </p:sp>
+    </p:spTree>
+    <p:extLst>
+      <p:ext uri="{BB962C8B-B14F-4D97-AF65-F5344CB8AC3E}">
+        <p14:creationId xmlns:p14="http://schemas.microsoft.com/office/powerpoint/2010/main" val="1492584565"/>
+      </p:ext>
+    </p:extLst>
+  </p:cSld>
+  <p:clrMapOvr>
+    <a:masterClrMapping/>
+  </p:clrMapOvr>
+  <p:timing>
+    <p:tnLst>
+      <p:par>
+        <p:cTn id="1" dur="indefinite" restart="never" nodeType="tmRoot"/>
+      </p:par>
+    </p:tnLst>
+  </p:timing>
+</p:sld>
+</file>
+
+<file path=ppt/slides/slide3.xml><?xml version="1.0" encoding="utf-8"?>
+<p:sld xmlns:a="http://schemas.openxmlformats.org/drawingml/2006/main" xmlns:r="http://schemas.openxmlformats.org/officeDocument/2006/relationships" xmlns:p="http://schemas.openxmlformats.org/presentationml/2006/main">
+  <p:cSld>
+    <p:spTree>
+      <p:nvGrpSpPr>
+        <p:cNvPr id="1" name=""/>
+        <p:cNvGrpSpPr/>
+        <p:nvPr/>
+      </p:nvGrpSpPr>
+      <p:grpSpPr>
+        <a:xfrm>
+          <a:off x="0" y="0"/>
+          <a:ext cx="0" cy="0"/>
+          <a:chOff x="0" y="0"/>
+          <a:chExt cx="0" cy="0"/>
+        </a:xfrm>
+      </p:grpSpPr>
+      <p:sp>
+        <p:nvSpPr>
+          <p:cNvPr id="2" name="제목 1"/>
+          <p:cNvSpPr>
+            <a:spLocks noGrp="1"/>
+          </p:cNvSpPr>
+          <p:nvPr>
+            <p:ph type="title"/>
+          </p:nvPr>
+        </p:nvSpPr>
+        <p:spPr/>
+        <p:txBody>
+          <a:bodyPr/>
+          <a:lstStyle/>
+          <a:p>
+            <a:r>
+              <a:rPr lang="ko-KR" altLang="en-US" dirty="0" smtClean="0"/>
+              <a:t>숙소 정보</a:t>
+            </a:r>
+            <a:endParaRPr lang="ko-KR" altLang="en-US" dirty="0"/>
+          </a:p>
+        </p:txBody>
+      </p:sp>
+      <p:sp>
+        <p:nvSpPr>
+          <p:cNvPr id="3" name="내용 개체 틀 2"/>
+          <p:cNvSpPr>
+            <a:spLocks noGrp="1"/>
+          </p:cNvSpPr>
+          <p:nvPr>
+            <p:ph idx="1"/>
+          </p:nvPr>
+        </p:nvSpPr>
+        <p:spPr/>
+        <p:txBody>
+          <a:bodyPr/>
+          <a:lstStyle/>
+          <a:p>
+            <a:r>
+              <a:rPr lang="ko-KR" altLang="en-US" dirty="0" smtClean="0"/>
+              <a:t>사진</a:t>
+            </a:r>
+            <a:r>
+              <a:rPr lang="en-US" altLang="ko-KR" dirty="0" smtClean="0"/>
+              <a:t/>
+            </a:r>
+            <a:br>
+              <a:rPr lang="en-US" altLang="ko-KR" dirty="0" smtClean="0"/>
+            </a:br>
+            <a:r>
+              <a:rPr lang="en-US" altLang="ko-KR" dirty="0" smtClean="0"/>
+              <a:t>    </a:t>
+            </a:r>
+            <a:r>
+              <a:rPr lang="ko-KR" altLang="en-US" dirty="0" smtClean="0"/>
+              <a:t>클릭 시 전체 보기 모드</a:t>
+            </a:r>
+            <a:endParaRPr lang="en-US" altLang="ko-KR" dirty="0" smtClean="0"/>
+          </a:p>
+          <a:p>
+            <a:r>
+              <a:rPr lang="ko-KR" altLang="en-US" dirty="0" smtClean="0"/>
+              <a:t>숙소 정보</a:t>
+            </a:r>
+            <a:endParaRPr lang="en-US" altLang="ko-KR" dirty="0" smtClean="0"/>
+          </a:p>
+          <a:p>
+            <a:r>
+              <a:rPr lang="ko-KR" altLang="en-US" dirty="0" smtClean="0"/>
+              <a:t>후기 정보</a:t>
+            </a:r>
+            <a:endParaRPr lang="en-US" altLang="ko-KR" dirty="0" smtClean="0"/>
+          </a:p>
+          <a:p>
+            <a:r>
+              <a:rPr lang="ko-KR" altLang="en-US" dirty="0">
+                <a:hlinkClick r:id="rId2" action="ppaction://hlinksldjump"/>
+              </a:rPr>
+              <a:t>호스트 </a:t>
+            </a:r>
+            <a:r>
+              <a:rPr lang="ko-KR" altLang="en-US" dirty="0" smtClean="0">
+                <a:hlinkClick r:id="rId2" action="ppaction://hlinksldjump"/>
+              </a:rPr>
+              <a:t>정보</a:t>
+            </a:r>
+            <a:endParaRPr lang="en-US" altLang="ko-KR" dirty="0"/>
+          </a:p>
+          <a:p>
+            <a:r>
+              <a:rPr lang="ko-KR" altLang="en-US" dirty="0" smtClean="0"/>
+              <a:t>지역 정보 </a:t>
+            </a:r>
+            <a:r>
+              <a:rPr lang="en-US" altLang="ko-KR" dirty="0" smtClean="0"/>
+              <a:t>(</a:t>
+            </a:r>
+            <a:r>
+              <a:rPr lang="ko-KR" altLang="en-US" dirty="0" smtClean="0"/>
+              <a:t>지도</a:t>
+            </a:r>
+            <a:r>
+              <a:rPr lang="en-US" altLang="ko-KR" dirty="0" smtClean="0"/>
+              <a:t>)</a:t>
+            </a:r>
+          </a:p>
+          <a:p>
+            <a:r>
+              <a:rPr lang="ko-KR" altLang="en-US" dirty="0" smtClean="0"/>
+              <a:t>환불 정책 </a:t>
+            </a:r>
+            <a:r>
+              <a:rPr lang="en-US" altLang="ko-KR" dirty="0" smtClean="0"/>
+              <a:t>(</a:t>
+            </a:r>
+            <a:r>
+              <a:rPr lang="ko-KR" altLang="en-US" dirty="0" smtClean="0"/>
+              <a:t>이용규칙</a:t>
+            </a:r>
+            <a:r>
+              <a:rPr lang="en-US" altLang="ko-KR" dirty="0" smtClean="0"/>
+              <a:t>, </a:t>
+            </a:r>
+            <a:r>
+              <a:rPr lang="ko-KR" altLang="en-US" dirty="0" smtClean="0"/>
+              <a:t>예약 취소</a:t>
+            </a:r>
+            <a:r>
+              <a:rPr lang="en-US" altLang="ko-KR" dirty="0" smtClean="0"/>
+              <a:t>, …)</a:t>
+            </a:r>
+          </a:p>
+          <a:p>
+            <a:r>
+              <a:rPr lang="ko-KR" altLang="en-US" dirty="0" smtClean="0">
+                <a:hlinkClick r:id="rId3" action="ppaction://hlinksldjump"/>
+              </a:rPr>
+              <a:t>예약 요청</a:t>
+            </a:r>
+            <a:endParaRPr lang="en-US" altLang="ko-KR" dirty="0" smtClean="0"/>
+          </a:p>
+        </p:txBody>
+      </p:sp>
+    </p:spTree>
+    <p:extLst>
+      <p:ext uri="{BB962C8B-B14F-4D97-AF65-F5344CB8AC3E}">
+        <p14:creationId xmlns:p14="http://schemas.microsoft.com/office/powerpoint/2010/main" val="3786598359"/>
+      </p:ext>
+    </p:extLst>
+  </p:cSld>
+  <p:clrMapOvr>
+    <a:masterClrMapping/>
+  </p:clrMapOvr>
+  <p:timing>
+    <p:tnLst>
+      <p:par>
+        <p:cTn id="1" dur="indefinite" restart="never" nodeType="tmRoot"/>
+      </p:par>
+    </p:tnLst>
+  </p:timing>
+</p:sld>
+</file>
+
+<file path=ppt/slides/slide4.xml><?xml version="1.0" encoding="utf-8"?>
+<p:sld xmlns:a="http://schemas.openxmlformats.org/drawingml/2006/main" xmlns:r="http://schemas.openxmlformats.org/officeDocument/2006/relationships" xmlns:p="http://schemas.openxmlformats.org/presentationml/2006/main">
+  <p:cSld>
+    <p:spTree>
+      <p:nvGrpSpPr>
+        <p:cNvPr id="1" name=""/>
+        <p:cNvGrpSpPr/>
+        <p:nvPr/>
+      </p:nvGrpSpPr>
+      <p:grpSpPr>
+        <a:xfrm>
+          <a:off x="0" y="0"/>
+          <a:ext cx="0" cy="0"/>
+          <a:chOff x="0" y="0"/>
+          <a:chExt cx="0" cy="0"/>
+        </a:xfrm>
+      </p:grpSpPr>
+      <p:sp>
+        <p:nvSpPr>
+          <p:cNvPr id="2" name="제목 1"/>
+          <p:cNvSpPr>
+            <a:spLocks noGrp="1"/>
+          </p:cNvSpPr>
+          <p:nvPr>
+            <p:ph type="title"/>
+          </p:nvPr>
+        </p:nvSpPr>
+        <p:spPr/>
+        <p:txBody>
+          <a:bodyPr/>
+          <a:lstStyle/>
+          <a:p>
+            <a:r>
+              <a:rPr lang="ko-KR" altLang="en-US" dirty="0" smtClean="0"/>
+              <a:t>예약 정보</a:t>
+            </a:r>
+            <a:endParaRPr lang="ko-KR" altLang="en-US" dirty="0"/>
+          </a:p>
+        </p:txBody>
+      </p:sp>
+      <p:sp>
+        <p:nvSpPr>
+          <p:cNvPr id="3" name="내용 개체 틀 2"/>
+          <p:cNvSpPr>
+            <a:spLocks noGrp="1"/>
+          </p:cNvSpPr>
+          <p:nvPr>
+            <p:ph idx="1"/>
+          </p:nvPr>
+        </p:nvSpPr>
+        <p:spPr/>
+        <p:txBody>
+          <a:bodyPr/>
+          <a:lstStyle/>
+          <a:p>
+            <a:r>
+              <a:rPr lang="ko-KR" altLang="en-US" dirty="0" smtClean="0"/>
+              <a:t>날짜 선택</a:t>
+            </a:r>
+            <a:endParaRPr lang="en-US" altLang="ko-KR" dirty="0" smtClean="0"/>
+          </a:p>
+          <a:p>
+            <a:r>
+              <a:rPr lang="ko-KR" altLang="en-US" dirty="0" smtClean="0"/>
+              <a:t>인원 선택</a:t>
+            </a:r>
+            <a:endParaRPr lang="en-US" altLang="ko-KR" dirty="0" smtClean="0"/>
+          </a:p>
+          <a:p>
+            <a:r>
+              <a:rPr lang="ko-KR" altLang="en-US" dirty="0" smtClean="0"/>
+              <a:t>금액</a:t>
+            </a:r>
+            <a:endParaRPr lang="en-US" altLang="ko-KR" dirty="0" smtClean="0"/>
+          </a:p>
+          <a:p>
+            <a:r>
+              <a:rPr lang="ko-KR" altLang="en-US" dirty="0" smtClean="0">
+                <a:hlinkClick r:id="rId2" action="ppaction://hlinksldjump"/>
+              </a:rPr>
+              <a:t>예약 요청</a:t>
+            </a:r>
+            <a:endParaRPr lang="ko-KR" altLang="en-US" dirty="0"/>
+          </a:p>
+        </p:txBody>
+      </p:sp>
+    </p:spTree>
+    <p:extLst>
+      <p:ext uri="{BB962C8B-B14F-4D97-AF65-F5344CB8AC3E}">
+        <p14:creationId xmlns:p14="http://schemas.microsoft.com/office/powerpoint/2010/main" val="431353438"/>
+      </p:ext>
+    </p:extLst>
+  </p:cSld>
+  <p:clrMapOvr>
+    <a:masterClrMapping/>
+  </p:clrMapOvr>
+  <p:timing>
+    <p:tnLst>
+      <p:par>
+        <p:cTn id="1" dur="indefinite" restart="never" nodeType="tmRoot"/>
+      </p:par>
+    </p:tnLst>
+  </p:timing>
+</p:sld>
+</file>
+
+<file path=ppt/slides/slide5.xml><?xml version="1.0" encoding="utf-8"?>
+<p:sld xmlns:a="http://schemas.openxmlformats.org/drawingml/2006/main" xmlns:r="http://schemas.openxmlformats.org/officeDocument/2006/relationships" xmlns:p="http://schemas.openxmlformats.org/presentationml/2006/main">
+  <p:cSld>
+    <p:spTree>
+      <p:nvGrpSpPr>
+        <p:cNvPr id="1" name=""/>
+        <p:cNvGrpSpPr/>
+        <p:nvPr/>
+      </p:nvGrpSpPr>
+      <p:grpSpPr>
+        <a:xfrm>
+          <a:off x="0" y="0"/>
+          <a:ext cx="0" cy="0"/>
+          <a:chOff x="0" y="0"/>
+          <a:chExt cx="0" cy="0"/>
+        </a:xfrm>
+      </p:grpSpPr>
+      <p:sp>
+        <p:nvSpPr>
+          <p:cNvPr id="2" name="제목 1"/>
+          <p:cNvSpPr>
+            <a:spLocks noGrp="1"/>
+          </p:cNvSpPr>
+          <p:nvPr>
+            <p:ph type="title"/>
+          </p:nvPr>
+        </p:nvSpPr>
+        <p:spPr/>
+        <p:txBody>
+          <a:bodyPr/>
+          <a:lstStyle/>
+          <a:p>
+            <a:r>
+              <a:rPr lang="ko-KR" altLang="en-US" dirty="0" smtClean="0"/>
+              <a:t>예약 체크</a:t>
+            </a:r>
+            <a:endParaRPr lang="ko-KR" altLang="en-US" dirty="0"/>
+          </a:p>
+        </p:txBody>
+      </p:sp>
+      <p:sp>
+        <p:nvSpPr>
+          <p:cNvPr id="3" name="내용 개체 틀 2"/>
+          <p:cNvSpPr>
+            <a:spLocks noGrp="1"/>
+          </p:cNvSpPr>
+          <p:nvPr>
+            <p:ph idx="1"/>
+          </p:nvPr>
+        </p:nvSpPr>
+        <p:spPr/>
+        <p:txBody>
+          <a:bodyPr/>
+          <a:lstStyle/>
+          <a:p>
+            <a:r>
+              <a:rPr lang="ko-KR" altLang="en-US" dirty="0" smtClean="0"/>
+              <a:t>호스트에게 알려주기</a:t>
+            </a:r>
+            <a:endParaRPr lang="en-US" altLang="ko-KR" dirty="0" smtClean="0"/>
+          </a:p>
+          <a:p>
+            <a:r>
+              <a:rPr lang="ko-KR" altLang="en-US" dirty="0" smtClean="0">
+                <a:hlinkClick r:id="rId2" action="ppaction://hlinksldjump"/>
+              </a:rPr>
+              <a:t>홈으로 이동</a:t>
+            </a:r>
+            <a:endParaRPr lang="ko-KR" altLang="en-US" dirty="0"/>
+          </a:p>
+        </p:txBody>
+      </p:sp>
+    </p:spTree>
+    <p:extLst>
+      <p:ext uri="{BB962C8B-B14F-4D97-AF65-F5344CB8AC3E}">
+        <p14:creationId xmlns:p14="http://schemas.microsoft.com/office/powerpoint/2010/main" val="816407386"/>
+      </p:ext>
+    </p:extLst>
+  </p:cSld>
+  <p:clrMapOvr>
+    <a:masterClrMapping/>
+  </p:clrMapOvr>
+  <p:timing>
+    <p:tnLst>
+      <p:par>
+        <p:cTn id="1" dur="indefinite" restart="never" nodeType="tmRoot"/>
+      </p:par>
+    </p:tnLst>
+  </p:timing>
+</p:sld>
+</file>
+
+<file path=ppt/slides/slide6.xml><?xml version="1.0" encoding="utf-8"?>
+<p:sld xmlns:a="http://schemas.openxmlformats.org/drawingml/2006/main" xmlns:r="http://schemas.openxmlformats.org/officeDocument/2006/relationships" xmlns:p="http://schemas.openxmlformats.org/presentationml/2006/main">
+  <p:cSld>
+    <p:spTree>
+      <p:nvGrpSpPr>
+        <p:cNvPr id="1" name=""/>
+        <p:cNvGrpSpPr/>
+        <p:nvPr/>
+      </p:nvGrpSpPr>
+      <p:grpSpPr>
+        <a:xfrm>
+          <a:off x="0" y="0"/>
+          <a:ext cx="0" cy="0"/>
+          <a:chOff x="0" y="0"/>
+          <a:chExt cx="0" cy="0"/>
+        </a:xfrm>
+      </p:grpSpPr>
+      <p:sp>
+        <p:nvSpPr>
+          <p:cNvPr id="2" name="제목 1"/>
+          <p:cNvSpPr>
+            <a:spLocks noGrp="1"/>
+          </p:cNvSpPr>
+          <p:nvPr>
+            <p:ph type="title"/>
+          </p:nvPr>
+        </p:nvSpPr>
+        <p:spPr/>
+        <p:txBody>
+          <a:bodyPr/>
+          <a:lstStyle/>
+          <a:p>
+            <a:r>
+              <a:rPr lang="ko-KR" altLang="en-US" dirty="0" smtClean="0"/>
+              <a:t>호스트 정보</a:t>
+            </a:r>
+            <a:endParaRPr lang="ko-KR" altLang="en-US" dirty="0"/>
+          </a:p>
+        </p:txBody>
+      </p:sp>
+      <p:sp>
+        <p:nvSpPr>
+          <p:cNvPr id="3" name="내용 개체 틀 2"/>
+          <p:cNvSpPr>
+            <a:spLocks noGrp="1"/>
+          </p:cNvSpPr>
+          <p:nvPr>
+            <p:ph idx="1"/>
+          </p:nvPr>
+        </p:nvSpPr>
+        <p:spPr/>
+        <p:txBody>
+          <a:bodyPr/>
+          <a:lstStyle/>
+          <a:p>
+            <a:r>
+              <a:rPr lang="ko-KR" altLang="en-US" dirty="0" smtClean="0"/>
+              <a:t>사진</a:t>
+            </a:r>
+            <a:r>
+              <a:rPr lang="en-US" altLang="ko-KR" dirty="0" smtClean="0"/>
+              <a:t>, </a:t>
+            </a:r>
+            <a:r>
+              <a:rPr lang="ko-KR" altLang="en-US" dirty="0" smtClean="0"/>
+              <a:t>인사말</a:t>
+            </a:r>
+            <a:r>
+              <a:rPr lang="en-US" altLang="ko-KR" dirty="0" smtClean="0"/>
+              <a:t>, </a:t>
+            </a:r>
+            <a:r>
+              <a:rPr lang="ko-KR" altLang="en-US" dirty="0" smtClean="0"/>
+              <a:t>지역</a:t>
+            </a:r>
+            <a:r>
+              <a:rPr lang="en-US" altLang="ko-KR" dirty="0" smtClean="0"/>
+              <a:t>, </a:t>
+            </a:r>
+            <a:r>
+              <a:rPr lang="ko-KR" altLang="en-US" dirty="0" smtClean="0"/>
+              <a:t>가입일</a:t>
+            </a:r>
+            <a:endParaRPr lang="en-US" altLang="ko-KR" dirty="0" smtClean="0"/>
+          </a:p>
+          <a:p>
+            <a:r>
+              <a:rPr lang="ko-KR" altLang="en-US" dirty="0" smtClean="0"/>
+              <a:t>등록한 모든 숙소 정보</a:t>
+            </a:r>
+            <a:endParaRPr lang="en-US" altLang="ko-KR" dirty="0" smtClean="0"/>
+          </a:p>
+          <a:p>
+            <a:r>
+              <a:rPr lang="ko-KR" altLang="en-US" dirty="0" smtClean="0"/>
+              <a:t>후기 정보</a:t>
+            </a:r>
+            <a:r>
+              <a:rPr lang="en-US" altLang="ko-KR" dirty="0" smtClean="0"/>
+              <a:t/>
+            </a:r>
+            <a:br>
+              <a:rPr lang="en-US" altLang="ko-KR" dirty="0" smtClean="0"/>
+            </a:br>
+            <a:r>
+              <a:rPr lang="en-US" altLang="ko-KR" dirty="0" smtClean="0"/>
+              <a:t>    - </a:t>
+            </a:r>
+            <a:r>
+              <a:rPr lang="ko-KR" altLang="en-US" dirty="0" smtClean="0"/>
+              <a:t>등록 수</a:t>
+            </a:r>
+            <a:r>
+              <a:rPr lang="en-US" altLang="ko-KR" dirty="0" smtClean="0"/>
+              <a:t/>
+            </a:r>
+            <a:br>
+              <a:rPr lang="en-US" altLang="ko-KR" dirty="0" smtClean="0"/>
+            </a:br>
+            <a:r>
+              <a:rPr lang="en-US" altLang="ko-KR" dirty="0" smtClean="0"/>
+              <a:t>    - </a:t>
+            </a:r>
+            <a:r>
+              <a:rPr lang="ko-KR" altLang="en-US" dirty="0" smtClean="0"/>
+              <a:t>후기 목록</a:t>
+            </a:r>
+            <a:r>
+              <a:rPr lang="en-US" altLang="ko-KR" dirty="0" smtClean="0"/>
+              <a:t/>
+            </a:r>
+            <a:br>
+              <a:rPr lang="en-US" altLang="ko-KR" dirty="0" smtClean="0"/>
+            </a:br>
+            <a:r>
+              <a:rPr lang="en-US" altLang="ko-KR" dirty="0" smtClean="0"/>
+              <a:t>        - </a:t>
+            </a:r>
+            <a:r>
+              <a:rPr lang="ko-KR" altLang="en-US" dirty="0" smtClean="0"/>
+              <a:t>게스트</a:t>
+            </a:r>
+            <a:r>
+              <a:rPr lang="en-US" altLang="ko-KR" dirty="0" smtClean="0"/>
+              <a:t/>
+            </a:r>
+            <a:br>
+              <a:rPr lang="en-US" altLang="ko-KR" dirty="0" smtClean="0"/>
+            </a:br>
+            <a:r>
+              <a:rPr lang="en-US" altLang="ko-KR" dirty="0" smtClean="0"/>
+              <a:t>        - </a:t>
+            </a:r>
+            <a:r>
+              <a:rPr lang="ko-KR" altLang="en-US" dirty="0" smtClean="0"/>
+              <a:t>호스트</a:t>
+            </a:r>
+            <a:endParaRPr lang="ko-KR" altLang="en-US" dirty="0"/>
+          </a:p>
+        </p:txBody>
+      </p:sp>
+    </p:spTree>
+    <p:extLst>
+      <p:ext uri="{BB962C8B-B14F-4D97-AF65-F5344CB8AC3E}">
+        <p14:creationId xmlns:p14="http://schemas.microsoft.com/office/powerpoint/2010/main" val="3066420620"/>
+      </p:ext>
+    </p:extLst>
+  </p:cSld>
+  <p:clrMapOvr>
+    <a:masterClrMapping/>
+  </p:clrMapOvr>
+  <p:timing>
+    <p:tnLst>
+      <p:par>
+        <p:cTn id="1" dur="indefinite" restart="never" nodeType="tmRoot"/>
+      </p:par>
+    </p:tnLst>
+  </p:timing>
+</p:sld>
+</file>
+
+<file path=ppt/slides/slide7.xml><?xml version="1.0" encoding="utf-8"?>
+<p:sld xmlns:a="http://schemas.openxmlformats.org/drawingml/2006/main" xmlns:r="http://schemas.openxmlformats.org/officeDocument/2006/relationships" xmlns:p="http://schemas.openxmlformats.org/presentationml/2006/main">
+  <p:cSld>
+    <p:spTree>
+      <p:nvGrpSpPr>
+        <p:cNvPr id="1" name=""/>
+        <p:cNvGrpSpPr/>
+        <p:nvPr/>
+      </p:nvGrpSpPr>
+      <p:grpSpPr>
+        <a:xfrm>
+          <a:off x="0" y="0"/>
+          <a:ext cx="0" cy="0"/>
+          <a:chOff x="0" y="0"/>
+          <a:chExt cx="0" cy="0"/>
+        </a:xfrm>
+      </p:grpSpPr>
+      <p:sp>
+        <p:nvSpPr>
+          <p:cNvPr id="2" name="제목 1"/>
+          <p:cNvSpPr>
+            <a:spLocks noGrp="1"/>
+          </p:cNvSpPr>
+          <p:nvPr>
+            <p:ph type="title"/>
+          </p:nvPr>
+        </p:nvSpPr>
+        <p:spPr/>
+        <p:txBody>
+          <a:bodyPr/>
+          <a:lstStyle/>
+          <a:p>
+            <a:r>
+              <a:rPr lang="ko-KR" altLang="en-US" dirty="0" smtClean="0"/>
+              <a:t>호스트 신청</a:t>
+            </a:r>
+            <a:endParaRPr lang="ko-KR" altLang="en-US" dirty="0"/>
+          </a:p>
+        </p:txBody>
+      </p:sp>
+      <p:sp>
+        <p:nvSpPr>
+          <p:cNvPr id="3" name="내용 개체 틀 2"/>
+          <p:cNvSpPr>
+            <a:spLocks noGrp="1"/>
+          </p:cNvSpPr>
+          <p:nvPr>
+            <p:ph idx="1"/>
+          </p:nvPr>
+        </p:nvSpPr>
+        <p:spPr/>
+        <p:txBody>
+          <a:bodyPr/>
+          <a:lstStyle/>
+          <a:p>
+            <a:r>
+              <a:rPr lang="en-US" altLang="ko-KR" dirty="0" smtClean="0"/>
+              <a:t>STAY-JEJU </a:t>
+            </a:r>
+            <a:r>
+              <a:rPr lang="ko-KR" altLang="en-US" dirty="0" smtClean="0"/>
+              <a:t>호스트가 되는 </a:t>
+            </a:r>
+            <a:r>
+              <a:rPr lang="ko-KR" altLang="en-US" dirty="0" smtClean="0"/>
+              <a:t>법 </a:t>
+            </a:r>
+            <a:r>
+              <a:rPr lang="en-US" altLang="ko-KR" dirty="0" smtClean="0"/>
+              <a:t>(</a:t>
+            </a:r>
+            <a:r>
+              <a:rPr lang="ko-KR" altLang="en-US" dirty="0" smtClean="0"/>
+              <a:t>내용 설명</a:t>
+            </a:r>
+            <a:r>
+              <a:rPr lang="en-US" altLang="ko-KR" dirty="0" smtClean="0"/>
+              <a:t>)</a:t>
+            </a:r>
+            <a:endParaRPr lang="en-US" altLang="ko-KR" dirty="0" smtClean="0"/>
+          </a:p>
+          <a:p>
+            <a:r>
+              <a:rPr lang="ko-KR" altLang="en-US" dirty="0" smtClean="0">
+                <a:hlinkClick r:id="rId2" action="ppaction://hlinksldjump"/>
+              </a:rPr>
+              <a:t>숙소 등록하기</a:t>
+            </a:r>
+            <a:endParaRPr lang="ko-KR" altLang="en-US" dirty="0" smtClean="0"/>
+          </a:p>
+          <a:p>
+            <a:endParaRPr lang="ko-KR" altLang="en-US" dirty="0"/>
+          </a:p>
+        </p:txBody>
+      </p:sp>
+    </p:spTree>
+    <p:extLst>
+      <p:ext uri="{BB962C8B-B14F-4D97-AF65-F5344CB8AC3E}">
+        <p14:creationId xmlns:p14="http://schemas.microsoft.com/office/powerpoint/2010/main" val="1920242469"/>
+      </p:ext>
+    </p:extLst>
+  </p:cSld>
+  <p:clrMapOvr>
+    <a:masterClrMapping/>
+  </p:clrMapOvr>
+  <p:timing>
+    <p:tnLst>
+      <p:par>
+        <p:cTn id="1" dur="indefinite" restart="never" nodeType="tmRoot"/>
+      </p:par>
+    </p:tnLst>
+  </p:timing>
+</p:sld>
+</file>
+
+<file path=ppt/slides/slide8.xml><?xml version="1.0" encoding="utf-8"?>
+<p:sld xmlns:a="http://schemas.openxmlformats.org/drawingml/2006/main" xmlns:r="http://schemas.openxmlformats.org/officeDocument/2006/relationships" xmlns:p="http://schemas.openxmlformats.org/presentationml/2006/main">
+  <p:cSld>
+    <p:spTree>
+      <p:nvGrpSpPr>
+        <p:cNvPr id="1" name=""/>
+        <p:cNvGrpSpPr/>
+        <p:nvPr/>
+      </p:nvGrpSpPr>
+      <p:grpSpPr>
+        <a:xfrm>
+          <a:off x="0" y="0"/>
+          <a:ext cx="0" cy="0"/>
+          <a:chOff x="0" y="0"/>
+          <a:chExt cx="0" cy="0"/>
+        </a:xfrm>
+      </p:grpSpPr>
+      <p:sp>
+        <p:nvSpPr>
+          <p:cNvPr id="2" name="제목 1"/>
+          <p:cNvSpPr>
+            <a:spLocks noGrp="1"/>
+          </p:cNvSpPr>
+          <p:nvPr>
+            <p:ph type="title"/>
+          </p:nvPr>
+        </p:nvSpPr>
+        <p:spPr/>
+        <p:txBody>
+          <a:bodyPr/>
+          <a:lstStyle/>
+          <a:p>
+            <a:r>
+              <a:rPr lang="ko-KR" altLang="en-US" dirty="0" smtClean="0"/>
+              <a:t>숙소 등록하기 </a:t>
+            </a:r>
+            <a:r>
+              <a:rPr lang="en-US" altLang="ko-KR" dirty="0" smtClean="0"/>
+              <a:t>– </a:t>
+            </a:r>
+            <a:r>
+              <a:rPr lang="ko-KR" altLang="en-US" dirty="0" smtClean="0"/>
+              <a:t>기본 </a:t>
+            </a:r>
+            <a:r>
+              <a:rPr lang="en-US" altLang="ko-KR" dirty="0" smtClean="0"/>
+              <a:t>1</a:t>
+            </a:r>
+            <a:r>
+              <a:rPr lang="ko-KR" altLang="en-US" dirty="0" smtClean="0"/>
+              <a:t>단계</a:t>
+            </a:r>
+            <a:endParaRPr lang="ko-KR" altLang="en-US" dirty="0"/>
+          </a:p>
+        </p:txBody>
+      </p:sp>
+      <p:sp>
+        <p:nvSpPr>
+          <p:cNvPr id="3" name="내용 개체 틀 2"/>
+          <p:cNvSpPr>
+            <a:spLocks noGrp="1"/>
+          </p:cNvSpPr>
+          <p:nvPr>
+            <p:ph idx="1"/>
+          </p:nvPr>
+        </p:nvSpPr>
+        <p:spPr/>
+        <p:txBody>
+          <a:bodyPr/>
+          <a:lstStyle/>
+          <a:p>
+            <a:r>
+              <a:rPr lang="ko-KR" altLang="en-US" dirty="0" smtClean="0"/>
+              <a:t>숙소 종류</a:t>
+            </a:r>
+            <a:r>
+              <a:rPr lang="en-US" altLang="ko-KR" dirty="0" smtClean="0"/>
+              <a:t/>
+            </a:r>
+            <a:br>
+              <a:rPr lang="en-US" altLang="ko-KR" dirty="0" smtClean="0"/>
+            </a:br>
+            <a:r>
+              <a:rPr lang="en-US" altLang="ko-KR" dirty="0" smtClean="0"/>
+              <a:t>    - </a:t>
+            </a:r>
+            <a:r>
+              <a:rPr lang="ko-KR" altLang="en-US" dirty="0" smtClean="0"/>
+              <a:t>아파트</a:t>
+            </a:r>
+            <a:r>
+              <a:rPr lang="en-US" altLang="ko-KR" dirty="0" smtClean="0"/>
+              <a:t>, </a:t>
+            </a:r>
+            <a:r>
+              <a:rPr lang="ko-KR" altLang="en-US" dirty="0" smtClean="0"/>
+              <a:t>주택</a:t>
+            </a:r>
+            <a:r>
+              <a:rPr lang="en-US" altLang="ko-KR" dirty="0" smtClean="0"/>
+              <a:t>, </a:t>
+            </a:r>
+            <a:r>
+              <a:rPr lang="ko-KR" altLang="en-US" dirty="0" smtClean="0"/>
+              <a:t>별채</a:t>
+            </a:r>
+            <a:r>
+              <a:rPr lang="en-US" altLang="ko-KR" dirty="0" smtClean="0"/>
+              <a:t>, </a:t>
+            </a:r>
+            <a:r>
+              <a:rPr lang="ko-KR" altLang="en-US" dirty="0" smtClean="0"/>
+              <a:t>독특한 숙소</a:t>
+            </a:r>
+            <a:endParaRPr lang="en-US" altLang="ko-KR" dirty="0" smtClean="0"/>
+          </a:p>
+          <a:p>
+            <a:r>
+              <a:rPr lang="ko-KR" altLang="en-US" dirty="0" smtClean="0"/>
+              <a:t>건물 유형</a:t>
+            </a:r>
+            <a:r>
+              <a:rPr lang="en-US" altLang="ko-KR" dirty="0" smtClean="0"/>
+              <a:t/>
+            </a:r>
+            <a:br>
+              <a:rPr lang="en-US" altLang="ko-KR" dirty="0" smtClean="0"/>
+            </a:br>
+            <a:r>
+              <a:rPr lang="en-US" altLang="ko-KR" dirty="0" smtClean="0"/>
+              <a:t>    - </a:t>
+            </a:r>
+            <a:r>
+              <a:rPr lang="ko-KR" altLang="en-US" dirty="0" smtClean="0"/>
+              <a:t>아파트</a:t>
+            </a:r>
+            <a:r>
+              <a:rPr lang="en-US" altLang="ko-KR" dirty="0" smtClean="0"/>
+              <a:t>, </a:t>
+            </a:r>
+            <a:r>
+              <a:rPr lang="ko-KR" altLang="en-US" dirty="0" smtClean="0"/>
+              <a:t>공동주택</a:t>
+            </a:r>
+            <a:r>
+              <a:rPr lang="en-US" altLang="ko-KR" dirty="0" smtClean="0"/>
+              <a:t>, </a:t>
+            </a:r>
+            <a:r>
+              <a:rPr lang="ko-KR" altLang="en-US" dirty="0" smtClean="0"/>
+              <a:t>방갈로</a:t>
+            </a:r>
+            <a:r>
+              <a:rPr lang="en-US" altLang="ko-KR" dirty="0" smtClean="0"/>
+              <a:t>, </a:t>
+            </a:r>
+            <a:r>
+              <a:rPr lang="ko-KR" altLang="en-US" dirty="0" smtClean="0"/>
+              <a:t>통나무집</a:t>
+            </a:r>
+            <a:r>
+              <a:rPr lang="en-US" altLang="ko-KR" dirty="0" smtClean="0"/>
+              <a:t>, </a:t>
+            </a:r>
+            <a:r>
+              <a:rPr lang="ko-KR" altLang="en-US" dirty="0" smtClean="0"/>
+              <a:t>전원주택</a:t>
+            </a:r>
+            <a:r>
+              <a:rPr lang="en-US" altLang="ko-KR" dirty="0" smtClean="0"/>
+              <a:t>, </a:t>
+            </a:r>
+            <a:r>
+              <a:rPr lang="ko-KR" altLang="en-US" dirty="0" smtClean="0"/>
+              <a:t>펜션</a:t>
+            </a:r>
+            <a:r>
+              <a:rPr lang="en-US" altLang="ko-KR" dirty="0" smtClean="0"/>
+              <a:t>, …</a:t>
+            </a:r>
+          </a:p>
+          <a:p>
+            <a:r>
+              <a:rPr lang="ko-KR" altLang="en-US" dirty="0" smtClean="0"/>
+              <a:t>방 개수</a:t>
+            </a:r>
+            <a:r>
+              <a:rPr lang="en-US" altLang="ko-KR" dirty="0" smtClean="0"/>
+              <a:t/>
+            </a:r>
+            <a:br>
+              <a:rPr lang="en-US" altLang="ko-KR" dirty="0" smtClean="0"/>
+            </a:br>
+            <a:r>
+              <a:rPr lang="en-US" altLang="ko-KR" dirty="0" smtClean="0"/>
+              <a:t>    - 1~10+</a:t>
+            </a:r>
+          </a:p>
+          <a:p>
+            <a:r>
+              <a:rPr lang="ko-KR" altLang="en-US" dirty="0" smtClean="0"/>
+              <a:t>숙소 유형</a:t>
+            </a:r>
+            <a:endParaRPr lang="en-US" altLang="ko-KR" dirty="0" smtClean="0"/>
+          </a:p>
+          <a:p>
+            <a:r>
+              <a:rPr lang="ko-KR" altLang="en-US" dirty="0" smtClean="0">
+                <a:hlinkClick r:id="rId2" action="ppaction://hlinksldjump"/>
+              </a:rPr>
+              <a:t>다음 버튼</a:t>
+            </a:r>
+            <a:endParaRPr lang="ko-KR" altLang="en-US" dirty="0"/>
+          </a:p>
+        </p:txBody>
+      </p:sp>
+    </p:spTree>
+    <p:extLst>
+      <p:ext uri="{BB962C8B-B14F-4D97-AF65-F5344CB8AC3E}">
+        <p14:creationId xmlns:p14="http://schemas.microsoft.com/office/powerpoint/2010/main" val="2269097078"/>
+      </p:ext>
+    </p:extLst>
+  </p:cSld>
+  <p:clrMapOvr>
+    <a:masterClrMapping/>
+  </p:clrMapOvr>
+  <p:timing>
+    <p:tnLst>
+      <p:par>
+        <p:cTn id="1" dur="indefinite" restart="never" nodeType="tmRoot"/>
+      </p:par>
+    </p:tnLst>
+  </p:timing>
+</p:sld>
+</file>
+
+<file path=ppt/slides/slide9.xml><?xml version="1.0" encoding="utf-8"?>
+<p:sld xmlns:a="http://schemas.openxmlformats.org/drawingml/2006/main" xmlns:r="http://schemas.openxmlformats.org/officeDocument/2006/relationships" xmlns:p="http://schemas.openxmlformats.org/presentationml/2006/main">
+  <p:cSld>
+    <p:spTree>
+      <p:nvGrpSpPr>
+        <p:cNvPr id="1" name=""/>
+        <p:cNvGrpSpPr/>
+        <p:nvPr/>
+      </p:nvGrpSpPr>
+      <p:grpSpPr>
+        <a:xfrm>
+          <a:off x="0" y="0"/>
+          <a:ext cx="0" cy="0"/>
+          <a:chOff x="0" y="0"/>
+          <a:chExt cx="0" cy="0"/>
+        </a:xfrm>
+      </p:grpSpPr>
+      <p:sp>
+        <p:nvSpPr>
+          <p:cNvPr id="2" name="제목 1"/>
+          <p:cNvSpPr>
+            <a:spLocks noGrp="1"/>
+          </p:cNvSpPr>
+          <p:nvPr>
+            <p:ph type="title"/>
+          </p:nvPr>
+        </p:nvSpPr>
+        <p:spPr/>
+        <p:txBody>
+          <a:bodyPr/>
+          <a:lstStyle/>
+          <a:p>
+            <a:r>
+              <a:rPr lang="ko-KR" altLang="en-US" dirty="0" smtClean="0"/>
+              <a:t>숙소 등록하기 </a:t>
+            </a:r>
+            <a:r>
+              <a:rPr lang="en-US" altLang="ko-KR" dirty="0" smtClean="0"/>
+              <a:t>– </a:t>
+            </a:r>
+            <a:r>
+              <a:rPr lang="ko-KR" altLang="en-US" dirty="0" smtClean="0"/>
+              <a:t>기본 </a:t>
+            </a:r>
+            <a:r>
+              <a:rPr lang="en-US" altLang="ko-KR" dirty="0" smtClean="0"/>
+              <a:t>2</a:t>
+            </a:r>
+            <a:r>
+              <a:rPr lang="ko-KR" altLang="en-US" dirty="0" smtClean="0"/>
+              <a:t>단계</a:t>
+            </a:r>
+            <a:endParaRPr lang="ko-KR" altLang="en-US" dirty="0"/>
+          </a:p>
+        </p:txBody>
+      </p:sp>
+      <p:sp>
+        <p:nvSpPr>
+          <p:cNvPr id="3" name="내용 개체 틀 2"/>
+          <p:cNvSpPr>
+            <a:spLocks noGrp="1"/>
+          </p:cNvSpPr>
+          <p:nvPr>
+            <p:ph idx="1"/>
+          </p:nvPr>
+        </p:nvSpPr>
+        <p:spPr/>
+        <p:txBody>
+          <a:bodyPr>
+            <a:normAutofit lnSpcReduction="10000"/>
+          </a:bodyPr>
+          <a:lstStyle/>
+          <a:p>
+            <a:r>
+              <a:rPr lang="ko-KR" altLang="en-US" dirty="0" smtClean="0"/>
+              <a:t>최대 숙박 인원</a:t>
+            </a:r>
+            <a:r>
+              <a:rPr lang="en-US" altLang="ko-KR" dirty="0" smtClean="0"/>
+              <a:t/>
+            </a:r>
+            <a:br>
+              <a:rPr lang="en-US" altLang="ko-KR" dirty="0" smtClean="0"/>
+            </a:br>
+            <a:r>
+              <a:rPr lang="en-US" altLang="ko-KR" dirty="0" smtClean="0"/>
+              <a:t>    - 1~16+</a:t>
+            </a:r>
+          </a:p>
+          <a:p>
+            <a:r>
+              <a:rPr lang="ko-KR" altLang="en-US" dirty="0" smtClean="0"/>
+              <a:t>침실 개수</a:t>
+            </a:r>
+            <a:r>
+              <a:rPr lang="en-US" altLang="ko-KR" dirty="0" smtClean="0"/>
+              <a:t/>
+            </a:r>
+            <a:br>
+              <a:rPr lang="en-US" altLang="ko-KR" dirty="0" smtClean="0"/>
+            </a:br>
+            <a:r>
+              <a:rPr lang="en-US" altLang="ko-KR" dirty="0" smtClean="0"/>
+              <a:t>    - 0~10+</a:t>
+            </a:r>
+          </a:p>
+          <a:p>
+            <a:r>
+              <a:rPr lang="ko-KR" altLang="en-US" dirty="0" smtClean="0"/>
+              <a:t>침대 개수</a:t>
+            </a:r>
+            <a:r>
+              <a:rPr lang="en-US" altLang="ko-KR" dirty="0" smtClean="0"/>
+              <a:t/>
+            </a:r>
+            <a:br>
+              <a:rPr lang="en-US" altLang="ko-KR" dirty="0" smtClean="0"/>
+            </a:br>
+            <a:r>
+              <a:rPr lang="en-US" altLang="ko-KR" dirty="0" smtClean="0"/>
+              <a:t>    - 0~10+</a:t>
+            </a:r>
+          </a:p>
+          <a:p>
+            <a:r>
+              <a:rPr lang="ko-KR" altLang="en-US" dirty="0" smtClean="0"/>
+              <a:t>침대 유형</a:t>
+            </a:r>
+            <a:endParaRPr lang="en-US" altLang="ko-KR" dirty="0" smtClean="0"/>
+          </a:p>
+          <a:p>
+            <a:r>
+              <a:rPr lang="ko-KR" altLang="en-US" dirty="0" smtClean="0"/>
+              <a:t>욕실</a:t>
+            </a:r>
+            <a:r>
+              <a:rPr lang="en-US" altLang="ko-KR" dirty="0" smtClean="0"/>
+              <a:t/>
+            </a:r>
+            <a:br>
+              <a:rPr lang="en-US" altLang="ko-KR" dirty="0" smtClean="0"/>
+            </a:br>
+            <a:r>
+              <a:rPr lang="en-US" altLang="ko-KR" dirty="0" smtClean="0"/>
+              <a:t>    - 0~0.5 </a:t>
+            </a:r>
+            <a:r>
+              <a:rPr lang="ko-KR" altLang="en-US" dirty="0" smtClean="0"/>
+              <a:t>단위 </a:t>
+            </a:r>
+            <a:r>
+              <a:rPr lang="en-US" altLang="ko-KR" dirty="0" smtClean="0"/>
+              <a:t>(</a:t>
+            </a:r>
+            <a:r>
+              <a:rPr lang="ko-KR" altLang="en-US" dirty="0" smtClean="0"/>
+              <a:t>샤워 시설 없이 변기만 있으면 </a:t>
+            </a:r>
+            <a:r>
+              <a:rPr lang="en-US" altLang="ko-KR" dirty="0" smtClean="0"/>
+              <a:t>0.5)</a:t>
+            </a:r>
+          </a:p>
+          <a:p>
+            <a:r>
+              <a:rPr lang="ko-KR" altLang="en-US" dirty="0" smtClean="0">
+                <a:hlinkClick r:id="rId2" action="ppaction://hlinksldjump"/>
+              </a:rPr>
+              <a:t>다음 버튼</a:t>
+            </a:r>
+            <a:endParaRPr lang="ko-KR" altLang="en-US" dirty="0" smtClean="0"/>
+          </a:p>
+          <a:p>
+            <a:endParaRPr lang="ko-KR" altLang="en-US" dirty="0" smtClean="0"/>
+          </a:p>
+          <a:p>
+            <a:endParaRPr lang="ko-KR" altLang="en-US" dirty="0"/>
+          </a:p>
+        </p:txBody>
+      </p:sp>
+    </p:spTree>
+    <p:extLst>
+      <p:ext uri="{BB962C8B-B14F-4D97-AF65-F5344CB8AC3E}">
+        <p14:creationId xmlns:p14="http://schemas.microsoft.com/office/powerpoint/2010/main" val="722853541"/>
+      </p:ext>
+    </p:extLst>
+  </p:cSld>
+  <p:clrMapOvr>
+    <a:masterClrMapping/>
+  </p:clrMapOvr>
+  <p:timing>
+    <p:tnLst>
+      <p:par>
+        <p:cTn id="1" dur="indefinite" restart="never" nodeType="tmRoot"/>
+      </p:par>
+    </p:tnLst>
+  </p:timing>
 </p:sld>
 </file>
 

--- a/doc/웹 페이지 흐름도.pptx
+++ b/doc/웹 페이지 흐름도.pptx
@@ -7,6 +7,20 @@
   <p:sldIdLst>
     <p:sldId id="256" r:id="rId2"/>
     <p:sldId id="257" r:id="rId3"/>
+    <p:sldId id="258" r:id="rId4"/>
+    <p:sldId id="263" r:id="rId5"/>
+    <p:sldId id="266" r:id="rId6"/>
+    <p:sldId id="267" r:id="rId7"/>
+    <p:sldId id="268" r:id="rId8"/>
+    <p:sldId id="269" r:id="rId9"/>
+    <p:sldId id="270" r:id="rId10"/>
+    <p:sldId id="271" r:id="rId11"/>
+    <p:sldId id="259" r:id="rId12"/>
+    <p:sldId id="264" r:id="rId13"/>
+    <p:sldId id="260" r:id="rId14"/>
+    <p:sldId id="265" r:id="rId15"/>
+    <p:sldId id="261" r:id="rId16"/>
+    <p:sldId id="262" r:id="rId17"/>
   </p:sldIdLst>
   <p:sldSz cx="12192000" cy="6858000"/>
   <p:notesSz cx="6858000" cy="9144000"/>
@@ -3024,6 +3038,779 @@
   <p:clrMapOvr>
     <a:masterClrMapping/>
   </p:clrMapOvr>
+  <p:timing>
+    <p:tnLst>
+      <p:par>
+        <p:cTn id="1" dur="indefinite" restart="never" nodeType="tmRoot"/>
+      </p:par>
+    </p:tnLst>
+  </p:timing>
+</p:sld>
+</file>
+
+<file path=ppt/slides/slide10.xml><?xml version="1.0" encoding="utf-8"?>
+<p:sld xmlns:a="http://schemas.openxmlformats.org/drawingml/2006/main" xmlns:r="http://schemas.openxmlformats.org/officeDocument/2006/relationships" xmlns:p="http://schemas.openxmlformats.org/presentationml/2006/main">
+  <p:cSld>
+    <p:spTree>
+      <p:nvGrpSpPr>
+        <p:cNvPr id="1" name=""/>
+        <p:cNvGrpSpPr/>
+        <p:nvPr/>
+      </p:nvGrpSpPr>
+      <p:grpSpPr>
+        <a:xfrm>
+          <a:off x="0" y="0"/>
+          <a:ext cx="0" cy="0"/>
+          <a:chOff x="0" y="0"/>
+          <a:chExt cx="0" cy="0"/>
+        </a:xfrm>
+      </p:grpSpPr>
+      <p:sp>
+        <p:nvSpPr>
+          <p:cNvPr id="2" name="제목 1"/>
+          <p:cNvSpPr>
+            <a:spLocks noGrp="1"/>
+          </p:cNvSpPr>
+          <p:nvPr>
+            <p:ph type="title"/>
+          </p:nvPr>
+        </p:nvSpPr>
+        <p:spPr/>
+        <p:txBody>
+          <a:bodyPr/>
+          <a:lstStyle/>
+          <a:p>
+            <a:r>
+              <a:rPr lang="ko-KR" altLang="en-US" dirty="0" smtClean="0"/>
+              <a:t>숙소 등록하기 </a:t>
+            </a:r>
+            <a:r>
+              <a:rPr lang="en-US" altLang="ko-KR" dirty="0" smtClean="0"/>
+              <a:t>– </a:t>
+            </a:r>
+            <a:r>
+              <a:rPr lang="ko-KR" altLang="en-US" dirty="0" smtClean="0"/>
+              <a:t>상세 </a:t>
+            </a:r>
+            <a:r>
+              <a:rPr lang="en-US" altLang="ko-KR" dirty="0" smtClean="0"/>
+              <a:t>1</a:t>
+            </a:r>
+            <a:r>
+              <a:rPr lang="ko-KR" altLang="en-US" dirty="0" smtClean="0"/>
+              <a:t>단계</a:t>
+            </a:r>
+            <a:endParaRPr lang="ko-KR" altLang="en-US" dirty="0"/>
+          </a:p>
+        </p:txBody>
+      </p:sp>
+      <p:sp>
+        <p:nvSpPr>
+          <p:cNvPr id="3" name="내용 개체 틀 2"/>
+          <p:cNvSpPr>
+            <a:spLocks noGrp="1"/>
+          </p:cNvSpPr>
+          <p:nvPr>
+            <p:ph idx="1"/>
+          </p:nvPr>
+        </p:nvSpPr>
+        <p:spPr/>
+        <p:txBody>
+          <a:bodyPr/>
+          <a:lstStyle/>
+          <a:p>
+            <a:endParaRPr lang="ko-KR" altLang="en-US"/>
+          </a:p>
+        </p:txBody>
+      </p:sp>
+    </p:spTree>
+    <p:extLst>
+      <p:ext uri="{BB962C8B-B14F-4D97-AF65-F5344CB8AC3E}">
+        <p14:creationId xmlns:p14="http://schemas.microsoft.com/office/powerpoint/2010/main" val="1529786203"/>
+      </p:ext>
+    </p:extLst>
+  </p:cSld>
+  <p:clrMapOvr>
+    <a:masterClrMapping/>
+  </p:clrMapOvr>
+  <p:timing>
+    <p:tnLst>
+      <p:par>
+        <p:cTn id="1" dur="indefinite" restart="never" nodeType="tmRoot"/>
+      </p:par>
+    </p:tnLst>
+  </p:timing>
+</p:sld>
+</file>
+
+<file path=ppt/slides/slide11.xml><?xml version="1.0" encoding="utf-8"?>
+<p:sld xmlns:a="http://schemas.openxmlformats.org/drawingml/2006/main" xmlns:r="http://schemas.openxmlformats.org/officeDocument/2006/relationships" xmlns:p="http://schemas.openxmlformats.org/presentationml/2006/main">
+  <p:cSld>
+    <p:spTree>
+      <p:nvGrpSpPr>
+        <p:cNvPr id="1" name=""/>
+        <p:cNvGrpSpPr/>
+        <p:nvPr/>
+      </p:nvGrpSpPr>
+      <p:grpSpPr>
+        <a:xfrm>
+          <a:off x="0" y="0"/>
+          <a:ext cx="0" cy="0"/>
+          <a:chOff x="0" y="0"/>
+          <a:chExt cx="0" cy="0"/>
+        </a:xfrm>
+      </p:grpSpPr>
+      <p:sp>
+        <p:nvSpPr>
+          <p:cNvPr id="2" name="제목 1"/>
+          <p:cNvSpPr>
+            <a:spLocks noGrp="1"/>
+          </p:cNvSpPr>
+          <p:nvPr>
+            <p:ph type="title"/>
+          </p:nvPr>
+        </p:nvSpPr>
+        <p:spPr/>
+        <p:txBody>
+          <a:bodyPr/>
+          <a:lstStyle/>
+          <a:p>
+            <a:r>
+              <a:rPr lang="ko-KR" altLang="en-US" dirty="0" smtClean="0"/>
+              <a:t>대리 호스트 신청</a:t>
+            </a:r>
+            <a:endParaRPr lang="ko-KR" altLang="en-US" dirty="0"/>
+          </a:p>
+        </p:txBody>
+      </p:sp>
+      <p:sp>
+        <p:nvSpPr>
+          <p:cNvPr id="3" name="내용 개체 틀 2"/>
+          <p:cNvSpPr>
+            <a:spLocks noGrp="1"/>
+          </p:cNvSpPr>
+          <p:nvPr>
+            <p:ph idx="1"/>
+          </p:nvPr>
+        </p:nvSpPr>
+        <p:spPr/>
+        <p:txBody>
+          <a:bodyPr/>
+          <a:lstStyle/>
+          <a:p>
+            <a:r>
+              <a:rPr lang="en-US" altLang="ko-KR" dirty="0" smtClean="0"/>
+              <a:t>STAY-JEJU </a:t>
+            </a:r>
+            <a:r>
+              <a:rPr lang="ko-KR" altLang="en-US" dirty="0" smtClean="0"/>
+              <a:t>대리 호스트가 되는 법</a:t>
+            </a:r>
+            <a:endParaRPr lang="en-US" altLang="ko-KR" dirty="0" smtClean="0"/>
+          </a:p>
+          <a:p>
+            <a:r>
+              <a:rPr lang="ko-KR" altLang="en-US" dirty="0" smtClean="0">
+                <a:hlinkClick r:id="rId2" action="ppaction://hlinksldjump"/>
+              </a:rPr>
+              <a:t>대리 호스트 등록하기</a:t>
+            </a:r>
+            <a:endParaRPr lang="ko-KR" altLang="en-US" dirty="0" smtClean="0"/>
+          </a:p>
+          <a:p>
+            <a:endParaRPr lang="ko-KR" altLang="en-US" dirty="0"/>
+          </a:p>
+        </p:txBody>
+      </p:sp>
+    </p:spTree>
+    <p:extLst>
+      <p:ext uri="{BB962C8B-B14F-4D97-AF65-F5344CB8AC3E}">
+        <p14:creationId xmlns:p14="http://schemas.microsoft.com/office/powerpoint/2010/main" val="2144012108"/>
+      </p:ext>
+    </p:extLst>
+  </p:cSld>
+  <p:clrMapOvr>
+    <a:masterClrMapping/>
+  </p:clrMapOvr>
+  <p:timing>
+    <p:tnLst>
+      <p:par>
+        <p:cTn id="1" dur="indefinite" restart="never" nodeType="tmRoot"/>
+      </p:par>
+    </p:tnLst>
+  </p:timing>
+</p:sld>
+</file>
+
+<file path=ppt/slides/slide12.xml><?xml version="1.0" encoding="utf-8"?>
+<p:sld xmlns:a="http://schemas.openxmlformats.org/drawingml/2006/main" xmlns:r="http://schemas.openxmlformats.org/officeDocument/2006/relationships" xmlns:p="http://schemas.openxmlformats.org/presentationml/2006/main">
+  <p:cSld>
+    <p:spTree>
+      <p:nvGrpSpPr>
+        <p:cNvPr id="1" name=""/>
+        <p:cNvGrpSpPr/>
+        <p:nvPr/>
+      </p:nvGrpSpPr>
+      <p:grpSpPr>
+        <a:xfrm>
+          <a:off x="0" y="0"/>
+          <a:ext cx="0" cy="0"/>
+          <a:chOff x="0" y="0"/>
+          <a:chExt cx="0" cy="0"/>
+        </a:xfrm>
+      </p:grpSpPr>
+      <p:sp>
+        <p:nvSpPr>
+          <p:cNvPr id="2" name="제목 1"/>
+          <p:cNvSpPr>
+            <a:spLocks noGrp="1"/>
+          </p:cNvSpPr>
+          <p:nvPr>
+            <p:ph type="title"/>
+          </p:nvPr>
+        </p:nvSpPr>
+        <p:spPr/>
+        <p:txBody>
+          <a:bodyPr/>
+          <a:lstStyle/>
+          <a:p>
+            <a:r>
+              <a:rPr lang="ko-KR" altLang="en-US" dirty="0" smtClean="0"/>
+              <a:t>대리 호스트 등록하기</a:t>
+            </a:r>
+            <a:endParaRPr lang="ko-KR" altLang="en-US" dirty="0"/>
+          </a:p>
+        </p:txBody>
+      </p:sp>
+      <p:sp>
+        <p:nvSpPr>
+          <p:cNvPr id="3" name="내용 개체 틀 2"/>
+          <p:cNvSpPr>
+            <a:spLocks noGrp="1"/>
+          </p:cNvSpPr>
+          <p:nvPr>
+            <p:ph idx="1"/>
+          </p:nvPr>
+        </p:nvSpPr>
+        <p:spPr/>
+        <p:txBody>
+          <a:bodyPr/>
+          <a:lstStyle/>
+          <a:p>
+            <a:endParaRPr lang="ko-KR" altLang="en-US"/>
+          </a:p>
+        </p:txBody>
+      </p:sp>
+    </p:spTree>
+    <p:extLst>
+      <p:ext uri="{BB962C8B-B14F-4D97-AF65-F5344CB8AC3E}">
+        <p14:creationId xmlns:p14="http://schemas.microsoft.com/office/powerpoint/2010/main" val="911705109"/>
+      </p:ext>
+    </p:extLst>
+  </p:cSld>
+  <p:clrMapOvr>
+    <a:masterClrMapping/>
+  </p:clrMapOvr>
+  <p:timing>
+    <p:tnLst>
+      <p:par>
+        <p:cTn id="1" dur="indefinite" restart="never" nodeType="tmRoot"/>
+      </p:par>
+    </p:tnLst>
+  </p:timing>
+</p:sld>
+</file>
+
+<file path=ppt/slides/slide13.xml><?xml version="1.0" encoding="utf-8"?>
+<p:sld xmlns:a="http://schemas.openxmlformats.org/drawingml/2006/main" xmlns:r="http://schemas.openxmlformats.org/officeDocument/2006/relationships" xmlns:p="http://schemas.openxmlformats.org/presentationml/2006/main">
+  <p:cSld>
+    <p:spTree>
+      <p:nvGrpSpPr>
+        <p:cNvPr id="1" name=""/>
+        <p:cNvGrpSpPr/>
+        <p:nvPr/>
+      </p:nvGrpSpPr>
+      <p:grpSpPr>
+        <a:xfrm>
+          <a:off x="0" y="0"/>
+          <a:ext cx="0" cy="0"/>
+          <a:chOff x="0" y="0"/>
+          <a:chExt cx="0" cy="0"/>
+        </a:xfrm>
+      </p:grpSpPr>
+      <p:sp>
+        <p:nvSpPr>
+          <p:cNvPr id="2" name="제목 1"/>
+          <p:cNvSpPr>
+            <a:spLocks noGrp="1"/>
+          </p:cNvSpPr>
+          <p:nvPr>
+            <p:ph type="title"/>
+          </p:nvPr>
+        </p:nvSpPr>
+        <p:spPr/>
+        <p:txBody>
+          <a:bodyPr/>
+          <a:lstStyle/>
+          <a:p>
+            <a:r>
+              <a:rPr lang="ko-KR" altLang="en-US" dirty="0" smtClean="0"/>
+              <a:t>청소</a:t>
+            </a:r>
+            <a:r>
+              <a:rPr lang="en-US" altLang="ko-KR" dirty="0" smtClean="0"/>
+              <a:t> </a:t>
+            </a:r>
+            <a:r>
+              <a:rPr lang="ko-KR" altLang="en-US" dirty="0" smtClean="0"/>
+              <a:t>매니저 신청</a:t>
+            </a:r>
+            <a:endParaRPr lang="ko-KR" altLang="en-US" dirty="0"/>
+          </a:p>
+        </p:txBody>
+      </p:sp>
+      <p:sp>
+        <p:nvSpPr>
+          <p:cNvPr id="3" name="내용 개체 틀 2"/>
+          <p:cNvSpPr>
+            <a:spLocks noGrp="1"/>
+          </p:cNvSpPr>
+          <p:nvPr>
+            <p:ph idx="1"/>
+          </p:nvPr>
+        </p:nvSpPr>
+        <p:spPr/>
+        <p:txBody>
+          <a:bodyPr/>
+          <a:lstStyle/>
+          <a:p>
+            <a:r>
+              <a:rPr lang="en-US" altLang="ko-KR" dirty="0" smtClean="0"/>
+              <a:t>STAY-JEJU </a:t>
+            </a:r>
+            <a:r>
+              <a:rPr lang="ko-KR" altLang="en-US" dirty="0" smtClean="0"/>
+              <a:t>청소 매니저가 되는 법</a:t>
+            </a:r>
+            <a:endParaRPr lang="en-US" altLang="ko-KR" dirty="0" smtClean="0"/>
+          </a:p>
+          <a:p>
+            <a:r>
+              <a:rPr lang="ko-KR" altLang="en-US" dirty="0" smtClean="0">
+                <a:hlinkClick r:id="rId2" action="ppaction://hlinksldjump"/>
+              </a:rPr>
+              <a:t>청소 매니저 등록하기</a:t>
+            </a:r>
+            <a:endParaRPr lang="ko-KR" altLang="en-US" dirty="0" smtClean="0"/>
+          </a:p>
+          <a:p>
+            <a:endParaRPr lang="ko-KR" altLang="en-US" dirty="0"/>
+          </a:p>
+        </p:txBody>
+      </p:sp>
+    </p:spTree>
+    <p:extLst>
+      <p:ext uri="{BB962C8B-B14F-4D97-AF65-F5344CB8AC3E}">
+        <p14:creationId xmlns:p14="http://schemas.microsoft.com/office/powerpoint/2010/main" val="2851717740"/>
+      </p:ext>
+    </p:extLst>
+  </p:cSld>
+  <p:clrMapOvr>
+    <a:masterClrMapping/>
+  </p:clrMapOvr>
+  <p:timing>
+    <p:tnLst>
+      <p:par>
+        <p:cTn id="1" dur="indefinite" restart="never" nodeType="tmRoot"/>
+      </p:par>
+    </p:tnLst>
+  </p:timing>
+</p:sld>
+</file>
+
+<file path=ppt/slides/slide14.xml><?xml version="1.0" encoding="utf-8"?>
+<p:sld xmlns:a="http://schemas.openxmlformats.org/drawingml/2006/main" xmlns:r="http://schemas.openxmlformats.org/officeDocument/2006/relationships" xmlns:p="http://schemas.openxmlformats.org/presentationml/2006/main">
+  <p:cSld>
+    <p:spTree>
+      <p:nvGrpSpPr>
+        <p:cNvPr id="1" name=""/>
+        <p:cNvGrpSpPr/>
+        <p:nvPr/>
+      </p:nvGrpSpPr>
+      <p:grpSpPr>
+        <a:xfrm>
+          <a:off x="0" y="0"/>
+          <a:ext cx="0" cy="0"/>
+          <a:chOff x="0" y="0"/>
+          <a:chExt cx="0" cy="0"/>
+        </a:xfrm>
+      </p:grpSpPr>
+      <p:sp>
+        <p:nvSpPr>
+          <p:cNvPr id="2" name="제목 1"/>
+          <p:cNvSpPr>
+            <a:spLocks noGrp="1"/>
+          </p:cNvSpPr>
+          <p:nvPr>
+            <p:ph type="title"/>
+          </p:nvPr>
+        </p:nvSpPr>
+        <p:spPr/>
+        <p:txBody>
+          <a:bodyPr/>
+          <a:lstStyle/>
+          <a:p>
+            <a:r>
+              <a:rPr lang="ko-KR" altLang="en-US" dirty="0" smtClean="0"/>
+              <a:t>청소 매니저 등록하기</a:t>
+            </a:r>
+            <a:endParaRPr lang="ko-KR" altLang="en-US" dirty="0"/>
+          </a:p>
+        </p:txBody>
+      </p:sp>
+      <p:sp>
+        <p:nvSpPr>
+          <p:cNvPr id="3" name="내용 개체 틀 2"/>
+          <p:cNvSpPr>
+            <a:spLocks noGrp="1"/>
+          </p:cNvSpPr>
+          <p:nvPr>
+            <p:ph idx="1"/>
+          </p:nvPr>
+        </p:nvSpPr>
+        <p:spPr/>
+        <p:txBody>
+          <a:bodyPr/>
+          <a:lstStyle/>
+          <a:p>
+            <a:endParaRPr lang="ko-KR" altLang="en-US"/>
+          </a:p>
+        </p:txBody>
+      </p:sp>
+    </p:spTree>
+    <p:extLst>
+      <p:ext uri="{BB962C8B-B14F-4D97-AF65-F5344CB8AC3E}">
+        <p14:creationId xmlns:p14="http://schemas.microsoft.com/office/powerpoint/2010/main" val="2806157269"/>
+      </p:ext>
+    </p:extLst>
+  </p:cSld>
+  <p:clrMapOvr>
+    <a:masterClrMapping/>
+  </p:clrMapOvr>
+  <p:timing>
+    <p:tnLst>
+      <p:par>
+        <p:cTn id="1" dur="indefinite" restart="never" nodeType="tmRoot"/>
+      </p:par>
+    </p:tnLst>
+  </p:timing>
+</p:sld>
+</file>
+
+<file path=ppt/slides/slide15.xml><?xml version="1.0" encoding="utf-8"?>
+<p:sld xmlns:a="http://schemas.openxmlformats.org/drawingml/2006/main" xmlns:r="http://schemas.openxmlformats.org/officeDocument/2006/relationships" xmlns:p="http://schemas.openxmlformats.org/presentationml/2006/main">
+  <p:cSld>
+    <p:spTree>
+      <p:nvGrpSpPr>
+        <p:cNvPr id="1" name=""/>
+        <p:cNvGrpSpPr/>
+        <p:nvPr/>
+      </p:nvGrpSpPr>
+      <p:grpSpPr>
+        <a:xfrm>
+          <a:off x="0" y="0"/>
+          <a:ext cx="0" cy="0"/>
+          <a:chOff x="0" y="0"/>
+          <a:chExt cx="0" cy="0"/>
+        </a:xfrm>
+      </p:grpSpPr>
+      <p:sp>
+        <p:nvSpPr>
+          <p:cNvPr id="2" name="제목 1"/>
+          <p:cNvSpPr>
+            <a:spLocks noGrp="1"/>
+          </p:cNvSpPr>
+          <p:nvPr>
+            <p:ph type="title"/>
+          </p:nvPr>
+        </p:nvSpPr>
+        <p:spPr/>
+        <p:txBody>
+          <a:bodyPr/>
+          <a:lstStyle/>
+          <a:p>
+            <a:r>
+              <a:rPr lang="ko-KR" altLang="en-US" dirty="0" smtClean="0"/>
+              <a:t>로그인</a:t>
+            </a:r>
+            <a:endParaRPr lang="ko-KR" altLang="en-US" dirty="0"/>
+          </a:p>
+        </p:txBody>
+      </p:sp>
+      <p:sp>
+        <p:nvSpPr>
+          <p:cNvPr id="3" name="내용 개체 틀 2"/>
+          <p:cNvSpPr>
+            <a:spLocks noGrp="1"/>
+          </p:cNvSpPr>
+          <p:nvPr>
+            <p:ph idx="1"/>
+          </p:nvPr>
+        </p:nvSpPr>
+        <p:spPr/>
+        <p:txBody>
+          <a:bodyPr/>
+          <a:lstStyle/>
+          <a:p>
+            <a:r>
+              <a:rPr lang="ko-KR" altLang="en-US" dirty="0" smtClean="0"/>
+              <a:t>입력 </a:t>
+            </a:r>
+            <a:r>
+              <a:rPr lang="en-US" altLang="ko-KR" dirty="0" smtClean="0"/>
+              <a:t>: </a:t>
+            </a:r>
+            <a:r>
+              <a:rPr lang="ko-KR" altLang="en-US" dirty="0" smtClean="0"/>
+              <a:t>이메일 주소</a:t>
+            </a:r>
+            <a:r>
+              <a:rPr lang="en-US" altLang="ko-KR" dirty="0" smtClean="0"/>
+              <a:t/>
+            </a:r>
+            <a:br>
+              <a:rPr lang="en-US" altLang="ko-KR" dirty="0" smtClean="0"/>
+            </a:br>
+            <a:r>
+              <a:rPr lang="en-US" altLang="ko-KR" dirty="0" smtClean="0"/>
+              <a:t>         </a:t>
+            </a:r>
+            <a:r>
+              <a:rPr lang="ko-KR" altLang="en-US" dirty="0" smtClean="0"/>
+              <a:t>비밀번호</a:t>
+            </a:r>
+            <a:endParaRPr lang="en-US" altLang="ko-KR" dirty="0" smtClean="0"/>
+          </a:p>
+          <a:p>
+            <a:r>
+              <a:rPr lang="ko-KR" altLang="en-US" dirty="0" smtClean="0"/>
+              <a:t>비밀번호 찾기 링크</a:t>
+            </a:r>
+            <a:endParaRPr lang="en-US" altLang="ko-KR" dirty="0" smtClean="0"/>
+          </a:p>
+          <a:p>
+            <a:r>
+              <a:rPr lang="ko-KR" altLang="en-US" dirty="0" smtClean="0">
+                <a:hlinkClick r:id="rId2" action="ppaction://hlinksldjump"/>
+              </a:rPr>
+              <a:t>회원가입 링크</a:t>
+            </a:r>
+            <a:endParaRPr lang="en-US" altLang="ko-KR" dirty="0" smtClean="0"/>
+          </a:p>
+          <a:p>
+            <a:r>
+              <a:rPr lang="ko-KR" altLang="en-US" dirty="0" smtClean="0"/>
+              <a:t>로그인 버튼</a:t>
+            </a:r>
+            <a:endParaRPr lang="ko-KR" altLang="en-US" dirty="0"/>
+          </a:p>
+        </p:txBody>
+      </p:sp>
+    </p:spTree>
+    <p:extLst>
+      <p:ext uri="{BB962C8B-B14F-4D97-AF65-F5344CB8AC3E}">
+        <p14:creationId xmlns:p14="http://schemas.microsoft.com/office/powerpoint/2010/main" val="2547841813"/>
+      </p:ext>
+    </p:extLst>
+  </p:cSld>
+  <p:clrMapOvr>
+    <a:masterClrMapping/>
+  </p:clrMapOvr>
+  <p:timing>
+    <p:tnLst>
+      <p:par>
+        <p:cTn id="1" dur="indefinite" restart="never" nodeType="tmRoot"/>
+      </p:par>
+    </p:tnLst>
+  </p:timing>
+</p:sld>
+</file>
+
+<file path=ppt/slides/slide16.xml><?xml version="1.0" encoding="utf-8"?>
+<p:sld xmlns:a="http://schemas.openxmlformats.org/drawingml/2006/main" xmlns:r="http://schemas.openxmlformats.org/officeDocument/2006/relationships" xmlns:p="http://schemas.openxmlformats.org/presentationml/2006/main">
+  <p:cSld>
+    <p:spTree>
+      <p:nvGrpSpPr>
+        <p:cNvPr id="1" name=""/>
+        <p:cNvGrpSpPr/>
+        <p:nvPr/>
+      </p:nvGrpSpPr>
+      <p:grpSpPr>
+        <a:xfrm>
+          <a:off x="0" y="0"/>
+          <a:ext cx="0" cy="0"/>
+          <a:chOff x="0" y="0"/>
+          <a:chExt cx="0" cy="0"/>
+        </a:xfrm>
+      </p:grpSpPr>
+      <p:sp>
+        <p:nvSpPr>
+          <p:cNvPr id="2" name="제목 1"/>
+          <p:cNvSpPr>
+            <a:spLocks noGrp="1"/>
+          </p:cNvSpPr>
+          <p:nvPr>
+            <p:ph type="title"/>
+          </p:nvPr>
+        </p:nvSpPr>
+        <p:spPr/>
+        <p:txBody>
+          <a:bodyPr/>
+          <a:lstStyle/>
+          <a:p>
+            <a:r>
+              <a:rPr lang="ko-KR" altLang="en-US" dirty="0" smtClean="0"/>
+              <a:t>회원가입</a:t>
+            </a:r>
+            <a:endParaRPr lang="ko-KR" altLang="en-US" dirty="0"/>
+          </a:p>
+        </p:txBody>
+      </p:sp>
+      <p:sp>
+        <p:nvSpPr>
+          <p:cNvPr id="3" name="내용 개체 틀 2"/>
+          <p:cNvSpPr>
+            <a:spLocks noGrp="1"/>
+          </p:cNvSpPr>
+          <p:nvPr>
+            <p:ph idx="1"/>
+          </p:nvPr>
+        </p:nvSpPr>
+        <p:spPr/>
+        <p:txBody>
+          <a:bodyPr/>
+          <a:lstStyle/>
+          <a:p>
+            <a:r>
+              <a:rPr lang="ko-KR" altLang="en-US" dirty="0" smtClean="0"/>
+              <a:t>입력 </a:t>
+            </a:r>
+            <a:r>
+              <a:rPr lang="en-US" altLang="ko-KR" dirty="0" smtClean="0"/>
+              <a:t>: </a:t>
+            </a:r>
+            <a:r>
+              <a:rPr lang="ko-KR" altLang="en-US" dirty="0" smtClean="0"/>
+              <a:t>이메일 주소</a:t>
+            </a:r>
+            <a:r>
+              <a:rPr lang="en-US" altLang="ko-KR" dirty="0" smtClean="0"/>
+              <a:t/>
+            </a:r>
+            <a:br>
+              <a:rPr lang="en-US" altLang="ko-KR" dirty="0" smtClean="0"/>
+            </a:br>
+            <a:r>
+              <a:rPr lang="en-US" altLang="ko-KR" dirty="0" smtClean="0"/>
+              <a:t>         </a:t>
+            </a:r>
+            <a:r>
+              <a:rPr lang="ko-KR" altLang="en-US" dirty="0" smtClean="0"/>
+              <a:t>이름</a:t>
+            </a:r>
+            <a:r>
+              <a:rPr lang="en-US" altLang="ko-KR" dirty="0" smtClean="0"/>
+              <a:t/>
+            </a:r>
+            <a:br>
+              <a:rPr lang="en-US" altLang="ko-KR" dirty="0" smtClean="0"/>
+            </a:br>
+            <a:r>
+              <a:rPr lang="en-US" altLang="ko-KR" dirty="0" smtClean="0"/>
+              <a:t>         </a:t>
+            </a:r>
+            <a:r>
+              <a:rPr lang="ko-KR" altLang="en-US" dirty="0" smtClean="0"/>
+              <a:t>비밀번호</a:t>
+            </a:r>
+            <a:r>
+              <a:rPr lang="en-US" altLang="ko-KR" dirty="0" smtClean="0"/>
+              <a:t/>
+            </a:r>
+            <a:br>
+              <a:rPr lang="en-US" altLang="ko-KR" dirty="0" smtClean="0"/>
+            </a:br>
+            <a:r>
+              <a:rPr lang="en-US" altLang="ko-KR" dirty="0" smtClean="0"/>
+              <a:t>         </a:t>
+            </a:r>
+            <a:r>
+              <a:rPr lang="ko-KR" altLang="en-US" dirty="0" smtClean="0"/>
+              <a:t>비밀번호 확인</a:t>
+            </a:r>
+            <a:r>
+              <a:rPr lang="en-US" altLang="ko-KR" dirty="0" smtClean="0"/>
+              <a:t/>
+            </a:r>
+            <a:br>
+              <a:rPr lang="en-US" altLang="ko-KR" dirty="0" smtClean="0"/>
+            </a:br>
+            <a:r>
+              <a:rPr lang="en-US" altLang="ko-KR" dirty="0" smtClean="0"/>
+              <a:t>         </a:t>
+            </a:r>
+            <a:r>
+              <a:rPr lang="ko-KR" altLang="en-US" dirty="0" smtClean="0"/>
+              <a:t>생년월일</a:t>
+            </a:r>
+            <a:endParaRPr lang="en-US" altLang="ko-KR" dirty="0" smtClean="0"/>
+          </a:p>
+          <a:p>
+            <a:r>
+              <a:rPr lang="ko-KR" altLang="en-US" dirty="0" smtClean="0"/>
+              <a:t>마케팅 메시지 수신거부 체</a:t>
+            </a:r>
+            <a:r>
+              <a:rPr lang="ko-KR" altLang="en-US" dirty="0" smtClean="0"/>
+              <a:t>크</a:t>
+            </a:r>
+            <a:endParaRPr lang="en-US" altLang="ko-KR" dirty="0" smtClean="0"/>
+          </a:p>
+          <a:p>
+            <a:r>
+              <a:rPr lang="ko-KR" altLang="en-US" dirty="0" smtClean="0"/>
+              <a:t>가입하기 버튼</a:t>
+            </a:r>
+            <a:endParaRPr lang="en-US" altLang="ko-KR" dirty="0" smtClean="0"/>
+          </a:p>
+          <a:p>
+            <a:r>
+              <a:rPr lang="ko-KR" altLang="en-US" dirty="0" smtClean="0">
+                <a:hlinkClick r:id="rId2" action="ppaction://hlinksldjump"/>
+              </a:rPr>
+              <a:t>로그인 링크</a:t>
+            </a:r>
+            <a:endParaRPr lang="ko-KR" altLang="en-US" dirty="0"/>
+          </a:p>
+        </p:txBody>
+      </p:sp>
+    </p:spTree>
+    <p:extLst>
+      <p:ext uri="{BB962C8B-B14F-4D97-AF65-F5344CB8AC3E}">
+        <p14:creationId xmlns:p14="http://schemas.microsoft.com/office/powerpoint/2010/main" val="3630940392"/>
+      </p:ext>
+    </p:extLst>
+  </p:cSld>
+  <p:clrMapOvr>
+    <a:masterClrMapping/>
+  </p:clrMapOvr>
+  <p:timing>
+    <p:tnLst>
+      <p:par>
+        <p:cTn id="1" dur="indefinite" restart="never" nodeType="tmRoot"/>
+      </p:par>
+    </p:tnLst>
+  </p:timing>
 </p:sld>
 </file>
 
@@ -3059,7 +3846,11 @@
           <a:bodyPr/>
           <a:lstStyle/>
           <a:p>
-            <a:endParaRPr lang="ko-KR" altLang="en-US"/>
+            <a:r>
+              <a:rPr lang="ko-KR" altLang="en-US" dirty="0" smtClean="0"/>
+              <a:t>홈 페이지</a:t>
+            </a:r>
+            <a:endParaRPr lang="ko-KR" altLang="en-US" dirty="0"/>
           </a:p>
         </p:txBody>
       </p:sp>
@@ -3078,7 +3869,59 @@
           <a:bodyPr/>
           <a:lstStyle/>
           <a:p>
-            <a:endParaRPr lang="ko-KR" altLang="en-US"/>
+            <a:r>
+              <a:rPr lang="ko-KR" altLang="en-US" dirty="0" smtClean="0"/>
+              <a:t>숙소 리스트</a:t>
+            </a:r>
+            <a:endParaRPr lang="en-US" altLang="ko-KR" dirty="0" smtClean="0"/>
+          </a:p>
+          <a:p>
+            <a:r>
+              <a:rPr lang="ko-KR" altLang="en-US" dirty="0" smtClean="0">
+                <a:hlinkClick r:id="rId2" action="ppaction://hlinksldjump"/>
+              </a:rPr>
+              <a:t>호스트 신청</a:t>
+            </a:r>
+            <a:endParaRPr lang="en-US" altLang="ko-KR" dirty="0" smtClean="0"/>
+          </a:p>
+          <a:p>
+            <a:r>
+              <a:rPr lang="ko-KR" altLang="en-US" dirty="0" smtClean="0">
+                <a:hlinkClick r:id="rId3" action="ppaction://hlinksldjump"/>
+              </a:rPr>
+              <a:t>대리 호스트 신청</a:t>
+            </a:r>
+            <a:endParaRPr lang="en-US" altLang="ko-KR" dirty="0" smtClean="0"/>
+          </a:p>
+          <a:p>
+            <a:r>
+              <a:rPr lang="ko-KR" altLang="en-US" dirty="0" smtClean="0">
+                <a:hlinkClick r:id="rId4" action="ppaction://hlinksldjump"/>
+              </a:rPr>
+              <a:t>청소 매니저 신청</a:t>
+            </a:r>
+            <a:endParaRPr lang="en-US" altLang="ko-KR" dirty="0" smtClean="0"/>
+          </a:p>
+          <a:p>
+            <a:r>
+              <a:rPr lang="ko-KR" altLang="en-US" dirty="0" smtClean="0">
+                <a:hlinkClick r:id="rId5" action="ppaction://hlinksldjump"/>
+              </a:rPr>
+              <a:t>로그인</a:t>
+            </a:r>
+            <a:endParaRPr lang="en-US" altLang="ko-KR" dirty="0" smtClean="0"/>
+          </a:p>
+          <a:p>
+            <a:r>
+              <a:rPr lang="ko-KR" altLang="en-US" dirty="0" smtClean="0">
+                <a:hlinkClick r:id="rId6" action="ppaction://hlinksldjump"/>
+              </a:rPr>
+              <a:t>회원가입</a:t>
+            </a:r>
+            <a:endParaRPr lang="en-US" altLang="ko-KR" dirty="0" smtClean="0"/>
+          </a:p>
+          <a:p>
+            <a:endParaRPr lang="ko-KR" altLang="en-US" dirty="0"/>
           </a:p>
         </p:txBody>
       </p:sp>
@@ -3092,6 +3935,1194 @@
   <p:clrMapOvr>
     <a:masterClrMapping/>
   </p:clrMapOvr>
+  <p:timing>
+    <p:tnLst>
+      <p:par>
+        <p:cTn id="1" dur="indefinite" restart="never" nodeType="tmRoot"/>
+      </p:par>
+    </p:tnLst>
+  </p:timing>
+</p:sld>
+</file>
+
+<file path=ppt/slides/slide3.xml><?xml version="1.0" encoding="utf-8"?>
+<p:sld xmlns:a="http://schemas.openxmlformats.org/drawingml/2006/main" xmlns:r="http://schemas.openxmlformats.org/officeDocument/2006/relationships" xmlns:p="http://schemas.openxmlformats.org/presentationml/2006/main">
+  <p:cSld>
+    <p:spTree>
+      <p:nvGrpSpPr>
+        <p:cNvPr id="1" name=""/>
+        <p:cNvGrpSpPr/>
+        <p:nvPr/>
+      </p:nvGrpSpPr>
+      <p:grpSpPr>
+        <a:xfrm>
+          <a:off x="0" y="0"/>
+          <a:ext cx="0" cy="0"/>
+          <a:chOff x="0" y="0"/>
+          <a:chExt cx="0" cy="0"/>
+        </a:xfrm>
+      </p:grpSpPr>
+      <p:sp>
+        <p:nvSpPr>
+          <p:cNvPr id="2" name="제목 1"/>
+          <p:cNvSpPr>
+            <a:spLocks noGrp="1"/>
+          </p:cNvSpPr>
+          <p:nvPr>
+            <p:ph type="title"/>
+          </p:nvPr>
+        </p:nvSpPr>
+        <p:spPr/>
+        <p:txBody>
+          <a:bodyPr/>
+          <a:lstStyle/>
+          <a:p>
+            <a:r>
+              <a:rPr lang="ko-KR" altLang="en-US" dirty="0" smtClean="0"/>
+              <a:t>호스트 신청</a:t>
+            </a:r>
+            <a:endParaRPr lang="ko-KR" altLang="en-US" dirty="0"/>
+          </a:p>
+        </p:txBody>
+      </p:sp>
+      <p:sp>
+        <p:nvSpPr>
+          <p:cNvPr id="3" name="내용 개체 틀 2"/>
+          <p:cNvSpPr>
+            <a:spLocks noGrp="1"/>
+          </p:cNvSpPr>
+          <p:nvPr>
+            <p:ph idx="1"/>
+          </p:nvPr>
+        </p:nvSpPr>
+        <p:spPr/>
+        <p:txBody>
+          <a:bodyPr/>
+          <a:lstStyle/>
+          <a:p>
+            <a:r>
+              <a:rPr lang="en-US" altLang="ko-KR" dirty="0" smtClean="0"/>
+              <a:t>STAY-JEJU </a:t>
+            </a:r>
+            <a:r>
+              <a:rPr lang="ko-KR" altLang="en-US" dirty="0" smtClean="0"/>
+              <a:t>호스트가 되는 법</a:t>
+            </a:r>
+            <a:endParaRPr lang="en-US" altLang="ko-KR" dirty="0" smtClean="0"/>
+          </a:p>
+          <a:p>
+            <a:r>
+              <a:rPr lang="ko-KR" altLang="en-US" dirty="0" smtClean="0">
+                <a:hlinkClick r:id="rId2" action="ppaction://hlinksldjump"/>
+              </a:rPr>
+              <a:t>숙소 등록하기</a:t>
+            </a:r>
+            <a:endParaRPr lang="ko-KR" altLang="en-US" dirty="0" smtClean="0"/>
+          </a:p>
+          <a:p>
+            <a:endParaRPr lang="ko-KR" altLang="en-US" dirty="0"/>
+          </a:p>
+        </p:txBody>
+      </p:sp>
+    </p:spTree>
+    <p:extLst>
+      <p:ext uri="{BB962C8B-B14F-4D97-AF65-F5344CB8AC3E}">
+        <p14:creationId xmlns:p14="http://schemas.microsoft.com/office/powerpoint/2010/main" val="1920242469"/>
+      </p:ext>
+    </p:extLst>
+  </p:cSld>
+  <p:clrMapOvr>
+    <a:masterClrMapping/>
+  </p:clrMapOvr>
+  <p:timing>
+    <p:tnLst>
+      <p:par>
+        <p:cTn id="1" dur="indefinite" restart="never" nodeType="tmRoot"/>
+      </p:par>
+    </p:tnLst>
+  </p:timing>
+</p:sld>
+</file>
+
+<file path=ppt/slides/slide4.xml><?xml version="1.0" encoding="utf-8"?>
+<p:sld xmlns:a="http://schemas.openxmlformats.org/drawingml/2006/main" xmlns:r="http://schemas.openxmlformats.org/officeDocument/2006/relationships" xmlns:p="http://schemas.openxmlformats.org/presentationml/2006/main">
+  <p:cSld>
+    <p:spTree>
+      <p:nvGrpSpPr>
+        <p:cNvPr id="1" name=""/>
+        <p:cNvGrpSpPr/>
+        <p:nvPr/>
+      </p:nvGrpSpPr>
+      <p:grpSpPr>
+        <a:xfrm>
+          <a:off x="0" y="0"/>
+          <a:ext cx="0" cy="0"/>
+          <a:chOff x="0" y="0"/>
+          <a:chExt cx="0" cy="0"/>
+        </a:xfrm>
+      </p:grpSpPr>
+      <p:sp>
+        <p:nvSpPr>
+          <p:cNvPr id="2" name="제목 1"/>
+          <p:cNvSpPr>
+            <a:spLocks noGrp="1"/>
+          </p:cNvSpPr>
+          <p:nvPr>
+            <p:ph type="title"/>
+          </p:nvPr>
+        </p:nvSpPr>
+        <p:spPr/>
+        <p:txBody>
+          <a:bodyPr/>
+          <a:lstStyle/>
+          <a:p>
+            <a:r>
+              <a:rPr lang="ko-KR" altLang="en-US" dirty="0" smtClean="0"/>
+              <a:t>숙소 등록하기 </a:t>
+            </a:r>
+            <a:r>
+              <a:rPr lang="en-US" altLang="ko-KR" dirty="0" smtClean="0"/>
+              <a:t>– </a:t>
+            </a:r>
+            <a:r>
+              <a:rPr lang="ko-KR" altLang="en-US" dirty="0" smtClean="0"/>
+              <a:t>기본 </a:t>
+            </a:r>
+            <a:r>
+              <a:rPr lang="en-US" altLang="ko-KR" dirty="0" smtClean="0"/>
+              <a:t>1</a:t>
+            </a:r>
+            <a:r>
+              <a:rPr lang="ko-KR" altLang="en-US" dirty="0" smtClean="0"/>
+              <a:t>단계</a:t>
+            </a:r>
+            <a:endParaRPr lang="ko-KR" altLang="en-US" dirty="0"/>
+          </a:p>
+        </p:txBody>
+      </p:sp>
+      <p:sp>
+        <p:nvSpPr>
+          <p:cNvPr id="3" name="내용 개체 틀 2"/>
+          <p:cNvSpPr>
+            <a:spLocks noGrp="1"/>
+          </p:cNvSpPr>
+          <p:nvPr>
+            <p:ph idx="1"/>
+          </p:nvPr>
+        </p:nvSpPr>
+        <p:spPr/>
+        <p:txBody>
+          <a:bodyPr/>
+          <a:lstStyle/>
+          <a:p>
+            <a:r>
+              <a:rPr lang="ko-KR" altLang="en-US" dirty="0" smtClean="0"/>
+              <a:t>숙소 종류</a:t>
+            </a:r>
+            <a:r>
+              <a:rPr lang="en-US" altLang="ko-KR" dirty="0" smtClean="0"/>
+              <a:t/>
+            </a:r>
+            <a:br>
+              <a:rPr lang="en-US" altLang="ko-KR" dirty="0" smtClean="0"/>
+            </a:br>
+            <a:r>
+              <a:rPr lang="en-US" altLang="ko-KR" dirty="0" smtClean="0"/>
+              <a:t>    - </a:t>
+            </a:r>
+            <a:r>
+              <a:rPr lang="ko-KR" altLang="en-US" dirty="0" smtClean="0"/>
+              <a:t>아파트</a:t>
+            </a:r>
+            <a:r>
+              <a:rPr lang="en-US" altLang="ko-KR" dirty="0" smtClean="0"/>
+              <a:t>, </a:t>
+            </a:r>
+            <a:r>
+              <a:rPr lang="ko-KR" altLang="en-US" dirty="0" smtClean="0"/>
+              <a:t>주택</a:t>
+            </a:r>
+            <a:r>
+              <a:rPr lang="en-US" altLang="ko-KR" dirty="0" smtClean="0"/>
+              <a:t>, </a:t>
+            </a:r>
+            <a:r>
+              <a:rPr lang="ko-KR" altLang="en-US" dirty="0" smtClean="0"/>
+              <a:t>별채</a:t>
+            </a:r>
+            <a:r>
+              <a:rPr lang="en-US" altLang="ko-KR" dirty="0" smtClean="0"/>
+              <a:t>, </a:t>
+            </a:r>
+            <a:r>
+              <a:rPr lang="ko-KR" altLang="en-US" dirty="0" smtClean="0"/>
+              <a:t>독특한 숙소</a:t>
+            </a:r>
+            <a:endParaRPr lang="en-US" altLang="ko-KR" dirty="0" smtClean="0"/>
+          </a:p>
+          <a:p>
+            <a:r>
+              <a:rPr lang="ko-KR" altLang="en-US" dirty="0" smtClean="0"/>
+              <a:t>건물 유형</a:t>
+            </a:r>
+            <a:r>
+              <a:rPr lang="en-US" altLang="ko-KR" dirty="0" smtClean="0"/>
+              <a:t/>
+            </a:r>
+            <a:br>
+              <a:rPr lang="en-US" altLang="ko-KR" dirty="0" smtClean="0"/>
+            </a:br>
+            <a:r>
+              <a:rPr lang="en-US" altLang="ko-KR" dirty="0" smtClean="0"/>
+              <a:t>    - </a:t>
+            </a:r>
+            <a:r>
+              <a:rPr lang="ko-KR" altLang="en-US" dirty="0" smtClean="0"/>
+              <a:t>아파트</a:t>
+            </a:r>
+            <a:r>
+              <a:rPr lang="en-US" altLang="ko-KR" dirty="0" smtClean="0"/>
+              <a:t>, </a:t>
+            </a:r>
+            <a:r>
+              <a:rPr lang="ko-KR" altLang="en-US" dirty="0" smtClean="0"/>
+              <a:t>공동주택</a:t>
+            </a:r>
+            <a:r>
+              <a:rPr lang="en-US" altLang="ko-KR" dirty="0" smtClean="0"/>
+              <a:t>, </a:t>
+            </a:r>
+            <a:r>
+              <a:rPr lang="ko-KR" altLang="en-US" dirty="0" smtClean="0"/>
+              <a:t>방갈로</a:t>
+            </a:r>
+            <a:r>
+              <a:rPr lang="en-US" altLang="ko-KR" dirty="0" smtClean="0"/>
+              <a:t>, </a:t>
+            </a:r>
+            <a:r>
+              <a:rPr lang="ko-KR" altLang="en-US" dirty="0" smtClean="0"/>
+              <a:t>통나무집</a:t>
+            </a:r>
+            <a:r>
+              <a:rPr lang="en-US" altLang="ko-KR" dirty="0" smtClean="0"/>
+              <a:t>, </a:t>
+            </a:r>
+            <a:r>
+              <a:rPr lang="ko-KR" altLang="en-US" dirty="0" smtClean="0"/>
+              <a:t>전원주택</a:t>
+            </a:r>
+            <a:r>
+              <a:rPr lang="en-US" altLang="ko-KR" dirty="0" smtClean="0"/>
+              <a:t>, </a:t>
+            </a:r>
+            <a:r>
+              <a:rPr lang="ko-KR" altLang="en-US" dirty="0" smtClean="0"/>
+              <a:t>펜션</a:t>
+            </a:r>
+            <a:r>
+              <a:rPr lang="en-US" altLang="ko-KR" dirty="0" smtClean="0"/>
+              <a:t>, …</a:t>
+            </a:r>
+          </a:p>
+          <a:p>
+            <a:r>
+              <a:rPr lang="ko-KR" altLang="en-US" dirty="0" smtClean="0"/>
+              <a:t>방 개수</a:t>
+            </a:r>
+            <a:r>
+              <a:rPr lang="en-US" altLang="ko-KR" dirty="0" smtClean="0"/>
+              <a:t/>
+            </a:r>
+            <a:br>
+              <a:rPr lang="en-US" altLang="ko-KR" dirty="0" smtClean="0"/>
+            </a:br>
+            <a:r>
+              <a:rPr lang="en-US" altLang="ko-KR" dirty="0" smtClean="0"/>
+              <a:t>    - 1~10+</a:t>
+            </a:r>
+          </a:p>
+          <a:p>
+            <a:r>
+              <a:rPr lang="ko-KR" altLang="en-US" dirty="0" smtClean="0"/>
+              <a:t>숙소 유형</a:t>
+            </a:r>
+            <a:endParaRPr lang="en-US" altLang="ko-KR" dirty="0" smtClean="0"/>
+          </a:p>
+          <a:p>
+            <a:r>
+              <a:rPr lang="ko-KR" altLang="en-US" dirty="0" smtClean="0">
+                <a:hlinkClick r:id="rId2" action="ppaction://hlinksldjump"/>
+              </a:rPr>
+              <a:t>다음 버튼</a:t>
+            </a:r>
+            <a:endParaRPr lang="ko-KR" altLang="en-US" dirty="0"/>
+          </a:p>
+        </p:txBody>
+      </p:sp>
+    </p:spTree>
+    <p:extLst>
+      <p:ext uri="{BB962C8B-B14F-4D97-AF65-F5344CB8AC3E}">
+        <p14:creationId xmlns:p14="http://schemas.microsoft.com/office/powerpoint/2010/main" val="2269097078"/>
+      </p:ext>
+    </p:extLst>
+  </p:cSld>
+  <p:clrMapOvr>
+    <a:masterClrMapping/>
+  </p:clrMapOvr>
+  <p:timing>
+    <p:tnLst>
+      <p:par>
+        <p:cTn id="1" dur="indefinite" restart="never" nodeType="tmRoot"/>
+      </p:par>
+    </p:tnLst>
+  </p:timing>
+</p:sld>
+</file>
+
+<file path=ppt/slides/slide5.xml><?xml version="1.0" encoding="utf-8"?>
+<p:sld xmlns:a="http://schemas.openxmlformats.org/drawingml/2006/main" xmlns:r="http://schemas.openxmlformats.org/officeDocument/2006/relationships" xmlns:p="http://schemas.openxmlformats.org/presentationml/2006/main">
+  <p:cSld>
+    <p:spTree>
+      <p:nvGrpSpPr>
+        <p:cNvPr id="1" name=""/>
+        <p:cNvGrpSpPr/>
+        <p:nvPr/>
+      </p:nvGrpSpPr>
+      <p:grpSpPr>
+        <a:xfrm>
+          <a:off x="0" y="0"/>
+          <a:ext cx="0" cy="0"/>
+          <a:chOff x="0" y="0"/>
+          <a:chExt cx="0" cy="0"/>
+        </a:xfrm>
+      </p:grpSpPr>
+      <p:sp>
+        <p:nvSpPr>
+          <p:cNvPr id="2" name="제목 1"/>
+          <p:cNvSpPr>
+            <a:spLocks noGrp="1"/>
+          </p:cNvSpPr>
+          <p:nvPr>
+            <p:ph type="title"/>
+          </p:nvPr>
+        </p:nvSpPr>
+        <p:spPr/>
+        <p:txBody>
+          <a:bodyPr/>
+          <a:lstStyle/>
+          <a:p>
+            <a:r>
+              <a:rPr lang="ko-KR" altLang="en-US" dirty="0" smtClean="0"/>
+              <a:t>숙소 등록하기 </a:t>
+            </a:r>
+            <a:r>
+              <a:rPr lang="en-US" altLang="ko-KR" dirty="0" smtClean="0"/>
+              <a:t>– </a:t>
+            </a:r>
+            <a:r>
+              <a:rPr lang="ko-KR" altLang="en-US" dirty="0" smtClean="0"/>
+              <a:t>기본 </a:t>
+            </a:r>
+            <a:r>
+              <a:rPr lang="en-US" altLang="ko-KR" dirty="0" smtClean="0"/>
+              <a:t>2</a:t>
+            </a:r>
+            <a:r>
+              <a:rPr lang="ko-KR" altLang="en-US" dirty="0" smtClean="0"/>
+              <a:t>단계</a:t>
+            </a:r>
+            <a:endParaRPr lang="ko-KR" altLang="en-US" dirty="0"/>
+          </a:p>
+        </p:txBody>
+      </p:sp>
+      <p:sp>
+        <p:nvSpPr>
+          <p:cNvPr id="3" name="내용 개체 틀 2"/>
+          <p:cNvSpPr>
+            <a:spLocks noGrp="1"/>
+          </p:cNvSpPr>
+          <p:nvPr>
+            <p:ph idx="1"/>
+          </p:nvPr>
+        </p:nvSpPr>
+        <p:spPr/>
+        <p:txBody>
+          <a:bodyPr>
+            <a:normAutofit lnSpcReduction="10000"/>
+          </a:bodyPr>
+          <a:lstStyle/>
+          <a:p>
+            <a:r>
+              <a:rPr lang="ko-KR" altLang="en-US" dirty="0" smtClean="0"/>
+              <a:t>최대 숙박 인원</a:t>
+            </a:r>
+            <a:r>
+              <a:rPr lang="en-US" altLang="ko-KR" dirty="0" smtClean="0"/>
+              <a:t/>
+            </a:r>
+            <a:br>
+              <a:rPr lang="en-US" altLang="ko-KR" dirty="0" smtClean="0"/>
+            </a:br>
+            <a:r>
+              <a:rPr lang="en-US" altLang="ko-KR" dirty="0" smtClean="0"/>
+              <a:t>    - 1~16+</a:t>
+            </a:r>
+          </a:p>
+          <a:p>
+            <a:r>
+              <a:rPr lang="ko-KR" altLang="en-US" dirty="0" smtClean="0"/>
+              <a:t>침실 개수</a:t>
+            </a:r>
+            <a:r>
+              <a:rPr lang="en-US" altLang="ko-KR" dirty="0" smtClean="0"/>
+              <a:t/>
+            </a:r>
+            <a:br>
+              <a:rPr lang="en-US" altLang="ko-KR" dirty="0" smtClean="0"/>
+            </a:br>
+            <a:r>
+              <a:rPr lang="en-US" altLang="ko-KR" dirty="0" smtClean="0"/>
+              <a:t>    - 0~10+</a:t>
+            </a:r>
+          </a:p>
+          <a:p>
+            <a:r>
+              <a:rPr lang="ko-KR" altLang="en-US" dirty="0" smtClean="0"/>
+              <a:t>침대 개수</a:t>
+            </a:r>
+            <a:r>
+              <a:rPr lang="en-US" altLang="ko-KR" dirty="0" smtClean="0"/>
+              <a:t/>
+            </a:r>
+            <a:br>
+              <a:rPr lang="en-US" altLang="ko-KR" dirty="0" smtClean="0"/>
+            </a:br>
+            <a:r>
+              <a:rPr lang="en-US" altLang="ko-KR" dirty="0" smtClean="0"/>
+              <a:t>    - 0~10+</a:t>
+            </a:r>
+          </a:p>
+          <a:p>
+            <a:r>
+              <a:rPr lang="ko-KR" altLang="en-US" dirty="0" smtClean="0"/>
+              <a:t>침대 유형</a:t>
+            </a:r>
+            <a:endParaRPr lang="en-US" altLang="ko-KR" dirty="0" smtClean="0"/>
+          </a:p>
+          <a:p>
+            <a:r>
+              <a:rPr lang="ko-KR" altLang="en-US" dirty="0" smtClean="0"/>
+              <a:t>욕실</a:t>
+            </a:r>
+            <a:r>
+              <a:rPr lang="en-US" altLang="ko-KR" dirty="0" smtClean="0"/>
+              <a:t/>
+            </a:r>
+            <a:br>
+              <a:rPr lang="en-US" altLang="ko-KR" dirty="0" smtClean="0"/>
+            </a:br>
+            <a:r>
+              <a:rPr lang="en-US" altLang="ko-KR" dirty="0" smtClean="0"/>
+              <a:t>    - 0~0.5 </a:t>
+            </a:r>
+            <a:r>
+              <a:rPr lang="ko-KR" altLang="en-US" dirty="0" smtClean="0"/>
+              <a:t>단위 </a:t>
+            </a:r>
+            <a:r>
+              <a:rPr lang="en-US" altLang="ko-KR" dirty="0" smtClean="0"/>
+              <a:t>(</a:t>
+            </a:r>
+            <a:r>
+              <a:rPr lang="ko-KR" altLang="en-US" dirty="0" smtClean="0"/>
+              <a:t>샤워 시설 없이 변기만 있으면 </a:t>
+            </a:r>
+            <a:r>
+              <a:rPr lang="en-US" altLang="ko-KR" dirty="0" smtClean="0"/>
+              <a:t>0.5)</a:t>
+            </a:r>
+          </a:p>
+          <a:p>
+            <a:r>
+              <a:rPr lang="ko-KR" altLang="en-US" dirty="0" smtClean="0">
+                <a:hlinkClick r:id="rId2" action="ppaction://hlinksldjump"/>
+              </a:rPr>
+              <a:t>다음 버튼</a:t>
+            </a:r>
+            <a:endParaRPr lang="ko-KR" altLang="en-US" dirty="0" smtClean="0"/>
+          </a:p>
+          <a:p>
+            <a:endParaRPr lang="ko-KR" altLang="en-US" dirty="0" smtClean="0"/>
+          </a:p>
+          <a:p>
+            <a:endParaRPr lang="ko-KR" altLang="en-US" dirty="0"/>
+          </a:p>
+        </p:txBody>
+      </p:sp>
+    </p:spTree>
+    <p:extLst>
+      <p:ext uri="{BB962C8B-B14F-4D97-AF65-F5344CB8AC3E}">
+        <p14:creationId xmlns:p14="http://schemas.microsoft.com/office/powerpoint/2010/main" val="722853541"/>
+      </p:ext>
+    </p:extLst>
+  </p:cSld>
+  <p:clrMapOvr>
+    <a:masterClrMapping/>
+  </p:clrMapOvr>
+  <p:timing>
+    <p:tnLst>
+      <p:par>
+        <p:cTn id="1" dur="indefinite" restart="never" nodeType="tmRoot"/>
+      </p:par>
+    </p:tnLst>
+  </p:timing>
+</p:sld>
+</file>
+
+<file path=ppt/slides/slide6.xml><?xml version="1.0" encoding="utf-8"?>
+<p:sld xmlns:a="http://schemas.openxmlformats.org/drawingml/2006/main" xmlns:r="http://schemas.openxmlformats.org/officeDocument/2006/relationships" xmlns:p="http://schemas.openxmlformats.org/presentationml/2006/main">
+  <p:cSld>
+    <p:spTree>
+      <p:nvGrpSpPr>
+        <p:cNvPr id="1" name=""/>
+        <p:cNvGrpSpPr/>
+        <p:nvPr/>
+      </p:nvGrpSpPr>
+      <p:grpSpPr>
+        <a:xfrm>
+          <a:off x="0" y="0"/>
+          <a:ext cx="0" cy="0"/>
+          <a:chOff x="0" y="0"/>
+          <a:chExt cx="0" cy="0"/>
+        </a:xfrm>
+      </p:grpSpPr>
+      <p:sp>
+        <p:nvSpPr>
+          <p:cNvPr id="2" name="제목 1"/>
+          <p:cNvSpPr>
+            <a:spLocks noGrp="1"/>
+          </p:cNvSpPr>
+          <p:nvPr>
+            <p:ph type="title"/>
+          </p:nvPr>
+        </p:nvSpPr>
+        <p:spPr/>
+        <p:txBody>
+          <a:bodyPr/>
+          <a:lstStyle/>
+          <a:p>
+            <a:r>
+              <a:rPr lang="ko-KR" altLang="en-US" dirty="0" smtClean="0"/>
+              <a:t>숙소 등록하기 </a:t>
+            </a:r>
+            <a:r>
+              <a:rPr lang="en-US" altLang="ko-KR" dirty="0" smtClean="0"/>
+              <a:t>– </a:t>
+            </a:r>
+            <a:r>
+              <a:rPr lang="ko-KR" altLang="en-US" dirty="0" smtClean="0"/>
+              <a:t>기본 </a:t>
+            </a:r>
+            <a:r>
+              <a:rPr lang="en-US" altLang="ko-KR" dirty="0" smtClean="0"/>
+              <a:t>3</a:t>
+            </a:r>
+            <a:r>
+              <a:rPr lang="ko-KR" altLang="en-US" dirty="0" smtClean="0"/>
+              <a:t>단계</a:t>
+            </a:r>
+            <a:endParaRPr lang="ko-KR" altLang="en-US" dirty="0"/>
+          </a:p>
+        </p:txBody>
+      </p:sp>
+      <p:sp>
+        <p:nvSpPr>
+          <p:cNvPr id="3" name="내용 개체 틀 2"/>
+          <p:cNvSpPr>
+            <a:spLocks noGrp="1"/>
+          </p:cNvSpPr>
+          <p:nvPr>
+            <p:ph idx="1"/>
+          </p:nvPr>
+        </p:nvSpPr>
+        <p:spPr/>
+        <p:txBody>
+          <a:bodyPr>
+            <a:normAutofit/>
+          </a:bodyPr>
+          <a:lstStyle/>
+          <a:p>
+            <a:r>
+              <a:rPr lang="ko-KR" altLang="en-US" dirty="0" smtClean="0"/>
+              <a:t>숙소 위치</a:t>
+            </a:r>
+            <a:r>
+              <a:rPr lang="en-US" altLang="ko-KR" dirty="0" smtClean="0"/>
+              <a:t/>
+            </a:r>
+            <a:br>
+              <a:rPr lang="en-US" altLang="ko-KR" dirty="0" smtClean="0"/>
+            </a:br>
+            <a:r>
+              <a:rPr lang="en-US" altLang="ko-KR" dirty="0" smtClean="0"/>
+              <a:t>    - </a:t>
+            </a:r>
+            <a:r>
+              <a:rPr lang="ko-KR" altLang="en-US" dirty="0" smtClean="0"/>
+              <a:t>주소 입력</a:t>
+            </a:r>
+            <a:endParaRPr lang="en-US" altLang="ko-KR" dirty="0" smtClean="0"/>
+          </a:p>
+          <a:p>
+            <a:r>
+              <a:rPr lang="ko-KR" altLang="en-US" dirty="0" smtClean="0">
+                <a:hlinkClick r:id="rId2" action="ppaction://hlinksldjump"/>
+              </a:rPr>
+              <a:t>다음 버튼</a:t>
+            </a:r>
+            <a:endParaRPr lang="ko-KR" altLang="en-US" dirty="0" smtClean="0"/>
+          </a:p>
+          <a:p>
+            <a:endParaRPr lang="ko-KR" altLang="en-US" dirty="0"/>
+          </a:p>
+        </p:txBody>
+      </p:sp>
+    </p:spTree>
+    <p:extLst>
+      <p:ext uri="{BB962C8B-B14F-4D97-AF65-F5344CB8AC3E}">
+        <p14:creationId xmlns:p14="http://schemas.microsoft.com/office/powerpoint/2010/main" val="2577671722"/>
+      </p:ext>
+    </p:extLst>
+  </p:cSld>
+  <p:clrMapOvr>
+    <a:masterClrMapping/>
+  </p:clrMapOvr>
+  <p:timing>
+    <p:tnLst>
+      <p:par>
+        <p:cTn id="1" dur="indefinite" restart="never" nodeType="tmRoot"/>
+      </p:par>
+    </p:tnLst>
+  </p:timing>
+</p:sld>
+</file>
+
+<file path=ppt/slides/slide7.xml><?xml version="1.0" encoding="utf-8"?>
+<p:sld xmlns:a="http://schemas.openxmlformats.org/drawingml/2006/main" xmlns:r="http://schemas.openxmlformats.org/officeDocument/2006/relationships" xmlns:p="http://schemas.openxmlformats.org/presentationml/2006/main">
+  <p:cSld>
+    <p:spTree>
+      <p:nvGrpSpPr>
+        <p:cNvPr id="1" name=""/>
+        <p:cNvGrpSpPr/>
+        <p:nvPr/>
+      </p:nvGrpSpPr>
+      <p:grpSpPr>
+        <a:xfrm>
+          <a:off x="0" y="0"/>
+          <a:ext cx="0" cy="0"/>
+          <a:chOff x="0" y="0"/>
+          <a:chExt cx="0" cy="0"/>
+        </a:xfrm>
+      </p:grpSpPr>
+      <p:sp>
+        <p:nvSpPr>
+          <p:cNvPr id="2" name="제목 1"/>
+          <p:cNvSpPr>
+            <a:spLocks noGrp="1"/>
+          </p:cNvSpPr>
+          <p:nvPr>
+            <p:ph type="title"/>
+          </p:nvPr>
+        </p:nvSpPr>
+        <p:spPr/>
+        <p:txBody>
+          <a:bodyPr/>
+          <a:lstStyle/>
+          <a:p>
+            <a:r>
+              <a:rPr lang="ko-KR" altLang="en-US" dirty="0" smtClean="0"/>
+              <a:t>숙소 등록하기 </a:t>
+            </a:r>
+            <a:r>
+              <a:rPr lang="en-US" altLang="ko-KR" dirty="0" smtClean="0"/>
+              <a:t>– </a:t>
+            </a:r>
+            <a:r>
+              <a:rPr lang="ko-KR" altLang="en-US" dirty="0" smtClean="0"/>
+              <a:t>기본 </a:t>
+            </a:r>
+            <a:r>
+              <a:rPr lang="en-US" altLang="ko-KR" dirty="0" smtClean="0"/>
+              <a:t>4</a:t>
+            </a:r>
+            <a:r>
+              <a:rPr lang="ko-KR" altLang="en-US" dirty="0" smtClean="0"/>
+              <a:t>단계</a:t>
+            </a:r>
+            <a:endParaRPr lang="ko-KR" altLang="en-US" dirty="0"/>
+          </a:p>
+        </p:txBody>
+      </p:sp>
+      <p:sp>
+        <p:nvSpPr>
+          <p:cNvPr id="3" name="내용 개체 틀 2"/>
+          <p:cNvSpPr>
+            <a:spLocks noGrp="1"/>
+          </p:cNvSpPr>
+          <p:nvPr>
+            <p:ph idx="1"/>
+          </p:nvPr>
+        </p:nvSpPr>
+        <p:spPr/>
+        <p:txBody>
+          <a:bodyPr/>
+          <a:lstStyle/>
+          <a:p>
+            <a:r>
+              <a:rPr lang="ko-KR" altLang="en-US" dirty="0" smtClean="0"/>
+              <a:t>숙소 위치</a:t>
+            </a:r>
+            <a:r>
+              <a:rPr lang="en-US" altLang="ko-KR" dirty="0" smtClean="0"/>
+              <a:t/>
+            </a:r>
+            <a:br>
+              <a:rPr lang="en-US" altLang="ko-KR" dirty="0" smtClean="0"/>
+            </a:br>
+            <a:r>
+              <a:rPr lang="en-US" altLang="ko-KR" dirty="0" smtClean="0"/>
+              <a:t>    - </a:t>
+            </a:r>
+            <a:r>
+              <a:rPr lang="ko-KR" altLang="en-US" dirty="0" smtClean="0"/>
+              <a:t>지도에 위치 표시 후 확인</a:t>
+            </a:r>
+            <a:endParaRPr lang="en-US" altLang="ko-KR" dirty="0" smtClean="0"/>
+          </a:p>
+          <a:p>
+            <a:r>
+              <a:rPr lang="ko-KR" altLang="en-US" dirty="0" smtClean="0">
+                <a:hlinkClick r:id="rId2" action="ppaction://hlinksldjump"/>
+              </a:rPr>
+              <a:t>확인</a:t>
+            </a:r>
+            <a:r>
+              <a:rPr lang="ko-KR" altLang="en-US" dirty="0" smtClean="0">
+                <a:hlinkClick r:id="rId2" action="ppaction://hlinksldjump"/>
+              </a:rPr>
+              <a:t> 버튼</a:t>
+            </a:r>
+            <a:endParaRPr lang="ko-KR" altLang="en-US" dirty="0" smtClean="0"/>
+          </a:p>
+          <a:p>
+            <a:endParaRPr lang="ko-KR" altLang="en-US" dirty="0"/>
+          </a:p>
+        </p:txBody>
+      </p:sp>
+    </p:spTree>
+    <p:extLst>
+      <p:ext uri="{BB962C8B-B14F-4D97-AF65-F5344CB8AC3E}">
+        <p14:creationId xmlns:p14="http://schemas.microsoft.com/office/powerpoint/2010/main" val="1788765882"/>
+      </p:ext>
+    </p:extLst>
+  </p:cSld>
+  <p:clrMapOvr>
+    <a:masterClrMapping/>
+  </p:clrMapOvr>
+  <p:timing>
+    <p:tnLst>
+      <p:par>
+        <p:cTn id="1" dur="indefinite" restart="never" nodeType="tmRoot"/>
+      </p:par>
+    </p:tnLst>
+  </p:timing>
+</p:sld>
+</file>
+
+<file path=ppt/slides/slide8.xml><?xml version="1.0" encoding="utf-8"?>
+<p:sld xmlns:a="http://schemas.openxmlformats.org/drawingml/2006/main" xmlns:r="http://schemas.openxmlformats.org/officeDocument/2006/relationships" xmlns:p="http://schemas.openxmlformats.org/presentationml/2006/main">
+  <p:cSld>
+    <p:spTree>
+      <p:nvGrpSpPr>
+        <p:cNvPr id="1" name=""/>
+        <p:cNvGrpSpPr/>
+        <p:nvPr/>
+      </p:nvGrpSpPr>
+      <p:grpSpPr>
+        <a:xfrm>
+          <a:off x="0" y="0"/>
+          <a:ext cx="0" cy="0"/>
+          <a:chOff x="0" y="0"/>
+          <a:chExt cx="0" cy="0"/>
+        </a:xfrm>
+      </p:grpSpPr>
+      <p:sp>
+        <p:nvSpPr>
+          <p:cNvPr id="2" name="제목 1"/>
+          <p:cNvSpPr>
+            <a:spLocks noGrp="1"/>
+          </p:cNvSpPr>
+          <p:nvPr>
+            <p:ph type="title"/>
+          </p:nvPr>
+        </p:nvSpPr>
+        <p:spPr/>
+        <p:txBody>
+          <a:bodyPr/>
+          <a:lstStyle/>
+          <a:p>
+            <a:r>
+              <a:rPr lang="ko-KR" altLang="en-US" dirty="0" smtClean="0"/>
+              <a:t>숙소 등록하기 </a:t>
+            </a:r>
+            <a:r>
+              <a:rPr lang="en-US" altLang="ko-KR" dirty="0" smtClean="0"/>
+              <a:t>– </a:t>
+            </a:r>
+            <a:r>
+              <a:rPr lang="ko-KR" altLang="en-US" dirty="0" smtClean="0"/>
+              <a:t>기본 </a:t>
+            </a:r>
+            <a:r>
+              <a:rPr lang="en-US" altLang="ko-KR" dirty="0" smtClean="0"/>
+              <a:t>5</a:t>
+            </a:r>
+            <a:r>
+              <a:rPr lang="ko-KR" altLang="en-US" dirty="0" smtClean="0"/>
+              <a:t>단계</a:t>
+            </a:r>
+            <a:endParaRPr lang="ko-KR" altLang="en-US" dirty="0"/>
+          </a:p>
+        </p:txBody>
+      </p:sp>
+      <p:sp>
+        <p:nvSpPr>
+          <p:cNvPr id="3" name="내용 개체 틀 2"/>
+          <p:cNvSpPr>
+            <a:spLocks noGrp="1"/>
+          </p:cNvSpPr>
+          <p:nvPr>
+            <p:ph idx="1"/>
+          </p:nvPr>
+        </p:nvSpPr>
+        <p:spPr/>
+        <p:txBody>
+          <a:bodyPr/>
+          <a:lstStyle/>
+          <a:p>
+            <a:r>
+              <a:rPr lang="ko-KR" altLang="en-US" dirty="0" smtClean="0"/>
+              <a:t>편의시설</a:t>
+            </a:r>
+            <a:r>
+              <a:rPr lang="en-US" altLang="ko-KR" dirty="0" smtClean="0"/>
+              <a:t/>
+            </a:r>
+            <a:br>
+              <a:rPr lang="en-US" altLang="ko-KR" dirty="0" smtClean="0"/>
+            </a:br>
+            <a:r>
+              <a:rPr lang="en-US" altLang="ko-KR" dirty="0" smtClean="0"/>
+              <a:t>    - </a:t>
+            </a:r>
+            <a:r>
+              <a:rPr lang="ko-KR" altLang="en-US" dirty="0" smtClean="0"/>
+              <a:t>필수 품목 </a:t>
+            </a:r>
+            <a:r>
+              <a:rPr lang="en-US" altLang="ko-KR" dirty="0" smtClean="0"/>
+              <a:t>(</a:t>
+            </a:r>
+            <a:r>
+              <a:rPr lang="ko-KR" altLang="en-US" dirty="0" smtClean="0"/>
+              <a:t>수건</a:t>
+            </a:r>
+            <a:r>
+              <a:rPr lang="en-US" altLang="ko-KR" dirty="0" smtClean="0"/>
+              <a:t>, </a:t>
+            </a:r>
+            <a:r>
+              <a:rPr lang="ko-KR" altLang="en-US" dirty="0" smtClean="0"/>
+              <a:t>침대 시트</a:t>
+            </a:r>
+            <a:r>
+              <a:rPr lang="en-US" altLang="ko-KR" dirty="0" smtClean="0"/>
+              <a:t>, </a:t>
+            </a:r>
+            <a:r>
+              <a:rPr lang="ko-KR" altLang="en-US" dirty="0" smtClean="0"/>
+              <a:t>비누</a:t>
+            </a:r>
+            <a:r>
+              <a:rPr lang="en-US" altLang="ko-KR" dirty="0" smtClean="0"/>
+              <a:t>, </a:t>
+            </a:r>
+            <a:r>
+              <a:rPr lang="ko-KR" altLang="en-US" dirty="0" smtClean="0"/>
+              <a:t>화장지</a:t>
+            </a:r>
+            <a:r>
+              <a:rPr lang="en-US" altLang="ko-KR" dirty="0" smtClean="0"/>
+              <a:t>, </a:t>
+            </a:r>
+            <a:r>
+              <a:rPr lang="ko-KR" altLang="en-US" dirty="0" smtClean="0"/>
+              <a:t>베개</a:t>
+            </a:r>
+            <a:r>
+              <a:rPr lang="en-US" altLang="ko-KR" dirty="0" smtClean="0"/>
+              <a:t>)</a:t>
+            </a:r>
+            <a:br>
+              <a:rPr lang="en-US" altLang="ko-KR" dirty="0" smtClean="0"/>
+            </a:br>
+            <a:r>
+              <a:rPr lang="en-US" altLang="ko-KR" dirty="0" smtClean="0"/>
+              <a:t>    - </a:t>
+            </a:r>
+            <a:r>
+              <a:rPr lang="ko-KR" altLang="en-US" dirty="0" smtClean="0"/>
+              <a:t>무선 인터넷</a:t>
+            </a:r>
+            <a:r>
+              <a:rPr lang="en-US" altLang="ko-KR" dirty="0" smtClean="0"/>
+              <a:t/>
+            </a:r>
+            <a:br>
+              <a:rPr lang="en-US" altLang="ko-KR" dirty="0" smtClean="0"/>
+            </a:br>
+            <a:r>
+              <a:rPr lang="en-US" altLang="ko-KR" dirty="0" smtClean="0"/>
+              <a:t>    - </a:t>
+            </a:r>
+            <a:r>
+              <a:rPr lang="ko-KR" altLang="en-US" dirty="0" smtClean="0"/>
+              <a:t>샴푸</a:t>
+            </a:r>
+            <a:r>
+              <a:rPr lang="en-US" altLang="ko-KR" dirty="0" smtClean="0"/>
+              <a:t/>
+            </a:r>
+            <a:br>
+              <a:rPr lang="en-US" altLang="ko-KR" dirty="0" smtClean="0"/>
+            </a:br>
+            <a:r>
+              <a:rPr lang="en-US" altLang="ko-KR" dirty="0" smtClean="0"/>
+              <a:t>        :</a:t>
+            </a:r>
+          </a:p>
+          <a:p>
+            <a:r>
+              <a:rPr lang="ko-KR" altLang="en-US" dirty="0" smtClean="0">
+                <a:hlinkClick r:id="rId2" action="ppaction://hlinksldjump"/>
+              </a:rPr>
+              <a:t>다음 버튼</a:t>
+            </a:r>
+            <a:endParaRPr lang="ko-KR" altLang="en-US" dirty="0" smtClean="0"/>
+          </a:p>
+          <a:p>
+            <a:endParaRPr lang="ko-KR" altLang="en-US" dirty="0"/>
+          </a:p>
+        </p:txBody>
+      </p:sp>
+    </p:spTree>
+    <p:extLst>
+      <p:ext uri="{BB962C8B-B14F-4D97-AF65-F5344CB8AC3E}">
+        <p14:creationId xmlns:p14="http://schemas.microsoft.com/office/powerpoint/2010/main" val="2807102315"/>
+      </p:ext>
+    </p:extLst>
+  </p:cSld>
+  <p:clrMapOvr>
+    <a:masterClrMapping/>
+  </p:clrMapOvr>
+  <p:timing>
+    <p:tnLst>
+      <p:par>
+        <p:cTn id="1" dur="indefinite" restart="never" nodeType="tmRoot"/>
+      </p:par>
+    </p:tnLst>
+  </p:timing>
+</p:sld>
+</file>
+
+<file path=ppt/slides/slide9.xml><?xml version="1.0" encoding="utf-8"?>
+<p:sld xmlns:a="http://schemas.openxmlformats.org/drawingml/2006/main" xmlns:r="http://schemas.openxmlformats.org/officeDocument/2006/relationships" xmlns:p="http://schemas.openxmlformats.org/presentationml/2006/main">
+  <p:cSld>
+    <p:spTree>
+      <p:nvGrpSpPr>
+        <p:cNvPr id="1" name=""/>
+        <p:cNvGrpSpPr/>
+        <p:nvPr/>
+      </p:nvGrpSpPr>
+      <p:grpSpPr>
+        <a:xfrm>
+          <a:off x="0" y="0"/>
+          <a:ext cx="0" cy="0"/>
+          <a:chOff x="0" y="0"/>
+          <a:chExt cx="0" cy="0"/>
+        </a:xfrm>
+      </p:grpSpPr>
+      <p:sp>
+        <p:nvSpPr>
+          <p:cNvPr id="2" name="제목 1"/>
+          <p:cNvSpPr>
+            <a:spLocks noGrp="1"/>
+          </p:cNvSpPr>
+          <p:nvPr>
+            <p:ph type="title"/>
+          </p:nvPr>
+        </p:nvSpPr>
+        <p:spPr/>
+        <p:txBody>
+          <a:bodyPr/>
+          <a:lstStyle/>
+          <a:p>
+            <a:r>
+              <a:rPr lang="ko-KR" altLang="en-US" dirty="0" smtClean="0"/>
+              <a:t>숙소 등록하기 </a:t>
+            </a:r>
+            <a:r>
+              <a:rPr lang="en-US" altLang="ko-KR" dirty="0" smtClean="0"/>
+              <a:t>– </a:t>
+            </a:r>
+            <a:r>
+              <a:rPr lang="ko-KR" altLang="en-US" smtClean="0"/>
+              <a:t>기본 </a:t>
+            </a:r>
+            <a:r>
+              <a:rPr lang="en-US" altLang="ko-KR" smtClean="0"/>
+              <a:t>6</a:t>
+            </a:r>
+            <a:r>
+              <a:rPr lang="ko-KR" altLang="en-US" dirty="0" smtClean="0"/>
+              <a:t>단계</a:t>
+            </a:r>
+            <a:endParaRPr lang="ko-KR" altLang="en-US" dirty="0"/>
+          </a:p>
+        </p:txBody>
+      </p:sp>
+      <p:sp>
+        <p:nvSpPr>
+          <p:cNvPr id="3" name="내용 개체 틀 2"/>
+          <p:cNvSpPr>
+            <a:spLocks noGrp="1"/>
+          </p:cNvSpPr>
+          <p:nvPr>
+            <p:ph idx="1"/>
+          </p:nvPr>
+        </p:nvSpPr>
+        <p:spPr/>
+        <p:txBody>
+          <a:bodyPr/>
+          <a:lstStyle/>
+          <a:p>
+            <a:r>
+              <a:rPr lang="ko-KR" altLang="en-US" dirty="0" smtClean="0"/>
+              <a:t>게스트 사용 공간</a:t>
+            </a:r>
+            <a:r>
+              <a:rPr lang="en-US" altLang="ko-KR" dirty="0" smtClean="0"/>
+              <a:t/>
+            </a:r>
+            <a:br>
+              <a:rPr lang="en-US" altLang="ko-KR" dirty="0" smtClean="0"/>
+            </a:br>
+            <a:r>
+              <a:rPr lang="en-US" altLang="ko-KR" dirty="0" smtClean="0"/>
+              <a:t>    - </a:t>
+            </a:r>
+            <a:r>
+              <a:rPr lang="ko-KR" altLang="en-US" dirty="0" smtClean="0"/>
+              <a:t>수영장</a:t>
+            </a:r>
+            <a:r>
+              <a:rPr lang="en-US" altLang="ko-KR" dirty="0" smtClean="0"/>
+              <a:t/>
+            </a:r>
+            <a:br>
+              <a:rPr lang="en-US" altLang="ko-KR" dirty="0" smtClean="0"/>
+            </a:br>
+            <a:r>
+              <a:rPr lang="en-US" altLang="ko-KR" dirty="0" smtClean="0"/>
+              <a:t>    - </a:t>
+            </a:r>
+            <a:r>
+              <a:rPr lang="ko-KR" altLang="en-US" dirty="0" smtClean="0"/>
+              <a:t>주방</a:t>
+            </a:r>
+            <a:r>
+              <a:rPr lang="en-US" altLang="ko-KR" dirty="0" smtClean="0"/>
+              <a:t/>
+            </a:r>
+            <a:br>
+              <a:rPr lang="en-US" altLang="ko-KR" dirty="0" smtClean="0"/>
+            </a:br>
+            <a:r>
+              <a:rPr lang="en-US" altLang="ko-KR" dirty="0" smtClean="0"/>
+              <a:t>    - </a:t>
+            </a:r>
+            <a:r>
+              <a:rPr lang="ko-KR" altLang="en-US" dirty="0" smtClean="0"/>
+              <a:t>빨래 </a:t>
+            </a:r>
+            <a:r>
+              <a:rPr lang="en-US" altLang="ko-KR" dirty="0" smtClean="0"/>
+              <a:t>- </a:t>
+            </a:r>
+            <a:r>
+              <a:rPr lang="ko-KR" altLang="en-US" dirty="0" smtClean="0"/>
+              <a:t>세탁기</a:t>
+            </a:r>
+            <a:r>
+              <a:rPr lang="en-US" altLang="ko-KR" dirty="0" smtClean="0"/>
+              <a:t/>
+            </a:r>
+            <a:br>
+              <a:rPr lang="en-US" altLang="ko-KR" dirty="0" smtClean="0"/>
+            </a:br>
+            <a:r>
+              <a:rPr lang="en-US" altLang="ko-KR" dirty="0" smtClean="0"/>
+              <a:t>        :</a:t>
+            </a:r>
+          </a:p>
+          <a:p>
+            <a:r>
+              <a:rPr lang="ko-KR" altLang="en-US" dirty="0" smtClean="0">
+                <a:hlinkClick r:id="rId2" action="ppaction://hlinksldjump"/>
+              </a:rPr>
+              <a:t>완료</a:t>
+            </a:r>
+            <a:r>
+              <a:rPr lang="ko-KR" altLang="en-US" dirty="0" smtClean="0">
+                <a:hlinkClick r:id="rId2" action="ppaction://hlinksldjump"/>
+              </a:rPr>
+              <a:t> 버튼</a:t>
+            </a:r>
+            <a:endParaRPr lang="ko-KR" altLang="en-US" dirty="0" smtClean="0"/>
+          </a:p>
+          <a:p>
+            <a:endParaRPr lang="ko-KR" altLang="en-US" dirty="0" smtClean="0"/>
+          </a:p>
+        </p:txBody>
+      </p:sp>
+    </p:spTree>
+    <p:extLst>
+      <p:ext uri="{BB962C8B-B14F-4D97-AF65-F5344CB8AC3E}">
+        <p14:creationId xmlns:p14="http://schemas.microsoft.com/office/powerpoint/2010/main" val="1201830137"/>
+      </p:ext>
+    </p:extLst>
+  </p:cSld>
+  <p:clrMapOvr>
+    <a:masterClrMapping/>
+  </p:clrMapOvr>
+  <p:timing>
+    <p:tnLst>
+      <p:par>
+        <p:cTn id="1" dur="indefinite" restart="never" nodeType="tmRoot"/>
+      </p:par>
+    </p:tnLst>
+  </p:timing>
 </p:sld>
 </file>
 
